--- a/공학설계 자료/공학설계_중간보고_발표자료(양식).pptx
+++ b/공학설계 자료/공학설계_중간보고_발표자료(양식).pptx
@@ -5,23 +5,24 @@
     <p:sldMasterId id="2147483662" r:id="rId1"/>
   </p:sldMasterIdLst>
   <p:notesMasterIdLst>
-    <p:notesMasterId r:id="rId13"/>
+    <p:notesMasterId r:id="rId14"/>
   </p:notesMasterIdLst>
   <p:handoutMasterIdLst>
-    <p:handoutMasterId r:id="rId14"/>
+    <p:handoutMasterId r:id="rId15"/>
   </p:handoutMasterIdLst>
   <p:sldIdLst>
     <p:sldId id="1286" r:id="rId2"/>
     <p:sldId id="992" r:id="rId3"/>
     <p:sldId id="1402" r:id="rId4"/>
-    <p:sldId id="1395" r:id="rId5"/>
-    <p:sldId id="1396" r:id="rId6"/>
-    <p:sldId id="1397" r:id="rId7"/>
-    <p:sldId id="1399" r:id="rId8"/>
-    <p:sldId id="1400" r:id="rId9"/>
-    <p:sldId id="1401" r:id="rId10"/>
-    <p:sldId id="1398" r:id="rId11"/>
-    <p:sldId id="1393" r:id="rId12"/>
+    <p:sldId id="1403" r:id="rId5"/>
+    <p:sldId id="1395" r:id="rId6"/>
+    <p:sldId id="1396" r:id="rId7"/>
+    <p:sldId id="1397" r:id="rId8"/>
+    <p:sldId id="1399" r:id="rId9"/>
+    <p:sldId id="1400" r:id="rId10"/>
+    <p:sldId id="1401" r:id="rId11"/>
+    <p:sldId id="1398" r:id="rId12"/>
+    <p:sldId id="1393" r:id="rId13"/>
   </p:sldIdLst>
   <p:sldSz cx="10561638" cy="7921625"/>
   <p:notesSz cx="6805613" cy="9939338"/>
@@ -128,6 +129,7 @@
             <p14:sldId id="1286"/>
             <p14:sldId id="992"/>
             <p14:sldId id="1402"/>
+            <p14:sldId id="1403"/>
             <p14:sldId id="1395"/>
             <p14:sldId id="1396"/>
             <p14:sldId id="1397"/>
@@ -255,7 +257,7 @@
             <a:fld id="{364CEFEC-D7CC-48CC-B5FF-0321E9F2F95E}" type="datetimeFigureOut">
               <a:rPr lang="ko-KR" altLang="en-US" smtClean="0"/>
               <a:pPr/>
-              <a:t>2020-10-21</a:t>
+              <a:t>2020-10-23</a:t>
             </a:fld>
             <a:endParaRPr lang="ko-KR" altLang="en-US"/>
           </a:p>
@@ -422,7 +424,7 @@
             <a:fld id="{133C5FC3-A607-4463-B82D-493EEF32E4AA}" type="datetimeFigureOut">
               <a:rPr lang="ko-KR" altLang="en-US" smtClean="0"/>
               <a:pPr/>
-              <a:t>2020-10-21</a:t>
+              <a:t>2020-10-23</a:t>
             </a:fld>
             <a:endParaRPr lang="ko-KR" altLang="en-US" dirty="0"/>
           </a:p>
@@ -1942,15 +1944,36 @@
             <p:ph type="ctrTitle"/>
           </p:nvPr>
         </p:nvSpPr>
-        <p:spPr/>
+        <p:spPr>
+          <a:xfrm>
+            <a:off x="1232347" y="2439631"/>
+            <a:ext cx="9089032" cy="1089135"/>
+          </a:xfrm>
+        </p:spPr>
         <p:txBody>
           <a:bodyPr/>
           <a:lstStyle/>
           <a:p>
             <a:r>
-              <a:rPr kumimoji="1" lang="ko-KR" altLang="en-US" dirty="0"/>
-              <a:t>과제 제목</a:t>
+              <a:rPr kumimoji="1" lang="en-US" altLang="ko-KR" dirty="0"/>
+              <a:t>THE FACO </a:t>
             </a:r>
+            <a:br>
+              <a:rPr kumimoji="1" lang="en-US" altLang="ko-KR" dirty="0"/>
+            </a:br>
+            <a:r>
+              <a:rPr kumimoji="1" lang="en-US" altLang="ko-KR" sz="3500" dirty="0"/>
+              <a:t>(</a:t>
+            </a:r>
+            <a:r>
+              <a:rPr kumimoji="1" lang="ko-KR" altLang="en-US" sz="3500" dirty="0"/>
+              <a:t>대중교통 실시간 대기인원 판별 서비스</a:t>
+            </a:r>
+            <a:r>
+              <a:rPr kumimoji="1" lang="en-US" altLang="ko-KR" sz="3500" dirty="0"/>
+              <a:t>)</a:t>
+            </a:r>
+            <a:endParaRPr kumimoji="1" lang="ko-KR" altLang="en-US" sz="3500" dirty="0"/>
           </a:p>
         </p:txBody>
       </p:sp>
@@ -1976,7 +1999,7 @@
           <a:lstStyle/>
           <a:p>
             <a:r>
-              <a:rPr kumimoji="1" lang="ko-KR" altLang="en-US" dirty="0"/>
+              <a:rPr kumimoji="1" lang="ko-KR" altLang="en-US" sz="2200" dirty="0"/>
               <a:t>공 학 설 계</a:t>
             </a:r>
           </a:p>
@@ -1997,14 +2020,14 @@
           <p:nvPr>
             <p:extLst>
               <p:ext uri="{D42A27DB-BD31-4B8C-83A1-F6EECF244321}">
-                <p14:modId xmlns:p14="http://schemas.microsoft.com/office/powerpoint/2010/main" val="2652537807"/>
+                <p14:modId xmlns:p14="http://schemas.microsoft.com/office/powerpoint/2010/main" val="935080049"/>
               </p:ext>
             </p:extLst>
           </p:nvPr>
         </p:nvGraphicFramePr>
         <p:xfrm>
           <a:off x="7369051" y="4968924"/>
-          <a:ext cx="3063875" cy="2889504"/>
+          <a:ext cx="3063875" cy="2516124"/>
         </p:xfrm>
         <a:graphic>
           <a:graphicData uri="http://schemas.openxmlformats.org/drawingml/2006/table">
@@ -2225,42 +2248,24 @@
                         </a:spcAft>
                       </a:pPr>
                       <a:r>
-                        <a:rPr lang="en-US" altLang="ko-KR" sz="1400" kern="0" spc="0">
+                        <a:rPr lang="en-US" altLang="ko-KR" sz="1400" kern="0" spc="0" dirty="0">
                           <a:effectLst/>
                         </a:rPr>
-                        <a:t>1493(</a:t>
+                        <a:t>1710(</a:t>
                       </a:r>
                       <a:r>
-                        <a:rPr lang="ko-KR" altLang="en-US" sz="1400" kern="0" spc="0">
-                          <a:effectLst/>
-                        </a:rPr>
-                        <a:t>월</a:t>
-                      </a:r>
-                      <a:r>
-                        <a:rPr lang="en-US" altLang="ko-KR" sz="1400" kern="0" spc="0">
-                          <a:effectLst/>
-                        </a:rPr>
-                        <a:t>)/1710(</a:t>
-                      </a:r>
-                      <a:r>
-                        <a:rPr lang="ko-KR" altLang="en-US" sz="1400" kern="0" spc="0">
+                        <a:rPr lang="ko-KR" altLang="en-US" sz="1400" kern="0" spc="0" dirty="0">
                           <a:effectLst/>
                         </a:rPr>
                         <a:t>목</a:t>
                       </a:r>
                       <a:r>
-                        <a:rPr lang="en-US" altLang="ko-KR" sz="1400" kern="0" spc="0">
+                        <a:rPr lang="en-US" altLang="ko-KR" sz="1400" kern="0" spc="0" dirty="0">
                           <a:effectLst/>
                         </a:rPr>
                         <a:t>)</a:t>
                       </a:r>
-                      <a:r>
-                        <a:rPr lang="ko-KR" altLang="en-US" sz="1400" kern="0" spc="0">
-                          <a:effectLst/>
-                        </a:rPr>
-                        <a:t>중 택일</a:t>
-                      </a:r>
-                      <a:endParaRPr lang="ko-KR" altLang="en-US" sz="1100" kern="0" spc="0">
+                      <a:endParaRPr lang="ko-KR" altLang="en-US" sz="1100" kern="0" spc="0" dirty="0">
                         <a:solidFill>
                           <a:srgbClr val="000000"/>
                         </a:solidFill>
@@ -2328,30 +2333,36 @@
                         </a:spcAft>
                       </a:pPr>
                       <a:r>
-                        <a:rPr lang="ko-KR" altLang="en-US" sz="1400" kern="0" spc="0">
+                        <a:rPr lang="en-US" altLang="ko-KR" sz="1400" kern="0" spc="0" dirty="0">
                           <a:effectLst/>
                         </a:rPr>
-                        <a:t>학번 이름 </a:t>
+                        <a:t>201512276 </a:t>
                       </a:r>
                       <a:r>
-                        <a:rPr lang="en-US" altLang="ko-KR" sz="1400" kern="0" spc="0">
+                        <a:rPr lang="ko-KR" altLang="en-US" sz="1400" kern="0" spc="0" dirty="0">
+                          <a:effectLst/>
+                        </a:rPr>
+                        <a:t>김우진 </a:t>
+                      </a:r>
+                      <a:r>
+                        <a:rPr lang="en-US" altLang="ko-KR" sz="1400" kern="0" spc="0" dirty="0">
                           <a:effectLst/>
                         </a:rPr>
                         <a:t>(</a:t>
                       </a:r>
                       <a:r>
-                        <a:rPr lang="ko-KR" altLang="en-US" sz="1400" kern="0" spc="0">
+                        <a:rPr lang="ko-KR" altLang="en-US" sz="1400" kern="0" spc="0" dirty="0">
                           <a:effectLst/>
                         </a:rPr>
-                        <a:t>학과</a:t>
+                        <a:t>전자공학과</a:t>
                       </a:r>
                       <a:r>
-                        <a:rPr lang="en-US" altLang="ko-KR" sz="1400" kern="0" spc="0">
+                        <a:rPr lang="en-US" altLang="ko-KR" sz="1400" kern="0" spc="0" dirty="0">
                           <a:effectLst/>
                         </a:rPr>
                         <a:t>)</a:t>
                       </a:r>
-                      <a:endParaRPr lang="ko-KR" altLang="en-US" sz="1100" kern="0" spc="0">
+                      <a:endParaRPr lang="ko-KR" altLang="en-US" sz="1100" kern="0" spc="0" dirty="0">
                         <a:solidFill>
                           <a:srgbClr val="000000"/>
                         </a:solidFill>
@@ -2419,30 +2430,18 @@
                         </a:spcAft>
                       </a:pPr>
                       <a:r>
-                        <a:rPr lang="ko-KR" altLang="en-US" sz="1400" kern="0" spc="0">
+                        <a:rPr lang="en-US" altLang="ko-KR" sz="1400" kern="0" spc="0" dirty="0">
                           <a:effectLst/>
                         </a:rPr>
-                        <a:t>학번 이름 </a:t>
+                        <a:t>201612310 </a:t>
                       </a:r>
                       <a:r>
-                        <a:rPr lang="en-US" altLang="ko-KR" sz="1400" kern="0" spc="0">
+                        <a:rPr lang="ko-KR" altLang="en-US" sz="1400" kern="0" spc="0" dirty="0" err="1">
                           <a:effectLst/>
                         </a:rPr>
-                        <a:t>(</a:t>
+                        <a:t>이채민</a:t>
                       </a:r>
-                      <a:r>
-                        <a:rPr lang="ko-KR" altLang="en-US" sz="1400" kern="0" spc="0">
-                          <a:effectLst/>
-                        </a:rPr>
-                        <a:t>학과</a:t>
-                      </a:r>
-                      <a:r>
-                        <a:rPr lang="en-US" altLang="ko-KR" sz="1400" kern="0" spc="0">
-                          <a:effectLst/>
-                        </a:rPr>
-                        <a:t>)</a:t>
-                      </a:r>
-                      <a:endParaRPr lang="ko-KR" altLang="en-US" sz="1100" kern="0" spc="0">
+                      <a:endParaRPr lang="en-US" altLang="ko-KR" sz="1400" kern="0" spc="0" dirty="0">
                         <a:effectLst/>
                       </a:endParaRPr>
                     </a:p>
@@ -2459,70 +2458,36 @@
                         </a:spcAft>
                       </a:pPr>
                       <a:r>
-                        <a:rPr lang="ko-KR" altLang="en-US" sz="1400" kern="0" spc="0">
+                        <a:rPr lang="en-US" altLang="ko-KR" sz="1400" kern="0" spc="0" dirty="0">
+                          <a:solidFill>
+                            <a:srgbClr val="000000"/>
+                          </a:solidFill>
                           <a:effectLst/>
-                        </a:rPr>
-                        <a:t>학번 이름 </a:t>
-                      </a:r>
-                      <a:r>
-                        <a:rPr lang="en-US" altLang="ko-KR" sz="1400" kern="0" spc="0">
-                          <a:effectLst/>
+                          <a:latin typeface="함초롬바탕" panose="02030604000101010101" pitchFamily="18" charset="-127"/>
                         </a:rPr>
                         <a:t>(</a:t>
                       </a:r>
                       <a:r>
-                        <a:rPr lang="ko-KR" altLang="en-US" sz="1400" kern="0" spc="0">
+                        <a:rPr lang="ko-KR" altLang="en-US" sz="1400" kern="0" spc="0" dirty="0">
+                          <a:solidFill>
+                            <a:srgbClr val="000000"/>
+                          </a:solidFill>
                           <a:effectLst/>
+                          <a:latin typeface="함초롬바탕" panose="02030604000101010101" pitchFamily="18" charset="-127"/>
                         </a:rPr>
-                        <a:t>학과</a:t>
+                        <a:t>전자공학과</a:t>
                       </a:r>
                       <a:r>
-                        <a:rPr lang="en-US" altLang="ko-KR" sz="1400" kern="0" spc="0">
+                        <a:rPr lang="en-US" altLang="ko-KR" sz="1400" kern="0" spc="0" dirty="0">
+                          <a:solidFill>
+                            <a:srgbClr val="000000"/>
+                          </a:solidFill>
                           <a:effectLst/>
+                          <a:latin typeface="함초롬바탕" panose="02030604000101010101" pitchFamily="18" charset="-127"/>
                         </a:rPr>
                         <a:t>)</a:t>
                       </a:r>
-                      <a:endParaRPr lang="ko-KR" altLang="en-US" sz="1100" kern="0" spc="0">
-                        <a:effectLst/>
-                      </a:endParaRPr>
-                    </a:p>
-                    <a:p>
-                      <a:pPr marL="0" marR="0" indent="0" algn="l" fontAlgn="base" latinLnBrk="0">
-                        <a:lnSpc>
-                          <a:spcPct val="140000"/>
-                        </a:lnSpc>
-                        <a:spcBef>
-                          <a:spcPts val="0"/>
-                        </a:spcBef>
-                        <a:spcAft>
-                          <a:spcPts val="0"/>
-                        </a:spcAft>
-                      </a:pPr>
-                      <a:r>
-                        <a:rPr lang="ko-KR" altLang="en-US" sz="1400" kern="0" spc="0">
-                          <a:effectLst/>
-                        </a:rPr>
-                        <a:t>학번 이름 </a:t>
-                      </a:r>
-                      <a:r>
-                        <a:rPr lang="en-US" altLang="ko-KR" sz="1400" kern="0" spc="0">
-                          <a:effectLst/>
-                        </a:rPr>
-                        <a:t>(</a:t>
-                      </a:r>
-                      <a:r>
-                        <a:rPr lang="ko-KR" altLang="en-US" sz="1400" kern="0" spc="0">
-                          <a:effectLst/>
-                        </a:rPr>
-                        <a:t>학과</a:t>
-                      </a:r>
-                      <a:r>
-                        <a:rPr lang="en-US" altLang="ko-KR" sz="1400" kern="0" spc="0">
-                          <a:effectLst/>
-                        </a:rPr>
-                        <a:t>)</a:t>
-                      </a:r>
-                      <a:endParaRPr lang="ko-KR" altLang="en-US" sz="1100" kern="0" spc="0">
+                      <a:endParaRPr lang="ko-KR" altLang="en-US" sz="1100" kern="0" spc="0" dirty="0">
                         <a:solidFill>
                           <a:srgbClr val="000000"/>
                         </a:solidFill>
@@ -2593,13 +2558,7 @@
                         <a:rPr lang="en-US" sz="1400" kern="0" spc="0" dirty="0">
                           <a:effectLst/>
                         </a:rPr>
-                        <a:t>2020/10/</a:t>
-                      </a:r>
-                      <a:r>
-                        <a:rPr lang="en-US" altLang="ko-KR" sz="1400" kern="0" spc="0" dirty="0">
-                          <a:effectLst/>
-                        </a:rPr>
-                        <a:t>XX</a:t>
+                        <a:t>2020/10/29</a:t>
                       </a:r>
                       <a:endParaRPr lang="en-US" sz="1100" kern="0" spc="0" dirty="0">
                         <a:solidFill>
@@ -2636,6 +2595,150 @@
 </file>
 
 <file path=ppt/slides/slide10.xml><?xml version="1.0" encoding="utf-8"?>
+<p:sld xmlns:a="http://schemas.openxmlformats.org/drawingml/2006/main" xmlns:r="http://schemas.openxmlformats.org/officeDocument/2006/relationships" xmlns:p="http://schemas.openxmlformats.org/presentationml/2006/main">
+  <p:cSld>
+    <p:spTree>
+      <p:nvGrpSpPr>
+        <p:cNvPr id="1" name=""/>
+        <p:cNvGrpSpPr/>
+        <p:nvPr/>
+      </p:nvGrpSpPr>
+      <p:grpSpPr>
+        <a:xfrm>
+          <a:off x="0" y="0"/>
+          <a:ext cx="0" cy="0"/>
+          <a:chOff x="0" y="0"/>
+          <a:chExt cx="0" cy="0"/>
+        </a:xfrm>
+      </p:grpSpPr>
+      <p:sp>
+        <p:nvSpPr>
+          <p:cNvPr id="2" name="텍스트 개체 틀 1">
+            <a:extLst>
+              <a:ext uri="{FF2B5EF4-FFF2-40B4-BE49-F238E27FC236}">
+                <a16:creationId xmlns:a16="http://schemas.microsoft.com/office/drawing/2014/main" id="{313F88F5-A0F8-4B0D-95F0-9E4A641BDDBF}"/>
+              </a:ext>
+            </a:extLst>
+          </p:cNvPr>
+          <p:cNvSpPr>
+            <a:spLocks noGrp="1"/>
+          </p:cNvSpPr>
+          <p:nvPr>
+            <p:ph type="body" sz="quarter" idx="10"/>
+          </p:nvPr>
+        </p:nvSpPr>
+        <p:spPr/>
+        <p:txBody>
+          <a:bodyPr/>
+          <a:lstStyle/>
+          <a:p>
+            <a:r>
+              <a:rPr lang="en-US" altLang="ko-KR" dirty="0"/>
+              <a:t>Main </a:t>
+            </a:r>
+            <a:r>
+              <a:rPr lang="ko-KR" altLang="en-US" dirty="0"/>
+              <a:t>기술 이슈 </a:t>
+            </a:r>
+            <a:r>
+              <a:rPr lang="en-US" altLang="ko-KR" dirty="0">
+                <a:solidFill>
+                  <a:schemeClr val="bg1">
+                    <a:lumMod val="50000"/>
+                  </a:schemeClr>
+                </a:solidFill>
+              </a:rPr>
+              <a:t>(</a:t>
+            </a:r>
+            <a:r>
+              <a:rPr lang="ko-KR" altLang="en-US" dirty="0">
+                <a:solidFill>
+                  <a:schemeClr val="bg1">
+                    <a:lumMod val="50000"/>
+                  </a:schemeClr>
+                </a:solidFill>
+              </a:rPr>
+              <a:t>최종보고때까지 해결해야 할 </a:t>
+            </a:r>
+            <a:r>
+              <a:rPr lang="en-US" altLang="ko-KR" dirty="0">
+                <a:solidFill>
+                  <a:schemeClr val="bg1">
+                    <a:lumMod val="50000"/>
+                  </a:schemeClr>
+                </a:solidFill>
+              </a:rPr>
+              <a:t>main point </a:t>
+            </a:r>
+            <a:r>
+              <a:rPr lang="ko-KR" altLang="en-US" dirty="0">
+                <a:solidFill>
+                  <a:schemeClr val="bg1">
+                    <a:lumMod val="50000"/>
+                  </a:schemeClr>
+                </a:solidFill>
+              </a:rPr>
+              <a:t>기술</a:t>
+            </a:r>
+            <a:r>
+              <a:rPr lang="en-US" altLang="ko-KR" dirty="0">
+                <a:solidFill>
+                  <a:schemeClr val="bg1">
+                    <a:lumMod val="50000"/>
+                  </a:schemeClr>
+                </a:solidFill>
+              </a:rPr>
+              <a:t>)</a:t>
+            </a:r>
+            <a:endParaRPr lang="ko-KR" altLang="en-US" dirty="0">
+              <a:solidFill>
+                <a:schemeClr val="bg1">
+                  <a:lumMod val="50000"/>
+                </a:schemeClr>
+              </a:solidFill>
+            </a:endParaRPr>
+          </a:p>
+        </p:txBody>
+      </p:sp>
+      <p:sp>
+        <p:nvSpPr>
+          <p:cNvPr id="3" name="내용 개체 틀 2">
+            <a:extLst>
+              <a:ext uri="{FF2B5EF4-FFF2-40B4-BE49-F238E27FC236}">
+                <a16:creationId xmlns:a16="http://schemas.microsoft.com/office/drawing/2014/main" id="{A9200048-DC0D-4905-8AEF-F7143FD373A9}"/>
+              </a:ext>
+            </a:extLst>
+          </p:cNvPr>
+          <p:cNvSpPr>
+            <a:spLocks noGrp="1"/>
+          </p:cNvSpPr>
+          <p:nvPr>
+            <p:ph sz="quarter" idx="11"/>
+          </p:nvPr>
+        </p:nvSpPr>
+        <p:spPr/>
+        <p:txBody>
+          <a:bodyPr/>
+          <a:lstStyle/>
+          <a:p>
+            <a:endParaRPr lang="ko-KR" altLang="en-US"/>
+          </a:p>
+        </p:txBody>
+      </p:sp>
+    </p:spTree>
+    <p:extLst>
+      <p:ext uri="{BB962C8B-B14F-4D97-AF65-F5344CB8AC3E}">
+        <p14:creationId xmlns:p14="http://schemas.microsoft.com/office/powerpoint/2010/main" val="623318139"/>
+      </p:ext>
+    </p:extLst>
+  </p:cSld>
+  <p:clrMapOvr>
+    <a:masterClrMapping/>
+  </p:clrMapOvr>
+</p:sld>
+</file>
+
+<file path=ppt/slides/slide11.xml><?xml version="1.0" encoding="utf-8"?>
 <p:sld xmlns:a="http://schemas.openxmlformats.org/drawingml/2006/main" xmlns:r="http://schemas.openxmlformats.org/officeDocument/2006/relationships" xmlns:p="http://schemas.openxmlformats.org/presentationml/2006/main">
   <p:cSld>
     <p:spTree>
@@ -2696,7 +2799,7 @@
             <p:ph sz="quarter" idx="11"/>
             <p:extLst>
               <p:ext uri="{D42A27DB-BD31-4B8C-83A1-F6EECF244321}">
-                <p14:modId xmlns:p14="http://schemas.microsoft.com/office/powerpoint/2010/main" val="3464861856"/>
+                <p14:modId xmlns:p14="http://schemas.microsoft.com/office/powerpoint/2010/main" val="1259539324"/>
               </p:ext>
             </p:extLst>
           </p:nvPr>
@@ -2710,21 +2813,21 @@
             <a:tbl>
               <a:tblPr/>
               <a:tblGrid>
-                <a:gridCol w="1694671">
+                <a:gridCol w="1296144">
                   <a:extLst>
                     <a:ext uri="{9D8B030D-6E8A-4147-A177-3AD203B41FA5}">
                       <a16:colId xmlns:a16="http://schemas.microsoft.com/office/drawing/2014/main" val="3804649965"/>
                     </a:ext>
                   </a:extLst>
                 </a:gridCol>
-                <a:gridCol w="1694671">
+                <a:gridCol w="1656184">
                   <a:extLst>
                     <a:ext uri="{9D8B030D-6E8A-4147-A177-3AD203B41FA5}">
                       <a16:colId xmlns:a16="http://schemas.microsoft.com/office/drawing/2014/main" val="3068063502"/>
                     </a:ext>
                   </a:extLst>
                 </a:gridCol>
-                <a:gridCol w="1623242">
+                <a:gridCol w="2060256">
                   <a:extLst>
                     <a:ext uri="{9D8B030D-6E8A-4147-A177-3AD203B41FA5}">
                       <a16:colId xmlns:a16="http://schemas.microsoft.com/office/drawing/2014/main" val="1699557520"/>
@@ -3649,6 +3752,557 @@
                     <a:bodyPr/>
                     <a:lstStyle/>
                     <a:p>
+                      <a:pPr marL="0" marR="0" lvl="0" indent="0" algn="ctr" defTabSz="972298" rtl="0" eaLnBrk="1" fontAlgn="base" latinLnBrk="0" hangingPunct="1">
+                        <a:lnSpc>
+                          <a:spcPct val="130000"/>
+                        </a:lnSpc>
+                        <a:spcBef>
+                          <a:spcPts val="0"/>
+                        </a:spcBef>
+                        <a:spcAft>
+                          <a:spcPts val="0"/>
+                        </a:spcAft>
+                        <a:buClrTx/>
+                        <a:buSzTx/>
+                        <a:buFontTx/>
+                        <a:buNone/>
+                        <a:tabLst/>
+                        <a:defRPr/>
+                      </a:pPr>
+                      <a:r>
+                        <a:rPr lang="ko-KR" altLang="en-US" sz="1400" b="1" kern="0" spc="-80" dirty="0">
+                          <a:solidFill>
+                            <a:srgbClr val="000000"/>
+                          </a:solidFill>
+                          <a:effectLst/>
+                          <a:latin typeface="함초롬바탕" panose="02030604000101010101" pitchFamily="18" charset="-127"/>
+                          <a:ea typeface="+mn-ea"/>
+                          <a:cs typeface="+mn-cs"/>
+                        </a:rPr>
+                        <a:t>엔비디아 </a:t>
+                      </a:r>
+                      <a:r>
+                        <a:rPr lang="ko-KR" altLang="en-US" sz="1400" b="1" kern="0" spc="-80" dirty="0" err="1">
+                          <a:solidFill>
+                            <a:srgbClr val="000000"/>
+                          </a:solidFill>
+                          <a:effectLst/>
+                          <a:latin typeface="함초롬바탕" panose="02030604000101010101" pitchFamily="18" charset="-127"/>
+                          <a:ea typeface="+mn-ea"/>
+                          <a:cs typeface="+mn-cs"/>
+                        </a:rPr>
+                        <a:t>젯슨</a:t>
+                      </a:r>
+                      <a:r>
+                        <a:rPr lang="ko-KR" altLang="en-US" sz="1400" b="1" kern="0" spc="-80" dirty="0">
+                          <a:solidFill>
+                            <a:srgbClr val="000000"/>
+                          </a:solidFill>
+                          <a:effectLst/>
+                          <a:latin typeface="함초롬바탕" panose="02030604000101010101" pitchFamily="18" charset="-127"/>
+                          <a:ea typeface="+mn-ea"/>
+                          <a:cs typeface="+mn-cs"/>
+                        </a:rPr>
+                        <a:t> 나노</a:t>
+                      </a:r>
+                      <a:endParaRPr lang="ko-KR" altLang="en-US" sz="1874" kern="1200" dirty="0">
+                        <a:solidFill>
+                          <a:schemeClr val="tx1"/>
+                        </a:solidFill>
+                        <a:effectLst/>
+                        <a:latin typeface="+mn-lt"/>
+                        <a:ea typeface="+mn-ea"/>
+                        <a:cs typeface="+mn-cs"/>
+                      </a:endParaRPr>
+                    </a:p>
+                  </a:txBody>
+                  <a:tcPr marL="17907" marR="17907" marT="17907" marB="17907" anchor="ctr">
+                    <a:lnL w="3556" cap="flat" cmpd="sng" algn="ctr">
+                      <a:solidFill>
+                        <a:srgbClr val="000000"/>
+                      </a:solidFill>
+                      <a:prstDash val="solid"/>
+                      <a:round/>
+                      <a:headEnd type="none" w="med" len="med"/>
+                      <a:tailEnd type="none" w="med" len="med"/>
+                    </a:lnL>
+                    <a:lnR w="3175" cap="flat" cmpd="sng" algn="ctr">
+                      <a:solidFill>
+                        <a:srgbClr val="000000"/>
+                      </a:solidFill>
+                      <a:prstDash val="solid"/>
+                      <a:round/>
+                      <a:headEnd type="none" w="med" len="med"/>
+                      <a:tailEnd type="none" w="med" len="med"/>
+                    </a:lnR>
+                    <a:lnT w="3556" cap="flat" cmpd="sng" algn="ctr">
+                      <a:solidFill>
+                        <a:srgbClr val="000000"/>
+                      </a:solidFill>
+                      <a:prstDash val="solid"/>
+                      <a:round/>
+                      <a:headEnd type="none" w="med" len="med"/>
+                      <a:tailEnd type="none" w="med" len="med"/>
+                    </a:lnT>
+                    <a:lnB w="3556" cap="flat" cmpd="sng" algn="ctr">
+                      <a:solidFill>
+                        <a:srgbClr val="000000"/>
+                      </a:solidFill>
+                      <a:prstDash val="solid"/>
+                      <a:round/>
+                      <a:headEnd type="none" w="med" len="med"/>
+                      <a:tailEnd type="none" w="med" len="med"/>
+                    </a:lnB>
+                  </a:tcPr>
+                </a:tc>
+                <a:tc>
+                  <a:txBody>
+                    <a:bodyPr/>
+                    <a:lstStyle/>
+                    <a:p>
+                      <a:pPr marL="0" marR="0" lvl="0" indent="0" algn="ctr" defTabSz="972298" rtl="0" eaLnBrk="1" fontAlgn="base" latinLnBrk="0" hangingPunct="1">
+                        <a:lnSpc>
+                          <a:spcPct val="130000"/>
+                        </a:lnSpc>
+                        <a:spcBef>
+                          <a:spcPts val="0"/>
+                        </a:spcBef>
+                        <a:spcAft>
+                          <a:spcPts val="0"/>
+                        </a:spcAft>
+                        <a:buClrTx/>
+                        <a:buSzTx/>
+                        <a:buFontTx/>
+                        <a:buNone/>
+                        <a:tabLst/>
+                        <a:defRPr/>
+                      </a:pPr>
+                      <a:r>
+                        <a:rPr lang="en-US" altLang="ko-KR" sz="1400" b="1" kern="1200" dirty="0">
+                          <a:solidFill>
+                            <a:schemeClr val="tx1"/>
+                          </a:solidFill>
+                          <a:effectLst/>
+                          <a:latin typeface="+mn-lt"/>
+                          <a:ea typeface="+mn-ea"/>
+                          <a:cs typeface="+mn-cs"/>
+                        </a:rPr>
+                        <a:t>NVIDIA Jetson Nano Development Kit-B01</a:t>
+                      </a:r>
+                    </a:p>
+                  </a:txBody>
+                  <a:tcPr marL="17907" marR="17907" marT="17907" marB="17907" anchor="ctr">
+                    <a:lnL w="3175" cap="flat" cmpd="sng" algn="ctr">
+                      <a:solidFill>
+                        <a:srgbClr val="000000"/>
+                      </a:solidFill>
+                      <a:prstDash val="solid"/>
+                      <a:round/>
+                      <a:headEnd type="none" w="med" len="med"/>
+                      <a:tailEnd type="none" w="med" len="med"/>
+                    </a:lnL>
+                    <a:lnR w="3556" cap="flat" cmpd="sng" algn="ctr">
+                      <a:solidFill>
+                        <a:srgbClr val="000000"/>
+                      </a:solidFill>
+                      <a:prstDash val="solid"/>
+                      <a:round/>
+                      <a:headEnd type="none" w="med" len="med"/>
+                      <a:tailEnd type="none" w="med" len="med"/>
+                    </a:lnR>
+                    <a:lnT w="3175" cap="flat" cmpd="sng" algn="ctr">
+                      <a:solidFill>
+                        <a:srgbClr val="000000"/>
+                      </a:solidFill>
+                      <a:prstDash val="solid"/>
+                      <a:round/>
+                      <a:headEnd type="none" w="med" len="med"/>
+                      <a:tailEnd type="none" w="med" len="med"/>
+                    </a:lnT>
+                    <a:lnB w="3175" cap="flat" cmpd="sng" algn="ctr">
+                      <a:solidFill>
+                        <a:srgbClr val="000000"/>
+                      </a:solidFill>
+                      <a:prstDash val="solid"/>
+                      <a:round/>
+                      <a:headEnd type="none" w="med" len="med"/>
+                      <a:tailEnd type="none" w="med" len="med"/>
+                    </a:lnB>
+                  </a:tcPr>
+                </a:tc>
+                <a:tc>
+                  <a:txBody>
+                    <a:bodyPr/>
+                    <a:lstStyle/>
+                    <a:p>
+                      <a:pPr marL="0" marR="0" indent="0" algn="ctr" fontAlgn="base" latinLnBrk="0">
+                        <a:lnSpc>
+                          <a:spcPct val="130000"/>
+                        </a:lnSpc>
+                        <a:spcBef>
+                          <a:spcPts val="0"/>
+                        </a:spcBef>
+                        <a:spcAft>
+                          <a:spcPts val="0"/>
+                        </a:spcAft>
+                      </a:pPr>
+                      <a:r>
+                        <a:rPr lang="en-US" altLang="ko-KR" sz="1400" kern="0" spc="-80" dirty="0">
+                          <a:solidFill>
+                            <a:srgbClr val="000000"/>
+                          </a:solidFill>
+                          <a:effectLst/>
+                          <a:latin typeface="한컴바탕"/>
+                        </a:rPr>
+                        <a:t>120000</a:t>
+                      </a:r>
+                      <a:endParaRPr lang="ko-KR" altLang="en-US" sz="1400" kern="0" spc="-80" dirty="0">
+                        <a:solidFill>
+                          <a:srgbClr val="000000"/>
+                        </a:solidFill>
+                        <a:effectLst/>
+                        <a:latin typeface="한컴바탕"/>
+                      </a:endParaRPr>
+                    </a:p>
+                  </a:txBody>
+                  <a:tcPr marL="17907" marR="17907" marT="17907" marB="17907" anchor="ctr">
+                    <a:lnL w="3556" cap="flat" cmpd="sng" algn="ctr">
+                      <a:solidFill>
+                        <a:srgbClr val="000000"/>
+                      </a:solidFill>
+                      <a:prstDash val="solid"/>
+                      <a:round/>
+                      <a:headEnd type="none" w="med" len="med"/>
+                      <a:tailEnd type="none" w="med" len="med"/>
+                    </a:lnL>
+                    <a:lnR w="3556" cap="flat" cmpd="sng" algn="ctr">
+                      <a:solidFill>
+                        <a:srgbClr val="000000"/>
+                      </a:solidFill>
+                      <a:prstDash val="solid"/>
+                      <a:round/>
+                      <a:headEnd type="none" w="med" len="med"/>
+                      <a:tailEnd type="none" w="med" len="med"/>
+                    </a:lnR>
+                    <a:lnT w="3175" cap="flat" cmpd="sng" algn="ctr">
+                      <a:solidFill>
+                        <a:srgbClr val="000000"/>
+                      </a:solidFill>
+                      <a:prstDash val="solid"/>
+                      <a:round/>
+                      <a:headEnd type="none" w="med" len="med"/>
+                      <a:tailEnd type="none" w="med" len="med"/>
+                    </a:lnT>
+                    <a:lnB w="3175" cap="flat" cmpd="sng" algn="ctr">
+                      <a:solidFill>
+                        <a:srgbClr val="000000"/>
+                      </a:solidFill>
+                      <a:prstDash val="solid"/>
+                      <a:round/>
+                      <a:headEnd type="none" w="med" len="med"/>
+                      <a:tailEnd type="none" w="med" len="med"/>
+                    </a:lnB>
+                  </a:tcPr>
+                </a:tc>
+                <a:tc>
+                  <a:txBody>
+                    <a:bodyPr/>
+                    <a:lstStyle/>
+                    <a:p>
+                      <a:pPr marL="0" marR="0" indent="0" algn="ctr" fontAlgn="base" latinLnBrk="0">
+                        <a:lnSpc>
+                          <a:spcPct val="130000"/>
+                        </a:lnSpc>
+                        <a:spcBef>
+                          <a:spcPts val="0"/>
+                        </a:spcBef>
+                        <a:spcAft>
+                          <a:spcPts val="0"/>
+                        </a:spcAft>
+                      </a:pPr>
+                      <a:r>
+                        <a:rPr lang="en-US" altLang="ko-KR" sz="1400" kern="0" spc="-80" dirty="0">
+                          <a:solidFill>
+                            <a:srgbClr val="000000"/>
+                          </a:solidFill>
+                          <a:effectLst/>
+                          <a:latin typeface="맑은 고딕" panose="020B0503020000020004" pitchFamily="50" charset="-127"/>
+                        </a:rPr>
+                        <a:t>1</a:t>
+                      </a:r>
+                      <a:endParaRPr lang="ko-KR" altLang="en-US" sz="1400" kern="0" spc="-80" dirty="0">
+                        <a:solidFill>
+                          <a:srgbClr val="000000"/>
+                        </a:solidFill>
+                        <a:effectLst/>
+                        <a:latin typeface="맑은 고딕" panose="020B0503020000020004" pitchFamily="50" charset="-127"/>
+                      </a:endParaRPr>
+                    </a:p>
+                  </a:txBody>
+                  <a:tcPr marL="17907" marR="17907" marT="17907" marB="17907" anchor="ctr">
+                    <a:lnL w="3556" cap="flat" cmpd="sng" algn="ctr">
+                      <a:solidFill>
+                        <a:srgbClr val="000000"/>
+                      </a:solidFill>
+                      <a:prstDash val="solid"/>
+                      <a:round/>
+                      <a:headEnd type="none" w="med" len="med"/>
+                      <a:tailEnd type="none" w="med" len="med"/>
+                    </a:lnL>
+                    <a:lnR w="3556" cap="flat" cmpd="sng" algn="ctr">
+                      <a:solidFill>
+                        <a:srgbClr val="000000"/>
+                      </a:solidFill>
+                      <a:prstDash val="solid"/>
+                      <a:round/>
+                      <a:headEnd type="none" w="med" len="med"/>
+                      <a:tailEnd type="none" w="med" len="med"/>
+                    </a:lnR>
+                    <a:lnT w="3175" cap="flat" cmpd="sng" algn="ctr">
+                      <a:solidFill>
+                        <a:srgbClr val="000000"/>
+                      </a:solidFill>
+                      <a:prstDash val="solid"/>
+                      <a:round/>
+                      <a:headEnd type="none" w="med" len="med"/>
+                      <a:tailEnd type="none" w="med" len="med"/>
+                    </a:lnT>
+                    <a:lnB w="3175" cap="flat" cmpd="sng" algn="ctr">
+                      <a:solidFill>
+                        <a:srgbClr val="000000"/>
+                      </a:solidFill>
+                      <a:prstDash val="solid"/>
+                      <a:round/>
+                      <a:headEnd type="none" w="med" len="med"/>
+                      <a:tailEnd type="none" w="med" len="med"/>
+                    </a:lnB>
+                  </a:tcPr>
+                </a:tc>
+                <a:tc>
+                  <a:txBody>
+                    <a:bodyPr/>
+                    <a:lstStyle/>
+                    <a:p>
+                      <a:pPr marL="0" marR="0" indent="0" algn="ctr" fontAlgn="base" latinLnBrk="0">
+                        <a:lnSpc>
+                          <a:spcPct val="130000"/>
+                        </a:lnSpc>
+                        <a:spcBef>
+                          <a:spcPts val="0"/>
+                        </a:spcBef>
+                        <a:spcAft>
+                          <a:spcPts val="0"/>
+                        </a:spcAft>
+                      </a:pPr>
+                      <a:r>
+                        <a:rPr lang="en-US" altLang="ko-KR" sz="1400" kern="0" spc="-80" dirty="0">
+                          <a:solidFill>
+                            <a:srgbClr val="000000"/>
+                          </a:solidFill>
+                          <a:effectLst/>
+                          <a:latin typeface="한컴바탕"/>
+                        </a:rPr>
+                        <a:t>120000</a:t>
+                      </a:r>
+                      <a:endParaRPr lang="ko-KR" altLang="en-US" sz="1400" kern="0" spc="-80" dirty="0">
+                        <a:solidFill>
+                          <a:srgbClr val="000000"/>
+                        </a:solidFill>
+                        <a:effectLst/>
+                        <a:latin typeface="한컴바탕"/>
+                      </a:endParaRPr>
+                    </a:p>
+                  </a:txBody>
+                  <a:tcPr marL="17907" marR="17907" marT="17907" marB="17907" anchor="ctr">
+                    <a:lnL w="3556" cap="flat" cmpd="sng" algn="ctr">
+                      <a:solidFill>
+                        <a:srgbClr val="000000"/>
+                      </a:solidFill>
+                      <a:prstDash val="solid"/>
+                      <a:round/>
+                      <a:headEnd type="none" w="med" len="med"/>
+                      <a:tailEnd type="none" w="med" len="med"/>
+                    </a:lnL>
+                    <a:lnR w="3556" cap="flat" cmpd="sng" algn="ctr">
+                      <a:solidFill>
+                        <a:srgbClr val="000000"/>
+                      </a:solidFill>
+                      <a:prstDash val="solid"/>
+                      <a:round/>
+                      <a:headEnd type="none" w="med" len="med"/>
+                      <a:tailEnd type="none" w="med" len="med"/>
+                    </a:lnR>
+                    <a:lnT w="3175" cap="flat" cmpd="sng" algn="ctr">
+                      <a:solidFill>
+                        <a:srgbClr val="000000"/>
+                      </a:solidFill>
+                      <a:prstDash val="solid"/>
+                      <a:round/>
+                      <a:headEnd type="none" w="med" len="med"/>
+                      <a:tailEnd type="none" w="med" len="med"/>
+                    </a:lnT>
+                    <a:lnB w="3175" cap="flat" cmpd="sng" algn="ctr">
+                      <a:solidFill>
+                        <a:srgbClr val="000000"/>
+                      </a:solidFill>
+                      <a:prstDash val="solid"/>
+                      <a:round/>
+                      <a:headEnd type="none" w="med" len="med"/>
+                      <a:tailEnd type="none" w="med" len="med"/>
+                    </a:lnB>
+                  </a:tcPr>
+                </a:tc>
+                <a:tc>
+                  <a:txBody>
+                    <a:bodyPr/>
+                    <a:lstStyle/>
+                    <a:p>
+                      <a:pPr marL="0" marR="0" indent="0" algn="ctr" fontAlgn="base" latinLnBrk="0">
+                        <a:lnSpc>
+                          <a:spcPct val="130000"/>
+                        </a:lnSpc>
+                        <a:spcBef>
+                          <a:spcPts val="0"/>
+                        </a:spcBef>
+                        <a:spcAft>
+                          <a:spcPts val="0"/>
+                        </a:spcAft>
+                      </a:pPr>
+                      <a:endParaRPr lang="ko-KR" altLang="en-US" sz="1800" kern="0" spc="-80">
+                        <a:solidFill>
+                          <a:srgbClr val="000000"/>
+                        </a:solidFill>
+                        <a:effectLst/>
+                        <a:latin typeface="함초롬바탕" panose="02030604000101010101" pitchFamily="18" charset="-127"/>
+                      </a:endParaRPr>
+                    </a:p>
+                  </a:txBody>
+                  <a:tcPr marL="17907" marR="17907" marT="17907" marB="17907" anchor="ctr">
+                    <a:lnL w="3556" cap="flat" cmpd="sng" algn="ctr">
+                      <a:solidFill>
+                        <a:srgbClr val="000000"/>
+                      </a:solidFill>
+                      <a:prstDash val="solid"/>
+                      <a:round/>
+                      <a:headEnd type="none" w="med" len="med"/>
+                      <a:tailEnd type="none" w="med" len="med"/>
+                    </a:lnL>
+                    <a:lnR w="3556" cap="flat" cmpd="sng" algn="ctr">
+                      <a:solidFill>
+                        <a:srgbClr val="000000"/>
+                      </a:solidFill>
+                      <a:prstDash val="solid"/>
+                      <a:round/>
+                      <a:headEnd type="none" w="med" len="med"/>
+                      <a:tailEnd type="none" w="med" len="med"/>
+                    </a:lnR>
+                    <a:lnT w="3175" cap="flat" cmpd="sng" algn="ctr">
+                      <a:solidFill>
+                        <a:srgbClr val="000000"/>
+                      </a:solidFill>
+                      <a:prstDash val="solid"/>
+                      <a:round/>
+                      <a:headEnd type="none" w="med" len="med"/>
+                      <a:tailEnd type="none" w="med" len="med"/>
+                    </a:lnT>
+                    <a:lnB w="3175" cap="flat" cmpd="sng" algn="ctr">
+                      <a:solidFill>
+                        <a:srgbClr val="000000"/>
+                      </a:solidFill>
+                      <a:prstDash val="solid"/>
+                      <a:round/>
+                      <a:headEnd type="none" w="med" len="med"/>
+                      <a:tailEnd type="none" w="med" len="med"/>
+                    </a:lnB>
+                  </a:tcPr>
+                </a:tc>
+                <a:tc>
+                  <a:txBody>
+                    <a:bodyPr/>
+                    <a:lstStyle/>
+                    <a:p>
+                      <a:pPr marL="0" marR="0" indent="0" algn="ctr" fontAlgn="base" latinLnBrk="0">
+                        <a:lnSpc>
+                          <a:spcPct val="130000"/>
+                        </a:lnSpc>
+                        <a:spcBef>
+                          <a:spcPts val="0"/>
+                        </a:spcBef>
+                        <a:spcAft>
+                          <a:spcPts val="0"/>
+                        </a:spcAft>
+                      </a:pPr>
+                      <a:endParaRPr lang="ko-KR" altLang="en-US" sz="1800" kern="0" spc="-80">
+                        <a:solidFill>
+                          <a:srgbClr val="000000"/>
+                        </a:solidFill>
+                        <a:effectLst/>
+                        <a:latin typeface="함초롬바탕" panose="02030604000101010101" pitchFamily="18" charset="-127"/>
+                      </a:endParaRPr>
+                    </a:p>
+                  </a:txBody>
+                  <a:tcPr marL="17907" marR="17907" marT="17907" marB="17907" anchor="ctr">
+                    <a:lnL w="3556" cap="flat" cmpd="sng" algn="ctr">
+                      <a:solidFill>
+                        <a:srgbClr val="000000"/>
+                      </a:solidFill>
+                      <a:prstDash val="solid"/>
+                      <a:round/>
+                      <a:headEnd type="none" w="med" len="med"/>
+                      <a:tailEnd type="none" w="med" len="med"/>
+                    </a:lnL>
+                    <a:lnR w="17907" cap="flat" cmpd="sng" algn="ctr">
+                      <a:solidFill>
+                        <a:srgbClr val="000000"/>
+                      </a:solidFill>
+                      <a:prstDash val="solid"/>
+                      <a:round/>
+                      <a:headEnd type="none" w="med" len="med"/>
+                      <a:tailEnd type="none" w="med" len="med"/>
+                    </a:lnR>
+                    <a:lnT w="3175" cap="flat" cmpd="sng" algn="ctr">
+                      <a:solidFill>
+                        <a:srgbClr val="000000"/>
+                      </a:solidFill>
+                      <a:prstDash val="solid"/>
+                      <a:round/>
+                      <a:headEnd type="none" w="med" len="med"/>
+                      <a:tailEnd type="none" w="med" len="med"/>
+                    </a:lnT>
+                    <a:lnB w="3175" cap="flat" cmpd="sng" algn="ctr">
+                      <a:solidFill>
+                        <a:srgbClr val="000000"/>
+                      </a:solidFill>
+                      <a:prstDash val="solid"/>
+                      <a:round/>
+                      <a:headEnd type="none" w="med" len="med"/>
+                      <a:tailEnd type="none" w="med" len="med"/>
+                    </a:lnB>
+                  </a:tcPr>
+                </a:tc>
+                <a:extLst>
+                  <a:ext uri="{0D108BD9-81ED-4DB2-BD59-A6C34878D82A}">
+                    <a16:rowId xmlns:a16="http://schemas.microsoft.com/office/drawing/2014/main" val="2425822172"/>
+                  </a:ext>
+                </a:extLst>
+              </a:tr>
+              <a:tr h="766714">
+                <a:tc vMerge="1">
+                  <a:txBody>
+                    <a:bodyPr/>
+                    <a:lstStyle/>
+                    <a:p>
+                      <a:pPr latinLnBrk="1"/>
+                      <a:endParaRPr lang="ko-KR" altLang="en-US"/>
+                    </a:p>
+                  </a:txBody>
+                  <a:tcPr/>
+                </a:tc>
+                <a:tc>
+                  <a:txBody>
+                    <a:bodyPr/>
+                    <a:lstStyle/>
+                    <a:p>
                       <a:pPr marL="0" marR="0" indent="0" algn="ctr" fontAlgn="base" latinLnBrk="0">
                         <a:lnSpc>
                           <a:spcPct val="130000"/>
@@ -3679,7 +4333,7 @@
                       <a:headEnd type="none" w="med" len="med"/>
                       <a:tailEnd type="none" w="med" len="med"/>
                     </a:lnL>
-                    <a:lnR w="3175" cap="flat" cmpd="sng" algn="ctr">
+                    <a:lnR w="3556" cap="flat" cmpd="sng" algn="ctr">
                       <a:solidFill>
                         <a:srgbClr val="000000"/>
                       </a:solidFill>
@@ -3689,6 +4343,70 @@
                       <a:tailEnd type="none" w="med" len="med"/>
                     </a:lnR>
                     <a:lnT w="3556" cap="flat" cmpd="sng" algn="ctr">
+                      <a:solidFill>
+                        <a:srgbClr val="000000"/>
+                      </a:solidFill>
+                      <a:prstDash val="solid"/>
+                      <a:round/>
+                      <a:headEnd type="none" w="med" len="med"/>
+                      <a:tailEnd type="none" w="med" len="med"/>
+                    </a:lnT>
+                    <a:lnB w="3556" cap="flat" cmpd="sng" algn="ctr">
+                      <a:solidFill>
+                        <a:srgbClr val="000000"/>
+                      </a:solidFill>
+                      <a:prstDash val="solid"/>
+                      <a:round/>
+                      <a:headEnd type="none" w="med" len="med"/>
+                      <a:tailEnd type="none" w="med" len="med"/>
+                    </a:lnB>
+                  </a:tcPr>
+                </a:tc>
+                <a:tc>
+                  <a:txBody>
+                    <a:bodyPr/>
+                    <a:lstStyle/>
+                    <a:p>
+                      <a:pPr marL="0" marR="0" indent="0" algn="ctr" fontAlgn="base" latinLnBrk="0">
+                        <a:lnSpc>
+                          <a:spcPct val="100000"/>
+                        </a:lnSpc>
+                        <a:spcBef>
+                          <a:spcPts val="0"/>
+                        </a:spcBef>
+                        <a:spcAft>
+                          <a:spcPts val="0"/>
+                        </a:spcAft>
+                      </a:pPr>
+                      <a:endParaRPr lang="ko-KR" altLang="en-US" sz="1800" kern="0" spc="-80">
+                        <a:solidFill>
+                          <a:srgbClr val="0000FF"/>
+                        </a:solidFill>
+                        <a:effectLst/>
+                        <a:latin typeface="함초롬바탕" panose="02030604000101010101" pitchFamily="18" charset="-127"/>
+                      </a:endParaRPr>
+                    </a:p>
+                  </a:txBody>
+                  <a:tcPr marL="17907" marR="17907" marT="17907" marB="17907" anchor="ctr">
+                    <a:lnL w="3556" cap="flat" cmpd="sng" algn="ctr">
+                      <a:solidFill>
+                        <a:srgbClr val="000000"/>
+                      </a:solidFill>
+                      <a:prstDash val="solid"/>
+                      <a:round/>
+                      <a:headEnd type="none" w="med" len="med"/>
+                      <a:tailEnd type="none" w="med" len="med"/>
+                    </a:lnL>
+                    <a:lnR w="3556" cap="flat" cmpd="sng" algn="ctr">
+                      <a:solidFill>
+                        <a:srgbClr val="000000"/>
+                      </a:solidFill>
+                      <a:prstDash val="solid"/>
+                      <a:round/>
+                      <a:headEnd type="none" w="med" len="med"/>
+                      <a:tailEnd type="none" w="med" len="med"/>
+                    </a:lnR>
+                    <a:lnT w="3175" cap="flat" cmpd="sng" algn="ctr">
                       <a:solidFill>
                         <a:srgbClr val="000000"/>
                       </a:solidFill>
@@ -3724,17 +4442,17 @@
                           <a:spcPts val="0"/>
                         </a:spcAft>
                       </a:pPr>
-                      <a:endParaRPr lang="ko-KR" altLang="en-US" sz="1400" kern="0" spc="-80" dirty="0">
+                      <a:endParaRPr lang="ko-KR" altLang="en-US" sz="1800" kern="0" spc="-80" dirty="0">
                         <a:solidFill>
                           <a:srgbClr val="000000"/>
                         </a:solidFill>
                         <a:effectLst/>
-                        <a:latin typeface="한컴바탕"/>
+                        <a:latin typeface="함초롬바탕" panose="02030604000101010101" pitchFamily="18" charset="-127"/>
                       </a:endParaRPr>
                     </a:p>
                   </a:txBody>
                   <a:tcPr marL="17907" marR="17907" marT="17907" marB="17907" anchor="ctr">
-                    <a:lnL w="3175" cap="flat" cmpd="sng" algn="ctr">
+                    <a:lnL w="3556" cap="flat" cmpd="sng" algn="ctr">
                       <a:solidFill>
                         <a:srgbClr val="000000"/>
                       </a:solidFill>
@@ -3761,199 +4479,7 @@
                       <a:headEnd type="none" w="med" len="med"/>
                       <a:tailEnd type="none" w="med" len="med"/>
                     </a:lnT>
-                    <a:lnB w="3175" cap="flat" cmpd="sng" algn="ctr">
-                      <a:solidFill>
-                        <a:srgbClr val="000000"/>
-                      </a:solidFill>
-                      <a:prstDash val="solid"/>
-                      <a:round/>
-                      <a:headEnd type="none" w="med" len="med"/>
-                      <a:tailEnd type="none" w="med" len="med"/>
-                    </a:lnB>
-                  </a:tcPr>
-                </a:tc>
-                <a:tc>
-                  <a:txBody>
-                    <a:bodyPr/>
-                    <a:lstStyle/>
-                    <a:p>
-                      <a:pPr marL="0" marR="0" indent="0" algn="ctr" fontAlgn="base" latinLnBrk="0">
-                        <a:lnSpc>
-                          <a:spcPct val="130000"/>
-                        </a:lnSpc>
-                        <a:spcBef>
-                          <a:spcPts val="0"/>
-                        </a:spcBef>
-                        <a:spcAft>
-                          <a:spcPts val="0"/>
-                        </a:spcAft>
-                      </a:pPr>
-                      <a:endParaRPr lang="ko-KR" altLang="en-US" sz="1400" kern="0" spc="-80">
-                        <a:solidFill>
-                          <a:srgbClr val="000000"/>
-                        </a:solidFill>
-                        <a:effectLst/>
-                        <a:latin typeface="한컴바탕"/>
-                      </a:endParaRPr>
-                    </a:p>
-                  </a:txBody>
-                  <a:tcPr marL="17907" marR="17907" marT="17907" marB="17907" anchor="ctr">
-                    <a:lnL w="3556" cap="flat" cmpd="sng" algn="ctr">
-                      <a:solidFill>
-                        <a:srgbClr val="000000"/>
-                      </a:solidFill>
-                      <a:prstDash val="solid"/>
-                      <a:round/>
-                      <a:headEnd type="none" w="med" len="med"/>
-                      <a:tailEnd type="none" w="med" len="med"/>
-                    </a:lnL>
-                    <a:lnR w="3556" cap="flat" cmpd="sng" algn="ctr">
-                      <a:solidFill>
-                        <a:srgbClr val="000000"/>
-                      </a:solidFill>
-                      <a:prstDash val="solid"/>
-                      <a:round/>
-                      <a:headEnd type="none" w="med" len="med"/>
-                      <a:tailEnd type="none" w="med" len="med"/>
-                    </a:lnR>
-                    <a:lnT w="3175" cap="flat" cmpd="sng" algn="ctr">
-                      <a:solidFill>
-                        <a:srgbClr val="000000"/>
-                      </a:solidFill>
-                      <a:prstDash val="solid"/>
-                      <a:round/>
-                      <a:headEnd type="none" w="med" len="med"/>
-                      <a:tailEnd type="none" w="med" len="med"/>
-                    </a:lnT>
-                    <a:lnB w="3175" cap="flat" cmpd="sng" algn="ctr">
-                      <a:solidFill>
-                        <a:srgbClr val="000000"/>
-                      </a:solidFill>
-                      <a:prstDash val="solid"/>
-                      <a:round/>
-                      <a:headEnd type="none" w="med" len="med"/>
-                      <a:tailEnd type="none" w="med" len="med"/>
-                    </a:lnB>
-                  </a:tcPr>
-                </a:tc>
-                <a:tc>
-                  <a:txBody>
-                    <a:bodyPr/>
-                    <a:lstStyle/>
-                    <a:p>
-                      <a:pPr marL="0" marR="0" indent="0" algn="ctr" fontAlgn="base" latinLnBrk="0">
-                        <a:lnSpc>
-                          <a:spcPct val="130000"/>
-                        </a:lnSpc>
-                        <a:spcBef>
-                          <a:spcPts val="0"/>
-                        </a:spcBef>
-                        <a:spcAft>
-                          <a:spcPts val="0"/>
-                        </a:spcAft>
-                      </a:pPr>
-                      <a:endParaRPr lang="ko-KR" altLang="en-US" sz="1400" kern="0" spc="-80">
-                        <a:solidFill>
-                          <a:srgbClr val="000000"/>
-                        </a:solidFill>
-                        <a:effectLst/>
-                        <a:latin typeface="맑은 고딕" panose="020B0503020000020004" pitchFamily="50" charset="-127"/>
-                      </a:endParaRPr>
-                    </a:p>
-                  </a:txBody>
-                  <a:tcPr marL="17907" marR="17907" marT="17907" marB="17907" anchor="ctr">
-                    <a:lnL w="3556" cap="flat" cmpd="sng" algn="ctr">
-                      <a:solidFill>
-                        <a:srgbClr val="000000"/>
-                      </a:solidFill>
-                      <a:prstDash val="solid"/>
-                      <a:round/>
-                      <a:headEnd type="none" w="med" len="med"/>
-                      <a:tailEnd type="none" w="med" len="med"/>
-                    </a:lnL>
-                    <a:lnR w="3556" cap="flat" cmpd="sng" algn="ctr">
-                      <a:solidFill>
-                        <a:srgbClr val="000000"/>
-                      </a:solidFill>
-                      <a:prstDash val="solid"/>
-                      <a:round/>
-                      <a:headEnd type="none" w="med" len="med"/>
-                      <a:tailEnd type="none" w="med" len="med"/>
-                    </a:lnR>
-                    <a:lnT w="3175" cap="flat" cmpd="sng" algn="ctr">
-                      <a:solidFill>
-                        <a:srgbClr val="000000"/>
-                      </a:solidFill>
-                      <a:prstDash val="solid"/>
-                      <a:round/>
-                      <a:headEnd type="none" w="med" len="med"/>
-                      <a:tailEnd type="none" w="med" len="med"/>
-                    </a:lnT>
-                    <a:lnB w="3175" cap="flat" cmpd="sng" algn="ctr">
-                      <a:solidFill>
-                        <a:srgbClr val="000000"/>
-                      </a:solidFill>
-                      <a:prstDash val="solid"/>
-                      <a:round/>
-                      <a:headEnd type="none" w="med" len="med"/>
-                      <a:tailEnd type="none" w="med" len="med"/>
-                    </a:lnB>
-                  </a:tcPr>
-                </a:tc>
-                <a:tc>
-                  <a:txBody>
-                    <a:bodyPr/>
-                    <a:lstStyle/>
-                    <a:p>
-                      <a:pPr marL="0" marR="0" indent="0" algn="ctr" fontAlgn="base" latinLnBrk="0">
-                        <a:lnSpc>
-                          <a:spcPct val="130000"/>
-                        </a:lnSpc>
-                        <a:spcBef>
-                          <a:spcPts val="0"/>
-                        </a:spcBef>
-                        <a:spcAft>
-                          <a:spcPts val="0"/>
-                        </a:spcAft>
-                      </a:pPr>
-                      <a:endParaRPr lang="ko-KR" altLang="en-US" sz="1400" kern="0" spc="-80">
-                        <a:solidFill>
-                          <a:srgbClr val="000000"/>
-                        </a:solidFill>
-                        <a:effectLst/>
-                        <a:latin typeface="한컴바탕"/>
-                      </a:endParaRPr>
-                    </a:p>
-                  </a:txBody>
-                  <a:tcPr marL="17907" marR="17907" marT="17907" marB="17907" anchor="ctr">
-                    <a:lnL w="3556" cap="flat" cmpd="sng" algn="ctr">
-                      <a:solidFill>
-                        <a:srgbClr val="000000"/>
-                      </a:solidFill>
-                      <a:prstDash val="solid"/>
-                      <a:round/>
-                      <a:headEnd type="none" w="med" len="med"/>
-                      <a:tailEnd type="none" w="med" len="med"/>
-                    </a:lnL>
-                    <a:lnR w="3556" cap="flat" cmpd="sng" algn="ctr">
-                      <a:solidFill>
-                        <a:srgbClr val="000000"/>
-                      </a:solidFill>
-                      <a:prstDash val="solid"/>
-                      <a:round/>
-                      <a:headEnd type="none" w="med" len="med"/>
-                      <a:tailEnd type="none" w="med" len="med"/>
-                    </a:lnR>
-                    <a:lnT w="3175" cap="flat" cmpd="sng" algn="ctr">
-                      <a:solidFill>
-                        <a:srgbClr val="000000"/>
-                      </a:solidFill>
-                      <a:prstDash val="solid"/>
-                      <a:round/>
-                      <a:headEnd type="none" w="med" len="med"/>
-                      <a:tailEnd type="none" w="med" len="med"/>
-                    </a:lnT>
-                    <a:lnB w="3175" cap="flat" cmpd="sng" algn="ctr">
+                    <a:lnB w="3556" cap="flat" cmpd="sng" algn="ctr">
                       <a:solidFill>
                         <a:srgbClr val="000000"/>
                       </a:solidFill>
@@ -4017,7 +4543,7 @@
                       <a:headEnd type="none" w="med" len="med"/>
                       <a:tailEnd type="none" w="med" len="med"/>
                     </a:lnT>
-                    <a:lnB w="3175" cap="flat" cmpd="sng" algn="ctr">
+                    <a:lnB w="3556" cap="flat" cmpd="sng" algn="ctr">
                       <a:solidFill>
                         <a:srgbClr val="000000"/>
                       </a:solidFill>
@@ -4063,7 +4589,7 @@
                       <a:headEnd type="none" w="med" len="med"/>
                       <a:tailEnd type="none" w="med" len="med"/>
                     </a:lnL>
-                    <a:lnR w="17907" cap="flat" cmpd="sng" algn="ctr">
+                    <a:lnR w="3556" cap="flat" cmpd="sng" algn="ctr">
                       <a:solidFill>
                         <a:srgbClr val="000000"/>
                       </a:solidFill>
@@ -4081,7 +4607,7 @@
                       <a:headEnd type="none" w="med" len="med"/>
                       <a:tailEnd type="none" w="med" len="med"/>
                     </a:lnT>
-                    <a:lnB w="3175" cap="flat" cmpd="sng" algn="ctr">
+                    <a:lnB w="3556" cap="flat" cmpd="sng" algn="ctr">
                       <a:solidFill>
                         <a:srgbClr val="000000"/>
                       </a:solidFill>
@@ -4091,24 +4617,6 @@
                       <a:tailEnd type="none" w="med" len="med"/>
                     </a:lnB>
                   </a:tcPr>
-                </a:tc>
-                <a:extLst>
-                  <a:ext uri="{0D108BD9-81ED-4DB2-BD59-A6C34878D82A}">
-                    <a16:rowId xmlns:a16="http://schemas.microsoft.com/office/drawing/2014/main" val="2425822172"/>
-                  </a:ext>
-                </a:extLst>
-              </a:tr>
-              <a:tr h="766714">
-                <a:tc vMerge="1">
-                  <a:txBody>
-                    <a:bodyPr/>
-                    <a:lstStyle/>
-                    <a:p>
-                      <a:pPr latinLnBrk="1"/>
-                      <a:endParaRPr lang="ko-KR" altLang="en-US"/>
-                    </a:p>
-                  </a:txBody>
-                  <a:tcPr/>
                 </a:tc>
                 <a:tc>
                   <a:txBody>
@@ -4154,6 +4662,152 @@
                       <a:headEnd type="none" w="med" len="med"/>
                       <a:tailEnd type="none" w="med" len="med"/>
                     </a:lnR>
+                    <a:lnT w="3175" cap="flat" cmpd="sng" algn="ctr">
+                      <a:solidFill>
+                        <a:srgbClr val="000000"/>
+                      </a:solidFill>
+                      <a:prstDash val="solid"/>
+                      <a:round/>
+                      <a:headEnd type="none" w="med" len="med"/>
+                      <a:tailEnd type="none" w="med" len="med"/>
+                    </a:lnT>
+                    <a:lnB w="3556" cap="flat" cmpd="sng" algn="ctr">
+                      <a:solidFill>
+                        <a:srgbClr val="000000"/>
+                      </a:solidFill>
+                      <a:prstDash val="solid"/>
+                      <a:round/>
+                      <a:headEnd type="none" w="med" len="med"/>
+                      <a:tailEnd type="none" w="med" len="med"/>
+                    </a:lnB>
+                  </a:tcPr>
+                </a:tc>
+                <a:tc>
+                  <a:txBody>
+                    <a:bodyPr/>
+                    <a:lstStyle/>
+                    <a:p>
+                      <a:pPr marL="0" marR="0" indent="0" algn="ctr" fontAlgn="base" latinLnBrk="0">
+                        <a:lnSpc>
+                          <a:spcPct val="130000"/>
+                        </a:lnSpc>
+                        <a:spcBef>
+                          <a:spcPts val="0"/>
+                        </a:spcBef>
+                        <a:spcAft>
+                          <a:spcPts val="0"/>
+                        </a:spcAft>
+                      </a:pPr>
+                      <a:endParaRPr lang="ko-KR" altLang="en-US" sz="1800" i="1" kern="0" spc="-80">
+                        <a:solidFill>
+                          <a:srgbClr val="0000FF"/>
+                        </a:solidFill>
+                        <a:effectLst/>
+                        <a:latin typeface="함초롬바탕" panose="02030604000101010101" pitchFamily="18" charset="-127"/>
+                      </a:endParaRPr>
+                    </a:p>
+                  </a:txBody>
+                  <a:tcPr marL="17907" marR="17907" marT="17907" marB="17907" anchor="ctr">
+                    <a:lnL w="3556" cap="flat" cmpd="sng" algn="ctr">
+                      <a:solidFill>
+                        <a:srgbClr val="000000"/>
+                      </a:solidFill>
+                      <a:prstDash val="solid"/>
+                      <a:round/>
+                      <a:headEnd type="none" w="med" len="med"/>
+                      <a:tailEnd type="none" w="med" len="med"/>
+                    </a:lnL>
+                    <a:lnR w="17907" cap="flat" cmpd="sng" algn="ctr">
+                      <a:solidFill>
+                        <a:srgbClr val="000000"/>
+                      </a:solidFill>
+                      <a:prstDash val="solid"/>
+                      <a:round/>
+                      <a:headEnd type="none" w="med" len="med"/>
+                      <a:tailEnd type="none" w="med" len="med"/>
+                    </a:lnR>
+                    <a:lnT w="3175" cap="flat" cmpd="sng" algn="ctr">
+                      <a:solidFill>
+                        <a:srgbClr val="000000"/>
+                      </a:solidFill>
+                      <a:prstDash val="solid"/>
+                      <a:round/>
+                      <a:headEnd type="none" w="med" len="med"/>
+                      <a:tailEnd type="none" w="med" len="med"/>
+                    </a:lnT>
+                    <a:lnB w="3556" cap="flat" cmpd="sng" algn="ctr">
+                      <a:solidFill>
+                        <a:srgbClr val="000000"/>
+                      </a:solidFill>
+                      <a:prstDash val="solid"/>
+                      <a:round/>
+                      <a:headEnd type="none" w="med" len="med"/>
+                      <a:tailEnd type="none" w="med" len="med"/>
+                    </a:lnB>
+                  </a:tcPr>
+                </a:tc>
+                <a:extLst>
+                  <a:ext uri="{0D108BD9-81ED-4DB2-BD59-A6C34878D82A}">
+                    <a16:rowId xmlns:a16="http://schemas.microsoft.com/office/drawing/2014/main" val="932813888"/>
+                  </a:ext>
+                </a:extLst>
+              </a:tr>
+              <a:tr h="766714">
+                <a:tc vMerge="1">
+                  <a:txBody>
+                    <a:bodyPr/>
+                    <a:lstStyle/>
+                    <a:p>
+                      <a:pPr latinLnBrk="1"/>
+                      <a:endParaRPr lang="ko-KR" altLang="en-US"/>
+                    </a:p>
+                  </a:txBody>
+                  <a:tcPr/>
+                </a:tc>
+                <a:tc>
+                  <a:txBody>
+                    <a:bodyPr/>
+                    <a:lstStyle/>
+                    <a:p>
+                      <a:pPr marL="0" marR="0" indent="0" algn="ctr" fontAlgn="base" latinLnBrk="0">
+                        <a:lnSpc>
+                          <a:spcPct val="130000"/>
+                        </a:lnSpc>
+                        <a:spcBef>
+                          <a:spcPts val="0"/>
+                        </a:spcBef>
+                        <a:spcAft>
+                          <a:spcPts val="0"/>
+                        </a:spcAft>
+                      </a:pPr>
+                      <a:endParaRPr lang="ko-KR" altLang="en-US" sz="1800" kern="0" spc="-80">
+                        <a:solidFill>
+                          <a:srgbClr val="000000"/>
+                        </a:solidFill>
+                        <a:effectLst/>
+                        <a:latin typeface="함초롬바탕" panose="02030604000101010101" pitchFamily="18" charset="-127"/>
+                      </a:endParaRPr>
+                    </a:p>
+                  </a:txBody>
+                  <a:tcPr marL="17907" marR="17907" marT="17907" marB="17907" anchor="ctr">
+                    <a:lnL w="3556" cap="flat" cmpd="sng" algn="ctr">
+                      <a:solidFill>
+                        <a:srgbClr val="000000"/>
+                      </a:solidFill>
+                      <a:prstDash val="solid"/>
+                      <a:round/>
+                      <a:headEnd type="none" w="med" len="med"/>
+                      <a:tailEnd type="none" w="med" len="med"/>
+                    </a:lnL>
+                    <a:lnR w="3556" cap="flat" cmpd="sng" algn="ctr">
+                      <a:solidFill>
+                        <a:srgbClr val="000000"/>
+                      </a:solidFill>
+                      <a:prstDash val="solid"/>
+                      <a:round/>
+                      <a:headEnd type="none" w="med" len="med"/>
+                      <a:tailEnd type="none" w="med" len="med"/>
+                    </a:lnR>
                     <a:lnT w="3556" cap="flat" cmpd="sng" algn="ctr">
                       <a:solidFill>
                         <a:srgbClr val="000000"/>
@@ -4218,7 +4872,71 @@
                       <a:headEnd type="none" w="med" len="med"/>
                       <a:tailEnd type="none" w="med" len="med"/>
                     </a:lnR>
-                    <a:lnT w="3175" cap="flat" cmpd="sng" algn="ctr">
+                    <a:lnT w="3556" cap="flat" cmpd="sng" algn="ctr">
+                      <a:solidFill>
+                        <a:srgbClr val="000000"/>
+                      </a:solidFill>
+                      <a:prstDash val="solid"/>
+                      <a:round/>
+                      <a:headEnd type="none" w="med" len="med"/>
+                      <a:tailEnd type="none" w="med" len="med"/>
+                    </a:lnT>
+                    <a:lnB w="3556" cap="flat" cmpd="sng" algn="ctr">
+                      <a:solidFill>
+                        <a:srgbClr val="000000"/>
+                      </a:solidFill>
+                      <a:prstDash val="solid"/>
+                      <a:round/>
+                      <a:headEnd type="none" w="med" len="med"/>
+                      <a:tailEnd type="none" w="med" len="med"/>
+                    </a:lnB>
+                  </a:tcPr>
+                </a:tc>
+                <a:tc>
+                  <a:txBody>
+                    <a:bodyPr/>
+                    <a:lstStyle/>
+                    <a:p>
+                      <a:pPr marL="0" marR="0" indent="0" algn="ctr" fontAlgn="base" latinLnBrk="0">
+                        <a:lnSpc>
+                          <a:spcPct val="130000"/>
+                        </a:lnSpc>
+                        <a:spcBef>
+                          <a:spcPts val="0"/>
+                        </a:spcBef>
+                        <a:spcAft>
+                          <a:spcPts val="0"/>
+                        </a:spcAft>
+                      </a:pPr>
+                      <a:endParaRPr lang="ko-KR" altLang="en-US" sz="1800" kern="0" spc="-80">
+                        <a:solidFill>
+                          <a:srgbClr val="000000"/>
+                        </a:solidFill>
+                        <a:effectLst/>
+                        <a:latin typeface="함초롬바탕" panose="02030604000101010101" pitchFamily="18" charset="-127"/>
+                      </a:endParaRPr>
+                    </a:p>
+                  </a:txBody>
+                  <a:tcPr marL="17907" marR="17907" marT="17907" marB="17907" anchor="ctr">
+                    <a:lnL w="3556" cap="flat" cmpd="sng" algn="ctr">
+                      <a:solidFill>
+                        <a:srgbClr val="000000"/>
+                      </a:solidFill>
+                      <a:prstDash val="solid"/>
+                      <a:round/>
+                      <a:headEnd type="none" w="med" len="med"/>
+                      <a:tailEnd type="none" w="med" len="med"/>
+                    </a:lnL>
+                    <a:lnR w="3556" cap="flat" cmpd="sng" algn="ctr">
+                      <a:solidFill>
+                        <a:srgbClr val="000000"/>
+                      </a:solidFill>
+                      <a:prstDash val="solid"/>
+                      <a:round/>
+                      <a:headEnd type="none" w="med" len="med"/>
+                      <a:tailEnd type="none" w="med" len="med"/>
+                    </a:lnR>
+                    <a:lnT w="3556" cap="flat" cmpd="sng" algn="ctr">
                       <a:solidFill>
                         <a:srgbClr val="000000"/>
                       </a:solidFill>
@@ -4282,7 +5000,7 @@
                       <a:headEnd type="none" w="med" len="med"/>
                       <a:tailEnd type="none" w="med" len="med"/>
                     </a:lnR>
-                    <a:lnT w="3175" cap="flat" cmpd="sng" algn="ctr">
+                    <a:lnT w="3556" cap="flat" cmpd="sng" algn="ctr">
                       <a:solidFill>
                         <a:srgbClr val="000000"/>
                       </a:solidFill>
@@ -4318,537 +5036,7 @@
                           <a:spcPts val="0"/>
                         </a:spcAft>
                       </a:pPr>
-                      <a:endParaRPr lang="ko-KR" altLang="en-US" sz="1800" kern="0" spc="-80">
-                        <a:solidFill>
-                          <a:srgbClr val="000000"/>
-                        </a:solidFill>
-                        <a:effectLst/>
-                        <a:latin typeface="함초롬바탕" panose="02030604000101010101" pitchFamily="18" charset="-127"/>
-                      </a:endParaRPr>
-                    </a:p>
-                  </a:txBody>
-                  <a:tcPr marL="17907" marR="17907" marT="17907" marB="17907" anchor="ctr">
-                    <a:lnL w="3556" cap="flat" cmpd="sng" algn="ctr">
-                      <a:solidFill>
-                        <a:srgbClr val="000000"/>
-                      </a:solidFill>
-                      <a:prstDash val="solid"/>
-                      <a:round/>
-                      <a:headEnd type="none" w="med" len="med"/>
-                      <a:tailEnd type="none" w="med" len="med"/>
-                    </a:lnL>
-                    <a:lnR w="3556" cap="flat" cmpd="sng" algn="ctr">
-                      <a:solidFill>
-                        <a:srgbClr val="000000"/>
-                      </a:solidFill>
-                      <a:prstDash val="solid"/>
-                      <a:round/>
-                      <a:headEnd type="none" w="med" len="med"/>
-                      <a:tailEnd type="none" w="med" len="med"/>
-                    </a:lnR>
-                    <a:lnT w="3175" cap="flat" cmpd="sng" algn="ctr">
-                      <a:solidFill>
-                        <a:srgbClr val="000000"/>
-                      </a:solidFill>
-                      <a:prstDash val="solid"/>
-                      <a:round/>
-                      <a:headEnd type="none" w="med" len="med"/>
-                      <a:tailEnd type="none" w="med" len="med"/>
-                    </a:lnT>
-                    <a:lnB w="3556" cap="flat" cmpd="sng" algn="ctr">
-                      <a:solidFill>
-                        <a:srgbClr val="000000"/>
-                      </a:solidFill>
-                      <a:prstDash val="solid"/>
-                      <a:round/>
-                      <a:headEnd type="none" w="med" len="med"/>
-                      <a:tailEnd type="none" w="med" len="med"/>
-                    </a:lnB>
-                  </a:tcPr>
-                </a:tc>
-                <a:tc>
-                  <a:txBody>
-                    <a:bodyPr/>
-                    <a:lstStyle/>
-                    <a:p>
-                      <a:pPr marL="0" marR="0" indent="0" algn="ctr" fontAlgn="base" latinLnBrk="0">
-                        <a:lnSpc>
-                          <a:spcPct val="130000"/>
-                        </a:lnSpc>
-                        <a:spcBef>
-                          <a:spcPts val="0"/>
-                        </a:spcBef>
-                        <a:spcAft>
-                          <a:spcPts val="0"/>
-                        </a:spcAft>
-                      </a:pPr>
-                      <a:endParaRPr lang="ko-KR" altLang="en-US" sz="1800" kern="0" spc="-80">
-                        <a:solidFill>
-                          <a:srgbClr val="000000"/>
-                        </a:solidFill>
-                        <a:effectLst/>
-                        <a:latin typeface="함초롬바탕" panose="02030604000101010101" pitchFamily="18" charset="-127"/>
-                      </a:endParaRPr>
-                    </a:p>
-                  </a:txBody>
-                  <a:tcPr marL="17907" marR="17907" marT="17907" marB="17907" anchor="ctr">
-                    <a:lnL w="3556" cap="flat" cmpd="sng" algn="ctr">
-                      <a:solidFill>
-                        <a:srgbClr val="000000"/>
-                      </a:solidFill>
-                      <a:prstDash val="solid"/>
-                      <a:round/>
-                      <a:headEnd type="none" w="med" len="med"/>
-                      <a:tailEnd type="none" w="med" len="med"/>
-                    </a:lnL>
-                    <a:lnR w="3556" cap="flat" cmpd="sng" algn="ctr">
-                      <a:solidFill>
-                        <a:srgbClr val="000000"/>
-                      </a:solidFill>
-                      <a:prstDash val="solid"/>
-                      <a:round/>
-                      <a:headEnd type="none" w="med" len="med"/>
-                      <a:tailEnd type="none" w="med" len="med"/>
-                    </a:lnR>
-                    <a:lnT w="3175" cap="flat" cmpd="sng" algn="ctr">
-                      <a:solidFill>
-                        <a:srgbClr val="000000"/>
-                      </a:solidFill>
-                      <a:prstDash val="solid"/>
-                      <a:round/>
-                      <a:headEnd type="none" w="med" len="med"/>
-                      <a:tailEnd type="none" w="med" len="med"/>
-                    </a:lnT>
-                    <a:lnB w="3556" cap="flat" cmpd="sng" algn="ctr">
-                      <a:solidFill>
-                        <a:srgbClr val="000000"/>
-                      </a:solidFill>
-                      <a:prstDash val="solid"/>
-                      <a:round/>
-                      <a:headEnd type="none" w="med" len="med"/>
-                      <a:tailEnd type="none" w="med" len="med"/>
-                    </a:lnB>
-                  </a:tcPr>
-                </a:tc>
-                <a:tc>
-                  <a:txBody>
-                    <a:bodyPr/>
-                    <a:lstStyle/>
-                    <a:p>
-                      <a:pPr marL="0" marR="0" indent="0" algn="ctr" fontAlgn="base" latinLnBrk="0">
-                        <a:lnSpc>
-                          <a:spcPct val="130000"/>
-                        </a:lnSpc>
-                        <a:spcBef>
-                          <a:spcPts val="0"/>
-                        </a:spcBef>
-                        <a:spcAft>
-                          <a:spcPts val="0"/>
-                        </a:spcAft>
-                      </a:pPr>
-                      <a:endParaRPr lang="ko-KR" altLang="en-US" sz="1800" kern="0" spc="-80">
-                        <a:solidFill>
-                          <a:srgbClr val="000000"/>
-                        </a:solidFill>
-                        <a:effectLst/>
-                        <a:latin typeface="함초롬바탕" panose="02030604000101010101" pitchFamily="18" charset="-127"/>
-                      </a:endParaRPr>
-                    </a:p>
-                  </a:txBody>
-                  <a:tcPr marL="17907" marR="17907" marT="17907" marB="17907" anchor="ctr">
-                    <a:lnL w="3556" cap="flat" cmpd="sng" algn="ctr">
-                      <a:solidFill>
-                        <a:srgbClr val="000000"/>
-                      </a:solidFill>
-                      <a:prstDash val="solid"/>
-                      <a:round/>
-                      <a:headEnd type="none" w="med" len="med"/>
-                      <a:tailEnd type="none" w="med" len="med"/>
-                    </a:lnL>
-                    <a:lnR w="3556" cap="flat" cmpd="sng" algn="ctr">
-                      <a:solidFill>
-                        <a:srgbClr val="000000"/>
-                      </a:solidFill>
-                      <a:prstDash val="solid"/>
-                      <a:round/>
-                      <a:headEnd type="none" w="med" len="med"/>
-                      <a:tailEnd type="none" w="med" len="med"/>
-                    </a:lnR>
-                    <a:lnT w="3175" cap="flat" cmpd="sng" algn="ctr">
-                      <a:solidFill>
-                        <a:srgbClr val="000000"/>
-                      </a:solidFill>
-                      <a:prstDash val="solid"/>
-                      <a:round/>
-                      <a:headEnd type="none" w="med" len="med"/>
-                      <a:tailEnd type="none" w="med" len="med"/>
-                    </a:lnT>
-                    <a:lnB w="3556" cap="flat" cmpd="sng" algn="ctr">
-                      <a:solidFill>
-                        <a:srgbClr val="000000"/>
-                      </a:solidFill>
-                      <a:prstDash val="solid"/>
-                      <a:round/>
-                      <a:headEnd type="none" w="med" len="med"/>
-                      <a:tailEnd type="none" w="med" len="med"/>
-                    </a:lnB>
-                  </a:tcPr>
-                </a:tc>
-                <a:tc>
-                  <a:txBody>
-                    <a:bodyPr/>
-                    <a:lstStyle/>
-                    <a:p>
-                      <a:pPr marL="0" marR="0" indent="0" algn="ctr" fontAlgn="base" latinLnBrk="0">
-                        <a:lnSpc>
-                          <a:spcPct val="130000"/>
-                        </a:lnSpc>
-                        <a:spcBef>
-                          <a:spcPts val="0"/>
-                        </a:spcBef>
-                        <a:spcAft>
-                          <a:spcPts val="0"/>
-                        </a:spcAft>
-                      </a:pPr>
-                      <a:endParaRPr lang="ko-KR" altLang="en-US" sz="1800" i="1" kern="0" spc="-80">
-                        <a:solidFill>
-                          <a:srgbClr val="0000FF"/>
-                        </a:solidFill>
-                        <a:effectLst/>
-                        <a:latin typeface="함초롬바탕" panose="02030604000101010101" pitchFamily="18" charset="-127"/>
-                      </a:endParaRPr>
-                    </a:p>
-                  </a:txBody>
-                  <a:tcPr marL="17907" marR="17907" marT="17907" marB="17907" anchor="ctr">
-                    <a:lnL w="3556" cap="flat" cmpd="sng" algn="ctr">
-                      <a:solidFill>
-                        <a:srgbClr val="000000"/>
-                      </a:solidFill>
-                      <a:prstDash val="solid"/>
-                      <a:round/>
-                      <a:headEnd type="none" w="med" len="med"/>
-                      <a:tailEnd type="none" w="med" len="med"/>
-                    </a:lnL>
-                    <a:lnR w="17907" cap="flat" cmpd="sng" algn="ctr">
-                      <a:solidFill>
-                        <a:srgbClr val="000000"/>
-                      </a:solidFill>
-                      <a:prstDash val="solid"/>
-                      <a:round/>
-                      <a:headEnd type="none" w="med" len="med"/>
-                      <a:tailEnd type="none" w="med" len="med"/>
-                    </a:lnR>
-                    <a:lnT w="3175" cap="flat" cmpd="sng" algn="ctr">
-                      <a:solidFill>
-                        <a:srgbClr val="000000"/>
-                      </a:solidFill>
-                      <a:prstDash val="solid"/>
-                      <a:round/>
-                      <a:headEnd type="none" w="med" len="med"/>
-                      <a:tailEnd type="none" w="med" len="med"/>
-                    </a:lnT>
-                    <a:lnB w="3556" cap="flat" cmpd="sng" algn="ctr">
-                      <a:solidFill>
-                        <a:srgbClr val="000000"/>
-                      </a:solidFill>
-                      <a:prstDash val="solid"/>
-                      <a:round/>
-                      <a:headEnd type="none" w="med" len="med"/>
-                      <a:tailEnd type="none" w="med" len="med"/>
-                    </a:lnB>
-                  </a:tcPr>
-                </a:tc>
-                <a:extLst>
-                  <a:ext uri="{0D108BD9-81ED-4DB2-BD59-A6C34878D82A}">
-                    <a16:rowId xmlns:a16="http://schemas.microsoft.com/office/drawing/2014/main" val="932813888"/>
-                  </a:ext>
-                </a:extLst>
-              </a:tr>
-              <a:tr h="766714">
-                <a:tc vMerge="1">
-                  <a:txBody>
-                    <a:bodyPr/>
-                    <a:lstStyle/>
-                    <a:p>
-                      <a:pPr latinLnBrk="1"/>
-                      <a:endParaRPr lang="ko-KR" altLang="en-US"/>
-                    </a:p>
-                  </a:txBody>
-                  <a:tcPr/>
-                </a:tc>
-                <a:tc>
-                  <a:txBody>
-                    <a:bodyPr/>
-                    <a:lstStyle/>
-                    <a:p>
-                      <a:pPr marL="0" marR="0" indent="0" algn="ctr" fontAlgn="base" latinLnBrk="0">
-                        <a:lnSpc>
-                          <a:spcPct val="130000"/>
-                        </a:lnSpc>
-                        <a:spcBef>
-                          <a:spcPts val="0"/>
-                        </a:spcBef>
-                        <a:spcAft>
-                          <a:spcPts val="0"/>
-                        </a:spcAft>
-                      </a:pPr>
-                      <a:endParaRPr lang="ko-KR" altLang="en-US" sz="1800" kern="0" spc="-80">
-                        <a:solidFill>
-                          <a:srgbClr val="000000"/>
-                        </a:solidFill>
-                        <a:effectLst/>
-                        <a:latin typeface="함초롬바탕" panose="02030604000101010101" pitchFamily="18" charset="-127"/>
-                      </a:endParaRPr>
-                    </a:p>
-                  </a:txBody>
-                  <a:tcPr marL="17907" marR="17907" marT="17907" marB="17907" anchor="ctr">
-                    <a:lnL w="3556" cap="flat" cmpd="sng" algn="ctr">
-                      <a:solidFill>
-                        <a:srgbClr val="000000"/>
-                      </a:solidFill>
-                      <a:prstDash val="solid"/>
-                      <a:round/>
-                      <a:headEnd type="none" w="med" len="med"/>
-                      <a:tailEnd type="none" w="med" len="med"/>
-                    </a:lnL>
-                    <a:lnR w="3556" cap="flat" cmpd="sng" algn="ctr">
-                      <a:solidFill>
-                        <a:srgbClr val="000000"/>
-                      </a:solidFill>
-                      <a:prstDash val="solid"/>
-                      <a:round/>
-                      <a:headEnd type="none" w="med" len="med"/>
-                      <a:tailEnd type="none" w="med" len="med"/>
-                    </a:lnR>
-                    <a:lnT w="3556" cap="flat" cmpd="sng" algn="ctr">
-                      <a:solidFill>
-                        <a:srgbClr val="000000"/>
-                      </a:solidFill>
-                      <a:prstDash val="solid"/>
-                      <a:round/>
-                      <a:headEnd type="none" w="med" len="med"/>
-                      <a:tailEnd type="none" w="med" len="med"/>
-                    </a:lnT>
-                    <a:lnB w="3556" cap="flat" cmpd="sng" algn="ctr">
-                      <a:solidFill>
-                        <a:srgbClr val="000000"/>
-                      </a:solidFill>
-                      <a:prstDash val="solid"/>
-                      <a:round/>
-                      <a:headEnd type="none" w="med" len="med"/>
-                      <a:tailEnd type="none" w="med" len="med"/>
-                    </a:lnB>
-                  </a:tcPr>
-                </a:tc>
-                <a:tc>
-                  <a:txBody>
-                    <a:bodyPr/>
-                    <a:lstStyle/>
-                    <a:p>
-                      <a:pPr marL="0" marR="0" indent="0" algn="ctr" fontAlgn="base" latinLnBrk="0">
-                        <a:lnSpc>
-                          <a:spcPct val="100000"/>
-                        </a:lnSpc>
-                        <a:spcBef>
-                          <a:spcPts val="0"/>
-                        </a:spcBef>
-                        <a:spcAft>
-                          <a:spcPts val="0"/>
-                        </a:spcAft>
-                      </a:pPr>
-                      <a:endParaRPr lang="ko-KR" altLang="en-US" sz="1800" kern="0" spc="-80">
-                        <a:solidFill>
-                          <a:srgbClr val="0000FF"/>
-                        </a:solidFill>
-                        <a:effectLst/>
-                        <a:latin typeface="함초롬바탕" panose="02030604000101010101" pitchFamily="18" charset="-127"/>
-                      </a:endParaRPr>
-                    </a:p>
-                  </a:txBody>
-                  <a:tcPr marL="17907" marR="17907" marT="17907" marB="17907" anchor="ctr">
-                    <a:lnL w="3556" cap="flat" cmpd="sng" algn="ctr">
-                      <a:solidFill>
-                        <a:srgbClr val="000000"/>
-                      </a:solidFill>
-                      <a:prstDash val="solid"/>
-                      <a:round/>
-                      <a:headEnd type="none" w="med" len="med"/>
-                      <a:tailEnd type="none" w="med" len="med"/>
-                    </a:lnL>
-                    <a:lnR w="3556" cap="flat" cmpd="sng" algn="ctr">
-                      <a:solidFill>
-                        <a:srgbClr val="000000"/>
-                      </a:solidFill>
-                      <a:prstDash val="solid"/>
-                      <a:round/>
-                      <a:headEnd type="none" w="med" len="med"/>
-                      <a:tailEnd type="none" w="med" len="med"/>
-                    </a:lnR>
-                    <a:lnT w="3556" cap="flat" cmpd="sng" algn="ctr">
-                      <a:solidFill>
-                        <a:srgbClr val="000000"/>
-                      </a:solidFill>
-                      <a:prstDash val="solid"/>
-                      <a:round/>
-                      <a:headEnd type="none" w="med" len="med"/>
-                      <a:tailEnd type="none" w="med" len="med"/>
-                    </a:lnT>
-                    <a:lnB w="3556" cap="flat" cmpd="sng" algn="ctr">
-                      <a:solidFill>
-                        <a:srgbClr val="000000"/>
-                      </a:solidFill>
-                      <a:prstDash val="solid"/>
-                      <a:round/>
-                      <a:headEnd type="none" w="med" len="med"/>
-                      <a:tailEnd type="none" w="med" len="med"/>
-                    </a:lnB>
-                  </a:tcPr>
-                </a:tc>
-                <a:tc>
-                  <a:txBody>
-                    <a:bodyPr/>
-                    <a:lstStyle/>
-                    <a:p>
-                      <a:pPr marL="0" marR="0" indent="0" algn="ctr" fontAlgn="base" latinLnBrk="0">
-                        <a:lnSpc>
-                          <a:spcPct val="130000"/>
-                        </a:lnSpc>
-                        <a:spcBef>
-                          <a:spcPts val="0"/>
-                        </a:spcBef>
-                        <a:spcAft>
-                          <a:spcPts val="0"/>
-                        </a:spcAft>
-                      </a:pPr>
-                      <a:endParaRPr lang="ko-KR" altLang="en-US" sz="1800" kern="0" spc="-80">
-                        <a:solidFill>
-                          <a:srgbClr val="000000"/>
-                        </a:solidFill>
-                        <a:effectLst/>
-                        <a:latin typeface="함초롬바탕" panose="02030604000101010101" pitchFamily="18" charset="-127"/>
-                      </a:endParaRPr>
-                    </a:p>
-                  </a:txBody>
-                  <a:tcPr marL="17907" marR="17907" marT="17907" marB="17907" anchor="ctr">
-                    <a:lnL w="3556" cap="flat" cmpd="sng" algn="ctr">
-                      <a:solidFill>
-                        <a:srgbClr val="000000"/>
-                      </a:solidFill>
-                      <a:prstDash val="solid"/>
-                      <a:round/>
-                      <a:headEnd type="none" w="med" len="med"/>
-                      <a:tailEnd type="none" w="med" len="med"/>
-                    </a:lnL>
-                    <a:lnR w="3556" cap="flat" cmpd="sng" algn="ctr">
-                      <a:solidFill>
-                        <a:srgbClr val="000000"/>
-                      </a:solidFill>
-                      <a:prstDash val="solid"/>
-                      <a:round/>
-                      <a:headEnd type="none" w="med" len="med"/>
-                      <a:tailEnd type="none" w="med" len="med"/>
-                    </a:lnR>
-                    <a:lnT w="3556" cap="flat" cmpd="sng" algn="ctr">
-                      <a:solidFill>
-                        <a:srgbClr val="000000"/>
-                      </a:solidFill>
-                      <a:prstDash val="solid"/>
-                      <a:round/>
-                      <a:headEnd type="none" w="med" len="med"/>
-                      <a:tailEnd type="none" w="med" len="med"/>
-                    </a:lnT>
-                    <a:lnB w="3556" cap="flat" cmpd="sng" algn="ctr">
-                      <a:solidFill>
-                        <a:srgbClr val="000000"/>
-                      </a:solidFill>
-                      <a:prstDash val="solid"/>
-                      <a:round/>
-                      <a:headEnd type="none" w="med" len="med"/>
-                      <a:tailEnd type="none" w="med" len="med"/>
-                    </a:lnB>
-                  </a:tcPr>
-                </a:tc>
-                <a:tc>
-                  <a:txBody>
-                    <a:bodyPr/>
-                    <a:lstStyle/>
-                    <a:p>
-                      <a:pPr marL="0" marR="0" indent="0" algn="ctr" fontAlgn="base" latinLnBrk="0">
-                        <a:lnSpc>
-                          <a:spcPct val="130000"/>
-                        </a:lnSpc>
-                        <a:spcBef>
-                          <a:spcPts val="0"/>
-                        </a:spcBef>
-                        <a:spcAft>
-                          <a:spcPts val="0"/>
-                        </a:spcAft>
-                      </a:pPr>
                       <a:endParaRPr lang="ko-KR" altLang="en-US" sz="1800" kern="0" spc="-80" dirty="0">
-                        <a:solidFill>
-                          <a:srgbClr val="000000"/>
-                        </a:solidFill>
-                        <a:effectLst/>
-                        <a:latin typeface="함초롬바탕" panose="02030604000101010101" pitchFamily="18" charset="-127"/>
-                      </a:endParaRPr>
-                    </a:p>
-                  </a:txBody>
-                  <a:tcPr marL="17907" marR="17907" marT="17907" marB="17907" anchor="ctr">
-                    <a:lnL w="3556" cap="flat" cmpd="sng" algn="ctr">
-                      <a:solidFill>
-                        <a:srgbClr val="000000"/>
-                      </a:solidFill>
-                      <a:prstDash val="solid"/>
-                      <a:round/>
-                      <a:headEnd type="none" w="med" len="med"/>
-                      <a:tailEnd type="none" w="med" len="med"/>
-                    </a:lnL>
-                    <a:lnR w="3556" cap="flat" cmpd="sng" algn="ctr">
-                      <a:solidFill>
-                        <a:srgbClr val="000000"/>
-                      </a:solidFill>
-                      <a:prstDash val="solid"/>
-                      <a:round/>
-                      <a:headEnd type="none" w="med" len="med"/>
-                      <a:tailEnd type="none" w="med" len="med"/>
-                    </a:lnR>
-                    <a:lnT w="3556" cap="flat" cmpd="sng" algn="ctr">
-                      <a:solidFill>
-                        <a:srgbClr val="000000"/>
-                      </a:solidFill>
-                      <a:prstDash val="solid"/>
-                      <a:round/>
-                      <a:headEnd type="none" w="med" len="med"/>
-                      <a:tailEnd type="none" w="med" len="med"/>
-                    </a:lnT>
-                    <a:lnB w="3556" cap="flat" cmpd="sng" algn="ctr">
-                      <a:solidFill>
-                        <a:srgbClr val="000000"/>
-                      </a:solidFill>
-                      <a:prstDash val="solid"/>
-                      <a:round/>
-                      <a:headEnd type="none" w="med" len="med"/>
-                      <a:tailEnd type="none" w="med" len="med"/>
-                    </a:lnB>
-                  </a:tcPr>
-                </a:tc>
-                <a:tc>
-                  <a:txBody>
-                    <a:bodyPr/>
-                    <a:lstStyle/>
-                    <a:p>
-                      <a:pPr marL="0" marR="0" indent="0" algn="ctr" fontAlgn="base" latinLnBrk="0">
-                        <a:lnSpc>
-                          <a:spcPct val="130000"/>
-                        </a:lnSpc>
-                        <a:spcBef>
-                          <a:spcPts val="0"/>
-                        </a:spcBef>
-                        <a:spcAft>
-                          <a:spcPts val="0"/>
-                        </a:spcAft>
-                      </a:pPr>
-                      <a:endParaRPr lang="ko-KR" altLang="en-US" sz="1800" kern="0" spc="-80">
                         <a:solidFill>
                           <a:srgbClr val="000000"/>
                         </a:solidFill>
@@ -6420,7 +6608,7 @@
 </p:sld>
 </file>
 
-<file path=ppt/slides/slide11.xml><?xml version="1.0" encoding="utf-8"?>
+<file path=ppt/slides/slide12.xml><?xml version="1.0" encoding="utf-8"?>
 <p:sld xmlns:a="http://schemas.openxmlformats.org/drawingml/2006/main" xmlns:r="http://schemas.openxmlformats.org/officeDocument/2006/relationships" xmlns:p="http://schemas.openxmlformats.org/presentationml/2006/main">
   <p:cSld>
     <p:spTree>
@@ -6654,7 +6842,7 @@
           <p:nvPr>
             <p:extLst>
               <p:ext uri="{D42A27DB-BD31-4B8C-83A1-F6EECF244321}">
-                <p14:modId xmlns:p14="http://schemas.microsoft.com/office/powerpoint/2010/main" val="2065887220"/>
+                <p14:modId xmlns:p14="http://schemas.microsoft.com/office/powerpoint/2010/main" val="452900605"/>
               </p:ext>
             </p:extLst>
           </p:nvPr>
@@ -6670,14 +6858,14 @@
                 <a:tableStyleId>{93296810-A885-4BE3-A3E7-6D5BEEA58F35}</a:tableStyleId>
               </a:tblPr>
               <a:tblGrid>
-                <a:gridCol w="3168352">
+                <a:gridCol w="3528392">
                   <a:extLst>
                     <a:ext uri="{9D8B030D-6E8A-4147-A177-3AD203B41FA5}">
                       <a16:colId xmlns:a16="http://schemas.microsoft.com/office/drawing/2014/main" val="1694624849"/>
                     </a:ext>
                   </a:extLst>
                 </a:gridCol>
-                <a:gridCol w="6264696">
+                <a:gridCol w="5904656">
                   <a:extLst>
                     <a:ext uri="{9D8B030D-6E8A-4147-A177-3AD203B41FA5}">
                       <a16:colId xmlns:a16="http://schemas.microsoft.com/office/drawing/2014/main" val="2599710695"/>
@@ -6727,18 +6915,29 @@
                     <a:lstStyle/>
                     <a:p>
                       <a:pPr latinLnBrk="1"/>
+                      <a:r>
+                        <a:rPr lang="ko-KR" altLang="en-US" dirty="0"/>
+                        <a:t>실시간 대기인원 판별 시스템</a:t>
+                      </a:r>
+                      <a:r>
+                        <a:rPr lang="en-US" altLang="ko-KR" dirty="0"/>
+                        <a:t>, </a:t>
+                      </a:r>
+                      <a:r>
+                        <a:rPr lang="ko-KR" altLang="en-US" dirty="0"/>
+                        <a:t>하드웨어 구성</a:t>
+                      </a:r>
+                    </a:p>
+                  </a:txBody>
+                  <a:tcPr anchor="ctr" anchorCtr="1"/>
+                </a:tc>
+                <a:tc>
+                  <a:txBody>
+                    <a:bodyPr/>
+                    <a:lstStyle/>
+                    <a:p>
+                      <a:pPr latinLnBrk="1"/>
                       <a:endParaRPr lang="ko-KR" altLang="en-US" dirty="0"/>
-                    </a:p>
-                  </a:txBody>
-                  <a:tcPr anchor="ctr" anchorCtr="1"/>
-                </a:tc>
-                <a:tc>
-                  <a:txBody>
-                    <a:bodyPr/>
-                    <a:lstStyle/>
-                    <a:p>
-                      <a:pPr latinLnBrk="1"/>
-                      <a:endParaRPr lang="ko-KR" altLang="en-US"/>
                     </a:p>
                   </a:txBody>
                   <a:tcPr anchor="ctr" anchorCtr="1"/>
@@ -6755,19 +6954,60 @@
                     <a:bodyPr/>
                     <a:lstStyle/>
                     <a:p>
+                      <a:pPr algn="l" latinLnBrk="1"/>
+                      <a:r>
+                        <a:rPr lang="ko-KR" altLang="en-US" dirty="0"/>
+                        <a:t>실시간 대기인원 </a:t>
+                      </a:r>
+                      <a:br>
+                        <a:rPr lang="en-US" altLang="ko-KR" dirty="0"/>
+                      </a:br>
+                      <a:r>
+                        <a:rPr lang="ko-KR" altLang="en-US" dirty="0"/>
+                        <a:t>데이터 베이스 서버 구축</a:t>
+                      </a:r>
+                      <a:r>
+                        <a:rPr lang="en-US" altLang="ko-KR" dirty="0"/>
+                        <a:t>,</a:t>
+                      </a:r>
+                      <a:br>
+                        <a:rPr lang="en-US" altLang="ko-KR" dirty="0"/>
+                      </a:br>
+                      <a:r>
+                        <a:rPr lang="ko-KR" altLang="en-US" dirty="0"/>
+                        <a:t>공공 </a:t>
+                      </a:r>
+                      <a:r>
+                        <a:rPr lang="en-US" altLang="ko-KR" dirty="0"/>
+                        <a:t>API</a:t>
+                      </a:r>
+                      <a:r>
+                        <a:rPr lang="ko-KR" altLang="en-US" dirty="0"/>
+                        <a:t>를 이용한</a:t>
+                      </a:r>
+                      <a:br>
+                        <a:rPr lang="en-US" altLang="ko-KR" dirty="0"/>
+                      </a:br>
+                      <a:r>
+                        <a:rPr lang="ko-KR" altLang="en-US" dirty="0"/>
+                        <a:t>실시간 버스 정보</a:t>
+                      </a:r>
+                      <a:r>
+                        <a:rPr lang="en-US" altLang="ko-KR" dirty="0"/>
+                        <a:t> </a:t>
+                      </a:r>
+                      <a:endParaRPr lang="ko-KR" altLang="en-US" dirty="0"/>
+                    </a:p>
+                  </a:txBody>
+                  <a:tcPr anchor="ctr" anchorCtr="1"/>
+                </a:tc>
+                <a:tc>
+                  <a:txBody>
+                    <a:bodyPr/>
+                    <a:lstStyle/>
+                    <a:p>
                       <a:pPr latinLnBrk="1"/>
                       <a:endParaRPr lang="ko-KR" altLang="en-US" dirty="0"/>
-                    </a:p>
-                  </a:txBody>
-                  <a:tcPr anchor="ctr" anchorCtr="1"/>
-                </a:tc>
-                <a:tc>
-                  <a:txBody>
-                    <a:bodyPr/>
-                    <a:lstStyle/>
-                    <a:p>
-                      <a:pPr latinLnBrk="1"/>
-                      <a:endParaRPr lang="ko-KR" altLang="en-US"/>
                     </a:p>
                   </a:txBody>
                   <a:tcPr anchor="ctr" anchorCtr="1"/>
@@ -6785,7 +7025,10 @@
                     <a:lstStyle/>
                     <a:p>
                       <a:pPr latinLnBrk="1"/>
-                      <a:endParaRPr lang="ko-KR" altLang="en-US" dirty="0"/>
+                      <a:r>
+                        <a:rPr lang="ko-KR" altLang="en-US" dirty="0"/>
+                        <a:t>사용자들이 이용 할 수 있는 앱 </a:t>
+                      </a:r>
                     </a:p>
                   </a:txBody>
                   <a:tcPr anchor="ctr" anchorCtr="1"/>
@@ -6938,6 +7181,9 @@
             </a:endParaRPr>
           </a:p>
           <a:p>
+            <a:pPr marL="0" indent="0">
+              <a:buNone/>
+            </a:pPr>
             <a:endParaRPr lang="en-US" altLang="ko-KR" dirty="0">
               <a:solidFill>
                 <a:schemeClr val="bg1">
@@ -6946,46 +7192,1279 @@
               </a:solidFill>
             </a:endParaRPr>
           </a:p>
+        </p:txBody>
+      </p:sp>
+      <p:sp>
+        <p:nvSpPr>
+          <p:cNvPr id="33" name="직사각형 32">
+            <a:extLst>
+              <a:ext uri="{FF2B5EF4-FFF2-40B4-BE49-F238E27FC236}">
+                <a16:creationId xmlns:a16="http://schemas.microsoft.com/office/drawing/2014/main" id="{DDD68E22-4E43-48C2-AD5D-D1D96072BF19}"/>
+              </a:ext>
+            </a:extLst>
+          </p:cNvPr>
+          <p:cNvSpPr/>
+          <p:nvPr/>
+        </p:nvSpPr>
+        <p:spPr>
+          <a:xfrm>
+            <a:off x="1002220" y="1668306"/>
+            <a:ext cx="8684677" cy="5194419"/>
+          </a:xfrm>
+          <a:prstGeom prst="rect">
+            <a:avLst/>
+          </a:prstGeom>
+          <a:ln/>
+        </p:spPr>
+        <p:style>
+          <a:lnRef idx="2">
+            <a:schemeClr val="dk1"/>
+          </a:lnRef>
+          <a:fillRef idx="1">
+            <a:schemeClr val="lt1"/>
+          </a:fillRef>
+          <a:effectRef idx="0">
+            <a:schemeClr val="dk1"/>
+          </a:effectRef>
+          <a:fontRef idx="minor">
+            <a:schemeClr val="dk1"/>
+          </a:fontRef>
+        </p:style>
+        <p:txBody>
+          <a:bodyPr rot="0" vert="horz" wrap="square" lIns="91440" tIns="45720" rIns="91440" bIns="45720" anchor="ctr" anchorCtr="0">
+            <a:prstTxWarp prst="textNoShape">
+              <a:avLst/>
+            </a:prstTxWarp>
+            <a:noAutofit/>
+          </a:bodyPr>
+          <a:lstStyle/>
           <a:p>
-            <a:endParaRPr lang="en-US" altLang="ko-KR" dirty="0">
+            <a:pPr marL="0" marR="0" lvl="0" indent="0" algn="ctr" defTabSz="914400" rtl="0" eaLnBrk="1" latinLnBrk="1" hangingPunct="1">
+              <a:lnSpc>
+                <a:spcPct val="100000"/>
+              </a:lnSpc>
+              <a:spcBef>
+                <a:spcPts val="0"/>
+              </a:spcBef>
+              <a:spcAft>
+                <a:spcPts val="0"/>
+              </a:spcAft>
+              <a:buClrTx/>
+              <a:buFontTx/>
+              <a:buNone/>
+              <a:defRPr/>
+            </a:pPr>
+            <a:endParaRPr kumimoji="0" lang="ko-KR" altLang="en-US" sz="1800" b="1" i="0" u="none" strike="noStrike" kern="1200" cap="none" spc="0" normalizeH="0" baseline="0">
               <a:solidFill>
-                <a:schemeClr val="bg1">
-                  <a:lumMod val="50000"/>
-                </a:schemeClr>
+                <a:prstClr val="black"/>
               </a:solidFill>
+              <a:effectLst/>
+              <a:uLnTx/>
+              <a:uFillTx/>
+              <a:latin typeface="맑은 고딕"/>
+              <a:ea typeface="맑은 고딕"/>
+              <a:cs typeface="+mn-cs"/>
             </a:endParaRPr>
           </a:p>
+        </p:txBody>
+      </p:sp>
+      <p:pic>
+        <p:nvPicPr>
+          <p:cNvPr id="34" name="그림 33">
+            <a:extLst>
+              <a:ext uri="{FF2B5EF4-FFF2-40B4-BE49-F238E27FC236}">
+                <a16:creationId xmlns:a16="http://schemas.microsoft.com/office/drawing/2014/main" id="{93DF0841-B8DA-433F-B779-3B17932306C2}"/>
+              </a:ext>
+            </a:extLst>
+          </p:cNvPr>
+          <p:cNvPicPr>
+            <a:picLocks noChangeAspect="1"/>
+          </p:cNvPicPr>
+          <p:nvPr/>
+        </p:nvPicPr>
+        <p:blipFill rotWithShape="1">
+          <a:blip r:embed="rId2"/>
+          <a:stretch>
+            <a:fillRect/>
+          </a:stretch>
+        </p:blipFill>
+        <p:spPr>
+          <a:xfrm>
+            <a:off x="3901736" y="5949003"/>
+            <a:ext cx="2280723" cy="536996"/>
+          </a:xfrm>
+          <a:prstGeom prst="rect">
+            <a:avLst/>
+          </a:prstGeom>
+        </p:spPr>
+      </p:pic>
+      <p:grpSp>
+        <p:nvGrpSpPr>
+          <p:cNvPr id="35" name="그룹 34">
+            <a:extLst>
+              <a:ext uri="{FF2B5EF4-FFF2-40B4-BE49-F238E27FC236}">
+                <a16:creationId xmlns:a16="http://schemas.microsoft.com/office/drawing/2014/main" id="{9730D8D6-534A-4768-88E6-30B37FAAA158}"/>
+              </a:ext>
+            </a:extLst>
+          </p:cNvPr>
+          <p:cNvGrpSpPr/>
+          <p:nvPr/>
+        </p:nvGrpSpPr>
+        <p:grpSpPr>
+          <a:xfrm>
+            <a:off x="1061398" y="3451228"/>
+            <a:ext cx="1324338" cy="1463523"/>
+            <a:chOff x="616953" y="2293113"/>
+            <a:chExt cx="2141317" cy="2388062"/>
+          </a:xfrm>
+        </p:grpSpPr>
+        <p:pic>
+          <p:nvPicPr>
+            <p:cNvPr id="36" name="Picture 4" descr="íì´ì¹´ë©ë¼ì ëí ì´ë¯¸ì§ ê²ìê²°ê³¼">
+              <a:extLst>
+                <a:ext uri="{FF2B5EF4-FFF2-40B4-BE49-F238E27FC236}">
+                  <a16:creationId xmlns:a16="http://schemas.microsoft.com/office/drawing/2014/main" id="{A07B4090-A1C8-49B1-A60B-DB55C2999BED}"/>
+                </a:ext>
+              </a:extLst>
+            </p:cNvPr>
+            <p:cNvPicPr>
+              <a:picLocks noChangeAspect="1" noChangeArrowheads="1"/>
+            </p:cNvPicPr>
+            <p:nvPr/>
+          </p:nvPicPr>
+          <p:blipFill rotWithShape="1">
+            <a:blip r:embed="rId3"/>
+            <a:srcRect/>
+            <a:stretch>
+              <a:fillRect/>
+            </a:stretch>
+          </p:blipFill>
+          <p:spPr>
+            <a:xfrm>
+              <a:off x="616953" y="3075187"/>
+              <a:ext cx="2141317" cy="1605988"/>
+            </a:xfrm>
+            <a:prstGeom prst="rect">
+              <a:avLst/>
+            </a:prstGeom>
+            <a:noFill/>
+          </p:spPr>
+        </p:pic>
+        <p:pic>
+          <p:nvPicPr>
+            <p:cNvPr id="37" name="Picture 2" descr="ë¼ì¦ë² ë¦¬íì´ì ëí ì´ë¯¸ì§ ê²ìê²°ê³¼">
+              <a:extLst>
+                <a:ext uri="{FF2B5EF4-FFF2-40B4-BE49-F238E27FC236}">
+                  <a16:creationId xmlns:a16="http://schemas.microsoft.com/office/drawing/2014/main" id="{FA14AC92-B912-48BE-9565-642587E8E8FB}"/>
+                </a:ext>
+              </a:extLst>
+            </p:cNvPr>
+            <p:cNvPicPr>
+              <a:picLocks noChangeAspect="1" noChangeArrowheads="1"/>
+            </p:cNvPicPr>
+            <p:nvPr/>
+          </p:nvPicPr>
+          <p:blipFill rotWithShape="1">
+            <a:blip r:embed="rId4"/>
+            <a:srcRect/>
+            <a:stretch>
+              <a:fillRect/>
+            </a:stretch>
+          </p:blipFill>
+          <p:spPr>
+            <a:xfrm>
+              <a:off x="736622" y="2293113"/>
+              <a:ext cx="950990" cy="985415"/>
+            </a:xfrm>
+            <a:prstGeom prst="rect">
+              <a:avLst/>
+            </a:prstGeom>
+            <a:noFill/>
+          </p:spPr>
+        </p:pic>
+      </p:grpSp>
+      <p:cxnSp>
+        <p:nvCxnSpPr>
+          <p:cNvPr id="38" name="직선 화살표 연결선 37">
+            <a:extLst>
+              <a:ext uri="{FF2B5EF4-FFF2-40B4-BE49-F238E27FC236}">
+                <a16:creationId xmlns:a16="http://schemas.microsoft.com/office/drawing/2014/main" id="{7835C85E-597C-42DC-98EF-914B89A477BB}"/>
+              </a:ext>
+            </a:extLst>
+          </p:cNvPr>
+          <p:cNvCxnSpPr>
+            <a:stCxn id="37" idx="3"/>
+            <a:endCxn id="59" idx="1"/>
+          </p:cNvCxnSpPr>
+          <p:nvPr/>
+        </p:nvCxnSpPr>
+        <p:spPr>
+          <a:xfrm flipV="1">
+            <a:off x="1723568" y="2646271"/>
+            <a:ext cx="1203192" cy="1106913"/>
+          </a:xfrm>
+          <a:prstGeom prst="straightConnector1">
+            <a:avLst/>
+          </a:prstGeom>
+          <a:noFill/>
+          <a:ln w="57150" cap="flat" cmpd="sng" algn="ctr">
+            <a:solidFill>
+              <a:sysClr val="windowText" lastClr="000000"/>
+            </a:solidFill>
+            <a:prstDash val="sysDot"/>
+            <a:miter/>
+            <a:tailEnd type="triangle"/>
+          </a:ln>
+          <a:effectLst/>
+        </p:spPr>
+      </p:cxnSp>
+      <p:cxnSp>
+        <p:nvCxnSpPr>
+          <p:cNvPr id="39" name="직선 화살표 연결선 38">
+            <a:extLst>
+              <a:ext uri="{FF2B5EF4-FFF2-40B4-BE49-F238E27FC236}">
+                <a16:creationId xmlns:a16="http://schemas.microsoft.com/office/drawing/2014/main" id="{FC9F67ED-4DB5-434C-96CF-B8CB111D1289}"/>
+              </a:ext>
+            </a:extLst>
+          </p:cNvPr>
+          <p:cNvCxnSpPr>
+            <a:stCxn id="41" idx="3"/>
+            <a:endCxn id="47" idx="1"/>
+          </p:cNvCxnSpPr>
+          <p:nvPr/>
+        </p:nvCxnSpPr>
+        <p:spPr>
+          <a:xfrm flipV="1">
+            <a:off x="3839006" y="2402079"/>
+            <a:ext cx="408817" cy="365089"/>
+          </a:xfrm>
+          <a:prstGeom prst="straightConnector1">
+            <a:avLst/>
+          </a:prstGeom>
+          <a:noFill/>
+          <a:ln w="57150" cap="flat" cmpd="sng" algn="ctr">
+            <a:solidFill>
+              <a:sysClr val="windowText" lastClr="000000"/>
+            </a:solidFill>
+            <a:prstDash val="sysDash"/>
+            <a:miter/>
+            <a:tailEnd type="triangle"/>
+          </a:ln>
+          <a:effectLst/>
+        </p:spPr>
+      </p:cxnSp>
+      <p:grpSp>
+        <p:nvGrpSpPr>
+          <p:cNvPr id="40" name="그룹 39">
+            <a:extLst>
+              <a:ext uri="{FF2B5EF4-FFF2-40B4-BE49-F238E27FC236}">
+                <a16:creationId xmlns:a16="http://schemas.microsoft.com/office/drawing/2014/main" id="{4D147D0F-6614-47F0-B8CC-075A51FB455E}"/>
+              </a:ext>
+            </a:extLst>
+          </p:cNvPr>
+          <p:cNvGrpSpPr/>
+          <p:nvPr/>
+        </p:nvGrpSpPr>
+        <p:grpSpPr>
+          <a:xfrm>
+            <a:off x="3041081" y="2461921"/>
+            <a:ext cx="797925" cy="610496"/>
+            <a:chOff x="4264433" y="2644795"/>
+            <a:chExt cx="1633960" cy="1344592"/>
+          </a:xfrm>
+        </p:grpSpPr>
+        <p:sp>
+          <p:nvSpPr>
+            <p:cNvPr id="41" name="사각형: 둥근 모서리 40">
+              <a:extLst>
+                <a:ext uri="{FF2B5EF4-FFF2-40B4-BE49-F238E27FC236}">
+                  <a16:creationId xmlns:a16="http://schemas.microsoft.com/office/drawing/2014/main" id="{33D27427-E4B7-4019-A169-F31806D8882C}"/>
+                </a:ext>
+              </a:extLst>
+            </p:cNvPr>
+            <p:cNvSpPr/>
+            <p:nvPr/>
+          </p:nvSpPr>
+          <p:spPr>
+            <a:xfrm>
+              <a:off x="4264433" y="2644795"/>
+              <a:ext cx="1633960" cy="1344592"/>
+            </a:xfrm>
+            <a:prstGeom prst="roundRect">
+              <a:avLst>
+                <a:gd name="adj" fmla="val 16667"/>
+              </a:avLst>
+            </a:prstGeom>
+            <a:noFill/>
+            <a:ln w="38100" cap="flat" cmpd="sng" algn="ctr">
+              <a:solidFill>
+                <a:sysClr val="windowText" lastClr="000000"/>
+              </a:solidFill>
+              <a:prstDash val="solid"/>
+              <a:miter/>
+            </a:ln>
+            <a:effectLst/>
+          </p:spPr>
+          <p:txBody>
+            <a:bodyPr anchor="ctr"/>
+            <a:lstStyle/>
+            <a:p>
+              <a:pPr marL="0" marR="0" lvl="0" indent="0" algn="ctr" defTabSz="914400" eaLnBrk="1" latinLnBrk="0" hangingPunct="1">
+                <a:lnSpc>
+                  <a:spcPct val="100000"/>
+                </a:lnSpc>
+                <a:spcBef>
+                  <a:spcPts val="0"/>
+                </a:spcBef>
+                <a:spcAft>
+                  <a:spcPts val="0"/>
+                </a:spcAft>
+                <a:buClrTx/>
+                <a:buFontTx/>
+                <a:buNone/>
+                <a:defRPr/>
+              </a:pPr>
+              <a:endParaRPr kumimoji="0" lang="ko-KR" altLang="en-US" sz="1800" b="0" i="0" u="none" strike="noStrike" kern="0" cap="none" spc="0" normalizeH="0" baseline="0">
+                <a:solidFill>
+                  <a:prstClr val="white"/>
+                </a:solidFill>
+                <a:effectLst/>
+                <a:uLnTx/>
+                <a:uFillTx/>
+                <a:latin typeface="맑은 고딕"/>
+                <a:ea typeface="맑은 고딕"/>
+                <a:cs typeface="+mn-cs"/>
+              </a:endParaRPr>
+            </a:p>
+          </p:txBody>
+        </p:sp>
+        <p:pic>
+          <p:nvPicPr>
+            <p:cNvPr id="42" name="그래픽 83" descr="클래퍼 보드">
+              <a:extLst>
+                <a:ext uri="{FF2B5EF4-FFF2-40B4-BE49-F238E27FC236}">
+                  <a16:creationId xmlns:a16="http://schemas.microsoft.com/office/drawing/2014/main" id="{FA220A22-0E72-40D0-B719-90907110EF7D}"/>
+                </a:ext>
+              </a:extLst>
+            </p:cNvPr>
+            <p:cNvPicPr>
+              <a:picLocks noChangeAspect="1"/>
+            </p:cNvPicPr>
+            <p:nvPr/>
+          </p:nvPicPr>
+          <p:blipFill rotWithShape="1">
+            <a:blip r:embed="rId5"/>
+            <a:stretch>
+              <a:fillRect/>
+            </a:stretch>
+          </p:blipFill>
+          <p:spPr>
+            <a:xfrm>
+              <a:off x="4620207" y="2791291"/>
+              <a:ext cx="914400" cy="914400"/>
+            </a:xfrm>
+            <a:prstGeom prst="rect">
+              <a:avLst/>
+            </a:prstGeom>
+          </p:spPr>
+        </p:pic>
+      </p:grpSp>
+      <p:cxnSp>
+        <p:nvCxnSpPr>
+          <p:cNvPr id="43" name="직선 화살표 연결선 42">
+            <a:extLst>
+              <a:ext uri="{FF2B5EF4-FFF2-40B4-BE49-F238E27FC236}">
+                <a16:creationId xmlns:a16="http://schemas.microsoft.com/office/drawing/2014/main" id="{52DCBC82-B85E-46D9-B930-3F80FBF28305}"/>
+              </a:ext>
+            </a:extLst>
+          </p:cNvPr>
+          <p:cNvCxnSpPr>
+            <a:endCxn id="45" idx="1"/>
+          </p:cNvCxnSpPr>
+          <p:nvPr/>
+        </p:nvCxnSpPr>
+        <p:spPr>
+          <a:xfrm rot="16200000" flipH="1">
+            <a:off x="7845984" y="5235720"/>
+            <a:ext cx="1256220" cy="709174"/>
+          </a:xfrm>
+          <a:prstGeom prst="straightConnector1">
+            <a:avLst/>
+          </a:prstGeom>
+          <a:noFill/>
+          <a:ln w="57150" cap="flat" cmpd="sng" algn="ctr">
+            <a:solidFill>
+              <a:sysClr val="windowText" lastClr="000000"/>
+            </a:solidFill>
+            <a:prstDash val="sysDot"/>
+            <a:miter/>
+            <a:headEnd type="triangle" w="med" len="med"/>
+            <a:tailEnd type="triangle" w="med" len="med"/>
+          </a:ln>
+          <a:effectLst/>
+        </p:spPr>
+      </p:cxnSp>
+      <p:sp>
+        <p:nvSpPr>
+          <p:cNvPr id="44" name="TextBox 43">
+            <a:extLst>
+              <a:ext uri="{FF2B5EF4-FFF2-40B4-BE49-F238E27FC236}">
+                <a16:creationId xmlns:a16="http://schemas.microsoft.com/office/drawing/2014/main" id="{A531F4BD-17DA-4C40-8AC9-BEF059A95DF1}"/>
+              </a:ext>
+            </a:extLst>
+          </p:cNvPr>
+          <p:cNvSpPr txBox="1"/>
+          <p:nvPr/>
+        </p:nvSpPr>
+        <p:spPr>
+          <a:xfrm>
+            <a:off x="2798507" y="3473784"/>
+            <a:ext cx="2523599" cy="461665"/>
+          </a:xfrm>
+          <a:prstGeom prst="rect">
+            <a:avLst/>
+          </a:prstGeom>
+          <a:noFill/>
+          <a:ln>
+            <a:noFill/>
+          </a:ln>
+        </p:spPr>
+        <p:style>
+          <a:lnRef idx="0">
+            <a:scrgbClr r="0" g="0" b="0"/>
+          </a:lnRef>
+          <a:fillRef idx="0">
+            <a:scrgbClr r="0" g="0" b="0"/>
+          </a:fillRef>
+          <a:effectRef idx="0">
+            <a:scrgbClr r="0" g="0" b="0"/>
+          </a:effectRef>
+          <a:fontRef idx="minor">
+            <a:schemeClr val="dk1"/>
+          </a:fontRef>
+        </p:style>
+        <p:txBody>
+          <a:bodyPr wrap="square">
+            <a:spAutoFit/>
+          </a:bodyPr>
+          <a:lstStyle/>
           <a:p>
-            <a:endParaRPr lang="en-US" altLang="ko-KR" dirty="0">
+            <a:pPr lvl="0">
+              <a:defRPr/>
+            </a:pPr>
+            <a:r>
+              <a:rPr lang="en-US" altLang="ko-KR" sz="2400" b="1">
+                <a:solidFill>
+                  <a:srgbClr val="92D050"/>
+                </a:solidFill>
+                <a:latin typeface="Snap ITC"/>
+                <a:ea typeface="+mj-ea"/>
+              </a:rPr>
+              <a:t>VIDEO EDIT</a:t>
+            </a:r>
+            <a:endParaRPr lang="ko-KR" altLang="en-US" sz="2400" b="1">
               <a:solidFill>
-                <a:schemeClr val="bg1">
-                  <a:lumMod val="50000"/>
-                </a:schemeClr>
+                <a:srgbClr val="92D050"/>
               </a:solidFill>
+              <a:latin typeface="Snap ITC"/>
+              <a:ea typeface="+mj-ea"/>
             </a:endParaRPr>
           </a:p>
+        </p:txBody>
+      </p:sp>
+      <p:pic>
+        <p:nvPicPr>
+          <p:cNvPr id="45" name="그림 44" descr="거리, 시계, 측면, 표지판이(가) 표시된 사진  자동 생성된 설명">
+            <a:extLst>
+              <a:ext uri="{FF2B5EF4-FFF2-40B4-BE49-F238E27FC236}">
+                <a16:creationId xmlns:a16="http://schemas.microsoft.com/office/drawing/2014/main" id="{6712D0E9-FD94-4ECE-A9A7-38E7389B08D8}"/>
+              </a:ext>
+            </a:extLst>
+          </p:cNvPr>
+          <p:cNvPicPr>
+            <a:picLocks noChangeAspect="1"/>
+          </p:cNvPicPr>
+          <p:nvPr/>
+        </p:nvPicPr>
+        <p:blipFill rotWithShape="1">
+          <a:blip r:embed="rId6"/>
+          <a:srcRect l="26300" t="17880" r="37100" b="19950"/>
+          <a:stretch>
+            <a:fillRect/>
+          </a:stretch>
+        </p:blipFill>
+        <p:spPr>
+          <a:xfrm>
+            <a:off x="8828679" y="5641305"/>
+            <a:ext cx="679419" cy="1154231"/>
+          </a:xfrm>
+          <a:prstGeom prst="rect">
+            <a:avLst/>
+          </a:prstGeom>
+        </p:spPr>
+      </p:pic>
+      <p:sp>
+        <p:nvSpPr>
+          <p:cNvPr id="46" name="TextBox 45">
+            <a:extLst>
+              <a:ext uri="{FF2B5EF4-FFF2-40B4-BE49-F238E27FC236}">
+                <a16:creationId xmlns:a16="http://schemas.microsoft.com/office/drawing/2014/main" id="{3C8D72A9-14F3-4A9E-AE31-FD385015993F}"/>
+              </a:ext>
+            </a:extLst>
+          </p:cNvPr>
+          <p:cNvSpPr txBox="1"/>
+          <p:nvPr/>
+        </p:nvSpPr>
+        <p:spPr>
+          <a:xfrm>
+            <a:off x="2996954" y="3042188"/>
+            <a:ext cx="838842" cy="261610"/>
+          </a:xfrm>
+          <a:prstGeom prst="rect">
+            <a:avLst/>
+          </a:prstGeom>
+          <a:noFill/>
+        </p:spPr>
+        <p:txBody>
+          <a:bodyPr wrap="none">
+            <a:spAutoFit/>
+          </a:bodyPr>
+          <a:lstStyle/>
           <a:p>
-            <a:endParaRPr lang="en-US" altLang="ko-KR" dirty="0">
+            <a:pPr lvl="0">
+              <a:defRPr/>
+            </a:pPr>
+            <a:r>
+              <a:rPr lang="en-US" altLang="ko-KR" sz="1100" b="1">
+                <a:solidFill>
+                  <a:prstClr val="black"/>
+                </a:solidFill>
+                <a:latin typeface="Times New Roman"/>
+                <a:cs typeface="Times New Roman"/>
+              </a:rPr>
+              <a:t>Video.mp4</a:t>
+            </a:r>
+          </a:p>
+        </p:txBody>
+      </p:sp>
+      <p:pic>
+        <p:nvPicPr>
+          <p:cNvPr id="47" name="그림 46" descr="시계이(가) 표시된 사진  자동 생성된 설명">
+            <a:extLst>
+              <a:ext uri="{FF2B5EF4-FFF2-40B4-BE49-F238E27FC236}">
+                <a16:creationId xmlns:a16="http://schemas.microsoft.com/office/drawing/2014/main" id="{FBC796C1-5B84-429D-92D7-BB8F1A20FDFB}"/>
+              </a:ext>
+            </a:extLst>
+          </p:cNvPr>
+          <p:cNvPicPr>
+            <a:picLocks noChangeAspect="1"/>
+          </p:cNvPicPr>
+          <p:nvPr/>
+        </p:nvPicPr>
+        <p:blipFill rotWithShape="1">
+          <a:blip r:embed="rId7"/>
+          <a:stretch>
+            <a:fillRect/>
+          </a:stretch>
+        </p:blipFill>
+        <p:spPr>
+          <a:xfrm>
+            <a:off x="4247823" y="1997738"/>
+            <a:ext cx="605929" cy="808682"/>
+          </a:xfrm>
+          <a:prstGeom prst="rect">
+            <a:avLst/>
+          </a:prstGeom>
+        </p:spPr>
+      </p:pic>
+      <p:cxnSp>
+        <p:nvCxnSpPr>
+          <p:cNvPr id="48" name="직선 화살표 연결선 47">
+            <a:extLst>
+              <a:ext uri="{FF2B5EF4-FFF2-40B4-BE49-F238E27FC236}">
+                <a16:creationId xmlns:a16="http://schemas.microsoft.com/office/drawing/2014/main" id="{BEB259CF-A149-4E58-BCB9-B6F01D8C30B6}"/>
+              </a:ext>
+            </a:extLst>
+          </p:cNvPr>
+          <p:cNvCxnSpPr>
+            <a:stCxn id="52" idx="2"/>
+            <a:endCxn id="60" idx="0"/>
+          </p:cNvCxnSpPr>
+          <p:nvPr/>
+        </p:nvCxnSpPr>
+        <p:spPr>
+          <a:xfrm rot="16200000" flipH="1">
+            <a:off x="5954775" y="3305799"/>
+            <a:ext cx="747606" cy="324485"/>
+          </a:xfrm>
+          <a:prstGeom prst="straightConnector1">
+            <a:avLst/>
+          </a:prstGeom>
+          <a:noFill/>
+          <a:ln w="57150" cap="flat" cmpd="sng" algn="ctr">
+            <a:solidFill>
+              <a:sysClr val="windowText" lastClr="000000"/>
+            </a:solidFill>
+            <a:prstDash val="sysDot"/>
+            <a:miter/>
+            <a:tailEnd type="triangle"/>
+          </a:ln>
+          <a:effectLst/>
+        </p:spPr>
+      </p:cxnSp>
+      <p:sp>
+        <p:nvSpPr>
+          <p:cNvPr id="49" name="TextBox 48">
+            <a:extLst>
+              <a:ext uri="{FF2B5EF4-FFF2-40B4-BE49-F238E27FC236}">
+                <a16:creationId xmlns:a16="http://schemas.microsoft.com/office/drawing/2014/main" id="{C49D4044-AD90-414D-87C9-423F5DEDF46F}"/>
+              </a:ext>
+            </a:extLst>
+          </p:cNvPr>
+          <p:cNvSpPr txBox="1"/>
+          <p:nvPr/>
+        </p:nvSpPr>
+        <p:spPr>
+          <a:xfrm>
+            <a:off x="1103492" y="4791292"/>
+            <a:ext cx="2523599" cy="830997"/>
+          </a:xfrm>
+          <a:prstGeom prst="rect">
+            <a:avLst/>
+          </a:prstGeom>
+          <a:noFill/>
+          <a:ln>
+            <a:noFill/>
+          </a:ln>
+        </p:spPr>
+        <p:style>
+          <a:lnRef idx="0">
+            <a:scrgbClr r="0" g="0" b="0"/>
+          </a:lnRef>
+          <a:fillRef idx="0">
+            <a:scrgbClr r="0" g="0" b="0"/>
+          </a:fillRef>
+          <a:effectRef idx="0">
+            <a:scrgbClr r="0" g="0" b="0"/>
+          </a:effectRef>
+          <a:fontRef idx="minor">
+            <a:schemeClr val="dk1"/>
+          </a:fontRef>
+        </p:style>
+        <p:txBody>
+          <a:bodyPr wrap="square">
+            <a:spAutoFit/>
+          </a:bodyPr>
+          <a:lstStyle/>
+          <a:p>
+            <a:pPr lvl="0">
+              <a:defRPr/>
+            </a:pPr>
+            <a:r>
+              <a:rPr lang="en-US" altLang="ko-KR" sz="2400" b="1">
+                <a:solidFill>
+                  <a:srgbClr val="92D050"/>
+                </a:solidFill>
+                <a:latin typeface="Snap ITC"/>
+                <a:ea typeface="+mj-ea"/>
+              </a:rPr>
+              <a:t>Real time Camera</a:t>
+            </a:r>
+            <a:endParaRPr lang="ko-KR" altLang="en-US" sz="2400" b="1">
               <a:solidFill>
-                <a:schemeClr val="bg1">
-                  <a:lumMod val="50000"/>
-                </a:schemeClr>
+                <a:srgbClr val="92D050"/>
               </a:solidFill>
+              <a:latin typeface="Snap ITC"/>
+              <a:ea typeface="+mj-ea"/>
             </a:endParaRPr>
           </a:p>
+        </p:txBody>
+      </p:sp>
+      <p:sp>
+        <p:nvSpPr>
+          <p:cNvPr id="50" name="TextBox 49">
+            <a:extLst>
+              <a:ext uri="{FF2B5EF4-FFF2-40B4-BE49-F238E27FC236}">
+                <a16:creationId xmlns:a16="http://schemas.microsoft.com/office/drawing/2014/main" id="{A94F9E69-D6C8-4570-A18D-BD14C6E981FC}"/>
+              </a:ext>
+            </a:extLst>
+          </p:cNvPr>
+          <p:cNvSpPr txBox="1"/>
+          <p:nvPr/>
+        </p:nvSpPr>
+        <p:spPr>
+          <a:xfrm>
+            <a:off x="6593938" y="3388660"/>
+            <a:ext cx="2917789" cy="461665"/>
+          </a:xfrm>
+          <a:prstGeom prst="rect">
+            <a:avLst/>
+          </a:prstGeom>
+          <a:noFill/>
+          <a:ln>
+            <a:noFill/>
+          </a:ln>
+        </p:spPr>
+        <p:style>
+          <a:lnRef idx="0">
+            <a:scrgbClr r="0" g="0" b="0"/>
+          </a:lnRef>
+          <a:fillRef idx="0">
+            <a:scrgbClr r="0" g="0" b="0"/>
+          </a:fillRef>
+          <a:effectRef idx="0">
+            <a:scrgbClr r="0" g="0" b="0"/>
+          </a:effectRef>
+          <a:fontRef idx="minor">
+            <a:schemeClr val="dk1"/>
+          </a:fontRef>
+        </p:style>
+        <p:txBody>
+          <a:bodyPr wrap="square">
+            <a:spAutoFit/>
+          </a:bodyPr>
+          <a:lstStyle/>
           <a:p>
-            <a:endParaRPr lang="en-US" altLang="ko-KR" dirty="0">
+            <a:pPr lvl="0">
+              <a:defRPr/>
+            </a:pPr>
+            <a:r>
+              <a:rPr lang="en-US" altLang="ko-KR" sz="2400" b="1">
+                <a:solidFill>
+                  <a:srgbClr val="92D050"/>
+                </a:solidFill>
+                <a:latin typeface="Snap ITC"/>
+                <a:ea typeface="+mj-ea"/>
+              </a:rPr>
+              <a:t>Server(for DB)</a:t>
+            </a:r>
+            <a:endParaRPr lang="ko-KR" altLang="en-US" sz="2400" b="1">
               <a:solidFill>
-                <a:schemeClr val="bg1">
-                  <a:lumMod val="50000"/>
-                </a:schemeClr>
+                <a:srgbClr val="92D050"/>
               </a:solidFill>
+              <a:latin typeface="Snap ITC"/>
+              <a:ea typeface="+mj-ea"/>
             </a:endParaRPr>
           </a:p>
+        </p:txBody>
+      </p:sp>
+      <p:sp>
+        <p:nvSpPr>
+          <p:cNvPr id="51" name="TextBox 50">
+            <a:extLst>
+              <a:ext uri="{FF2B5EF4-FFF2-40B4-BE49-F238E27FC236}">
+                <a16:creationId xmlns:a16="http://schemas.microsoft.com/office/drawing/2014/main" id="{510AB31A-8878-4675-B60B-2A8895F7968B}"/>
+              </a:ext>
+            </a:extLst>
+          </p:cNvPr>
+          <p:cNvSpPr txBox="1"/>
+          <p:nvPr/>
+        </p:nvSpPr>
+        <p:spPr>
+          <a:xfrm>
+            <a:off x="7153027" y="6337076"/>
+            <a:ext cx="1799610" cy="461665"/>
+          </a:xfrm>
+          <a:prstGeom prst="rect">
+            <a:avLst/>
+          </a:prstGeom>
+          <a:noFill/>
+          <a:ln>
+            <a:noFill/>
+          </a:ln>
+        </p:spPr>
+        <p:style>
+          <a:lnRef idx="0">
+            <a:scrgbClr r="0" g="0" b="0"/>
+          </a:lnRef>
+          <a:fillRef idx="0">
+            <a:scrgbClr r="0" g="0" b="0"/>
+          </a:fillRef>
+          <a:effectRef idx="0">
+            <a:scrgbClr r="0" g="0" b="0"/>
+          </a:effectRef>
+          <a:fontRef idx="minor">
+            <a:schemeClr val="dk1"/>
+          </a:fontRef>
+        </p:style>
+        <p:txBody>
+          <a:bodyPr wrap="square">
+            <a:spAutoFit/>
+          </a:bodyPr>
+          <a:lstStyle/>
+          <a:p>
+            <a:pPr lvl="0">
+              <a:defRPr/>
+            </a:pPr>
+            <a:r>
+              <a:rPr lang="en-US" altLang="ko-KR" sz="2400" b="1">
+                <a:solidFill>
+                  <a:srgbClr val="92D050"/>
+                </a:solidFill>
+                <a:latin typeface="Snap ITC"/>
+                <a:ea typeface="+mj-ea"/>
+              </a:rPr>
+              <a:t>User App</a:t>
+            </a:r>
+            <a:endParaRPr lang="ko-KR" altLang="en-US" sz="2400" b="1">
+              <a:solidFill>
+                <a:srgbClr val="92D050"/>
+              </a:solidFill>
+              <a:latin typeface="Snap ITC"/>
+              <a:ea typeface="+mj-ea"/>
+            </a:endParaRPr>
+          </a:p>
+        </p:txBody>
+      </p:sp>
+      <p:pic>
+        <p:nvPicPr>
+          <p:cNvPr id="52" name="그림 5" descr="그리기, 테이블, 냉장고이(가) 표시된 사진  자동 생성된 설명">
+            <a:extLst>
+              <a:ext uri="{FF2B5EF4-FFF2-40B4-BE49-F238E27FC236}">
+                <a16:creationId xmlns:a16="http://schemas.microsoft.com/office/drawing/2014/main" id="{01AAE033-F828-4982-A0C5-AF35B386041F}"/>
+              </a:ext>
+            </a:extLst>
+          </p:cNvPr>
+          <p:cNvPicPr>
+            <a:picLocks noChangeAspect="1"/>
+          </p:cNvPicPr>
+          <p:nvPr/>
+        </p:nvPicPr>
+        <p:blipFill rotWithShape="1">
+          <a:blip r:embed="rId8"/>
+          <a:stretch>
+            <a:fillRect/>
+          </a:stretch>
+        </p:blipFill>
+        <p:spPr>
+          <a:xfrm>
+            <a:off x="5553048" y="2272553"/>
+            <a:ext cx="1226574" cy="821685"/>
+          </a:xfrm>
+          <a:prstGeom prst="rect">
+            <a:avLst/>
+          </a:prstGeom>
+        </p:spPr>
+      </p:pic>
+      <p:pic>
+        <p:nvPicPr>
+          <p:cNvPr id="53" name="그림 9">
+            <a:extLst>
+              <a:ext uri="{FF2B5EF4-FFF2-40B4-BE49-F238E27FC236}">
+                <a16:creationId xmlns:a16="http://schemas.microsoft.com/office/drawing/2014/main" id="{5F174EF3-D017-47C8-9CA8-EF884B44F4CD}"/>
+              </a:ext>
+            </a:extLst>
+          </p:cNvPr>
+          <p:cNvPicPr>
+            <a:picLocks noChangeAspect="1"/>
+          </p:cNvPicPr>
+          <p:nvPr/>
+        </p:nvPicPr>
+        <p:blipFill rotWithShape="1">
+          <a:blip r:embed="rId9"/>
+          <a:stretch>
+            <a:fillRect/>
+          </a:stretch>
+        </p:blipFill>
+        <p:spPr>
+          <a:xfrm>
+            <a:off x="4822810" y="3883631"/>
+            <a:ext cx="1519230" cy="872928"/>
+          </a:xfrm>
+          <a:prstGeom prst="rect">
+            <a:avLst/>
+          </a:prstGeom>
+        </p:spPr>
+      </p:pic>
+      <p:pic>
+        <p:nvPicPr>
+          <p:cNvPr id="54" name="그림 17" descr="그리기, 표지판, 담장이(가) 표시된 사진  자동 생성된 설명">
+            <a:extLst>
+              <a:ext uri="{FF2B5EF4-FFF2-40B4-BE49-F238E27FC236}">
+                <a16:creationId xmlns:a16="http://schemas.microsoft.com/office/drawing/2014/main" id="{FB734B44-870B-472A-8327-C9D4B1CCC263}"/>
+              </a:ext>
+            </a:extLst>
+          </p:cNvPr>
+          <p:cNvPicPr>
+            <a:picLocks noChangeAspect="1"/>
+          </p:cNvPicPr>
+          <p:nvPr/>
+        </p:nvPicPr>
+        <p:blipFill rotWithShape="1">
+          <a:blip r:embed="rId10"/>
+          <a:stretch>
+            <a:fillRect/>
+          </a:stretch>
+        </p:blipFill>
+        <p:spPr>
+          <a:xfrm>
+            <a:off x="5890026" y="4703508"/>
+            <a:ext cx="1099333" cy="1275556"/>
+          </a:xfrm>
+          <a:prstGeom prst="rect">
+            <a:avLst/>
+          </a:prstGeom>
+        </p:spPr>
+      </p:pic>
+      <p:cxnSp>
+        <p:nvCxnSpPr>
+          <p:cNvPr id="55" name="직선 화살표 연결선 92">
+            <a:extLst>
+              <a:ext uri="{FF2B5EF4-FFF2-40B4-BE49-F238E27FC236}">
+                <a16:creationId xmlns:a16="http://schemas.microsoft.com/office/drawing/2014/main" id="{F2E2005B-2702-4F41-887F-76F8F6E66438}"/>
+              </a:ext>
+            </a:extLst>
+          </p:cNvPr>
+          <p:cNvCxnSpPr>
+            <a:stCxn id="53" idx="2"/>
+            <a:endCxn id="54" idx="1"/>
+          </p:cNvCxnSpPr>
+          <p:nvPr/>
+        </p:nvCxnSpPr>
+        <p:spPr>
+          <a:xfrm>
+            <a:off x="5582425" y="4756559"/>
+            <a:ext cx="307601" cy="584727"/>
+          </a:xfrm>
+          <a:prstGeom prst="straightConnector1">
+            <a:avLst/>
+          </a:prstGeom>
+          <a:ln w="57150">
+            <a:tailEnd type="triangle"/>
+          </a:ln>
+        </p:spPr>
+        <p:style>
+          <a:lnRef idx="1">
+            <a:schemeClr val="dk1"/>
+          </a:lnRef>
+          <a:fillRef idx="0">
+            <a:schemeClr val="dk1"/>
+          </a:fillRef>
+          <a:effectRef idx="0">
+            <a:schemeClr val="dk1"/>
+          </a:effectRef>
+          <a:fontRef idx="minor">
+            <a:schemeClr val="tx1"/>
+          </a:fontRef>
+        </p:style>
+      </p:cxnSp>
+      <p:pic>
+        <p:nvPicPr>
+          <p:cNvPr id="56" name="그림 38" descr="그리기이(가) 표시된 사진  자동 생성된 설명">
+            <a:extLst>
+              <a:ext uri="{FF2B5EF4-FFF2-40B4-BE49-F238E27FC236}">
+                <a16:creationId xmlns:a16="http://schemas.microsoft.com/office/drawing/2014/main" id="{C7C1C684-3DBC-403F-92D2-005CC2AA2AEA}"/>
+              </a:ext>
+            </a:extLst>
+          </p:cNvPr>
+          <p:cNvPicPr>
+            <a:picLocks noChangeAspect="1"/>
+          </p:cNvPicPr>
+          <p:nvPr/>
+        </p:nvPicPr>
+        <p:blipFill rotWithShape="1">
+          <a:blip r:embed="rId11"/>
+          <a:stretch>
+            <a:fillRect/>
+          </a:stretch>
+        </p:blipFill>
+        <p:spPr>
+          <a:xfrm>
+            <a:off x="7308067" y="4128774"/>
+            <a:ext cx="738721" cy="761168"/>
+          </a:xfrm>
+          <a:prstGeom prst="rect">
+            <a:avLst/>
+          </a:prstGeom>
+        </p:spPr>
+      </p:pic>
+      <p:cxnSp>
+        <p:nvCxnSpPr>
+          <p:cNvPr id="57" name="직선 화살표 연결선 93">
+            <a:extLst>
+              <a:ext uri="{FF2B5EF4-FFF2-40B4-BE49-F238E27FC236}">
+                <a16:creationId xmlns:a16="http://schemas.microsoft.com/office/drawing/2014/main" id="{99E3EDFA-53CD-4F27-A80A-FC9880BD58F2}"/>
+              </a:ext>
+            </a:extLst>
+          </p:cNvPr>
+          <p:cNvCxnSpPr>
+            <a:stCxn id="54" idx="3"/>
+            <a:endCxn id="56" idx="1"/>
+          </p:cNvCxnSpPr>
+          <p:nvPr/>
+        </p:nvCxnSpPr>
+        <p:spPr>
+          <a:xfrm rot="5400000" flipH="1" flipV="1">
+            <a:off x="6732749" y="4765966"/>
+            <a:ext cx="831925" cy="318710"/>
+          </a:xfrm>
+          <a:prstGeom prst="straightConnector1">
+            <a:avLst/>
+          </a:prstGeom>
+          <a:ln w="57150">
+            <a:tailEnd type="triangle"/>
+          </a:ln>
+        </p:spPr>
+        <p:style>
+          <a:lnRef idx="1">
+            <a:schemeClr val="dk1"/>
+          </a:lnRef>
+          <a:fillRef idx="0">
+            <a:schemeClr val="dk1"/>
+          </a:fillRef>
+          <a:effectRef idx="0">
+            <a:schemeClr val="dk1"/>
+          </a:effectRef>
+          <a:fontRef idx="minor">
+            <a:schemeClr val="tx1"/>
+          </a:fontRef>
+        </p:style>
+      </p:cxnSp>
+      <p:cxnSp>
+        <p:nvCxnSpPr>
+          <p:cNvPr id="58" name="직선 화살표 연결선 75">
+            <a:extLst>
+              <a:ext uri="{FF2B5EF4-FFF2-40B4-BE49-F238E27FC236}">
+                <a16:creationId xmlns:a16="http://schemas.microsoft.com/office/drawing/2014/main" id="{55628380-9888-4384-A4E3-BA582D35EBFC}"/>
+              </a:ext>
+            </a:extLst>
+          </p:cNvPr>
+          <p:cNvCxnSpPr>
+            <a:stCxn id="47" idx="3"/>
+            <a:endCxn id="52" idx="1"/>
+          </p:cNvCxnSpPr>
+          <p:nvPr/>
+        </p:nvCxnSpPr>
+        <p:spPr>
+          <a:xfrm>
+            <a:off x="4853752" y="2402079"/>
+            <a:ext cx="699295" cy="281316"/>
+          </a:xfrm>
+          <a:prstGeom prst="straightConnector1">
+            <a:avLst/>
+          </a:prstGeom>
+          <a:noFill/>
+          <a:ln w="57150" cap="flat" cmpd="sng" algn="ctr">
+            <a:solidFill>
+              <a:srgbClr val="000000">
+                <a:alpha val="100000"/>
+              </a:srgbClr>
+            </a:solidFill>
+            <a:prstDash val="sysDash"/>
+            <a:miter/>
+            <a:tailEnd type="triangle"/>
+          </a:ln>
+          <a:effectLst/>
+        </p:spPr>
+      </p:cxnSp>
+      <p:sp>
+        <p:nvSpPr>
+          <p:cNvPr id="59" name="사각형: 둥근 모서리 58">
+            <a:extLst>
+              <a:ext uri="{FF2B5EF4-FFF2-40B4-BE49-F238E27FC236}">
+                <a16:creationId xmlns:a16="http://schemas.microsoft.com/office/drawing/2014/main" id="{B9326D21-D122-429E-8C0A-7BC1C47A2608}"/>
+              </a:ext>
+            </a:extLst>
+          </p:cNvPr>
+          <p:cNvSpPr/>
+          <p:nvPr/>
+        </p:nvSpPr>
+        <p:spPr>
+          <a:xfrm>
+            <a:off x="2926760" y="1810277"/>
+            <a:ext cx="2669769" cy="1671987"/>
+          </a:xfrm>
+          <a:prstGeom prst="roundRect">
+            <a:avLst>
+              <a:gd name="adj" fmla="val 16667"/>
+            </a:avLst>
+          </a:prstGeom>
+          <a:noFill/>
+          <a:ln w="38100" cap="flat" cmpd="sng" algn="ctr">
+            <a:solidFill>
+              <a:sysClr val="windowText" lastClr="000000"/>
+            </a:solidFill>
+            <a:prstDash val="solid"/>
+            <a:miter/>
+          </a:ln>
+          <a:effectLst/>
+        </p:spPr>
+        <p:txBody>
+          <a:bodyPr anchor="ctr"/>
+          <a:lstStyle/>
+          <a:p>
+            <a:pPr marL="0" marR="0" lvl="0" indent="0" algn="ctr" defTabSz="914400" eaLnBrk="1" latinLnBrk="0" hangingPunct="1">
+              <a:lnSpc>
+                <a:spcPct val="100000"/>
+              </a:lnSpc>
+              <a:spcBef>
+                <a:spcPts val="0"/>
+              </a:spcBef>
+              <a:spcAft>
+                <a:spcPts val="0"/>
+              </a:spcAft>
+              <a:buClrTx/>
+              <a:buFontTx/>
+              <a:buNone/>
+              <a:defRPr/>
+            </a:pPr>
+            <a:endParaRPr kumimoji="0" lang="ko-KR" altLang="en-US" sz="1800" b="0" i="0" u="none" strike="noStrike" kern="0" cap="none" spc="0" normalizeH="0" baseline="0">
+              <a:solidFill>
+                <a:prstClr val="white"/>
+              </a:solidFill>
+              <a:effectLst/>
+              <a:uLnTx/>
+              <a:uFillTx/>
+              <a:latin typeface="맑은 고딕"/>
+              <a:ea typeface="맑은 고딕"/>
+              <a:cs typeface="+mn-cs"/>
+            </a:endParaRPr>
+          </a:p>
+        </p:txBody>
+      </p:sp>
+      <p:sp>
+        <p:nvSpPr>
+          <p:cNvPr id="60" name="사각형: 둥근 모서리 59">
+            <a:extLst>
+              <a:ext uri="{FF2B5EF4-FFF2-40B4-BE49-F238E27FC236}">
+                <a16:creationId xmlns:a16="http://schemas.microsoft.com/office/drawing/2014/main" id="{C70668DB-CE6E-4B35-ABFB-69DA8D937DFD}"/>
+              </a:ext>
+            </a:extLst>
+          </p:cNvPr>
+          <p:cNvSpPr/>
+          <p:nvPr/>
+        </p:nvSpPr>
+        <p:spPr>
+          <a:xfrm>
+            <a:off x="4861077" y="3841845"/>
+            <a:ext cx="3259488" cy="2107158"/>
+          </a:xfrm>
+          <a:prstGeom prst="roundRect">
+            <a:avLst>
+              <a:gd name="adj" fmla="val 16667"/>
+            </a:avLst>
+          </a:prstGeom>
+          <a:noFill/>
+          <a:ln w="38100" cap="flat" cmpd="sng" algn="ctr">
+            <a:solidFill>
+              <a:sysClr val="windowText" lastClr="000000"/>
+            </a:solidFill>
+            <a:prstDash val="solid"/>
+            <a:miter/>
+          </a:ln>
+          <a:effectLst/>
+        </p:spPr>
+        <p:txBody>
+          <a:bodyPr anchor="ctr"/>
+          <a:lstStyle/>
+          <a:p>
+            <a:pPr marL="0" marR="0" lvl="0" indent="0" algn="ctr" defTabSz="914400" eaLnBrk="1" latinLnBrk="0" hangingPunct="1">
+              <a:lnSpc>
+                <a:spcPct val="100000"/>
+              </a:lnSpc>
+              <a:spcBef>
+                <a:spcPts val="0"/>
+              </a:spcBef>
+              <a:spcAft>
+                <a:spcPts val="0"/>
+              </a:spcAft>
+              <a:buClrTx/>
+              <a:buFontTx/>
+              <a:buNone/>
+              <a:defRPr/>
+            </a:pPr>
+            <a:endParaRPr kumimoji="0" lang="ko-KR" altLang="en-US" sz="1800" b="0" i="0" u="none" strike="noStrike" kern="0" cap="none" spc="0" normalizeH="0" baseline="0">
+              <a:solidFill>
+                <a:prstClr val="white"/>
+              </a:solidFill>
+              <a:effectLst/>
+              <a:uLnTx/>
+              <a:uFillTx/>
+              <a:latin typeface="맑은 고딕"/>
+              <a:ea typeface="맑은 고딕"/>
+              <a:cs typeface="+mn-cs"/>
+            </a:endParaRPr>
+          </a:p>
+        </p:txBody>
+      </p:sp>
+    </p:spTree>
+    <p:extLst>
+      <p:ext uri="{BB962C8B-B14F-4D97-AF65-F5344CB8AC3E}">
+        <p14:creationId xmlns:p14="http://schemas.microsoft.com/office/powerpoint/2010/main" val="3557141615"/>
+      </p:ext>
+    </p:extLst>
+  </p:cSld>
+  <p:clrMapOvr>
+    <a:masterClrMapping/>
+  </p:clrMapOvr>
+</p:sld>
+</file>
+
+<file path=ppt/slides/slide4.xml><?xml version="1.0" encoding="utf-8"?>
+<p:sld xmlns:a="http://schemas.openxmlformats.org/drawingml/2006/main" xmlns:r="http://schemas.openxmlformats.org/officeDocument/2006/relationships" xmlns:p="http://schemas.openxmlformats.org/presentationml/2006/main">
+  <p:cSld>
+    <p:spTree>
+      <p:nvGrpSpPr>
+        <p:cNvPr id="1" name=""/>
+        <p:cNvGrpSpPr/>
+        <p:nvPr/>
+      </p:nvGrpSpPr>
+      <p:grpSpPr>
+        <a:xfrm>
+          <a:off x="0" y="0"/>
+          <a:ext cx="0" cy="0"/>
+          <a:chOff x="0" y="0"/>
+          <a:chExt cx="0" cy="0"/>
+        </a:xfrm>
+      </p:grpSpPr>
+      <p:sp>
+        <p:nvSpPr>
+          <p:cNvPr id="2" name="텍스트 개체 틀 1"/>
+          <p:cNvSpPr>
+            <a:spLocks noGrp="1"/>
+          </p:cNvSpPr>
+          <p:nvPr>
+            <p:ph type="body" sz="quarter" idx="10"/>
+          </p:nvPr>
+        </p:nvSpPr>
+        <p:spPr/>
+        <p:txBody>
+          <a:bodyPr/>
+          <a:lstStyle/>
           <a:p>
             <a:r>
               <a:rPr lang="ko-KR" altLang="en-US" dirty="0"/>
-              <a:t>예상 성과물</a:t>
+              <a:t>과목 목표 및 내용 </a:t>
+            </a:r>
+            <a:r>
+              <a:rPr lang="en-US" altLang="ko-KR" dirty="0"/>
+              <a:t>(2/2)</a:t>
+            </a:r>
+            <a:endParaRPr lang="ko-KR" altLang="en-US" dirty="0"/>
+          </a:p>
+        </p:txBody>
+      </p:sp>
+      <p:sp>
+        <p:nvSpPr>
+          <p:cNvPr id="3" name="내용 개체 틀 2"/>
+          <p:cNvSpPr>
+            <a:spLocks noGrp="1"/>
+          </p:cNvSpPr>
+          <p:nvPr>
+            <p:ph sz="quarter" idx="11"/>
+          </p:nvPr>
+        </p:nvSpPr>
+        <p:spPr/>
+        <p:txBody>
+          <a:bodyPr/>
+          <a:lstStyle/>
+          <a:p>
+            <a:pPr marL="0" indent="0">
+              <a:buNone/>
+            </a:pPr>
+            <a:r>
+              <a:rPr lang="ko-KR" altLang="en-US" dirty="0"/>
+              <a:t>  예상 성과물</a:t>
             </a:r>
             <a:r>
               <a:rPr lang="ko-KR" altLang="en-US" dirty="0">
@@ -7040,7 +8519,7 @@
     </p:spTree>
     <p:extLst>
       <p:ext uri="{BB962C8B-B14F-4D97-AF65-F5344CB8AC3E}">
-        <p14:creationId xmlns:p14="http://schemas.microsoft.com/office/powerpoint/2010/main" val="3557141615"/>
+        <p14:creationId xmlns:p14="http://schemas.microsoft.com/office/powerpoint/2010/main" val="2786833164"/>
       </p:ext>
     </p:extLst>
   </p:cSld>
@@ -7050,7 +8529,7 @@
 </p:sld>
 </file>
 
-<file path=ppt/slides/slide4.xml><?xml version="1.0" encoding="utf-8"?>
+<file path=ppt/slides/slide5.xml><?xml version="1.0" encoding="utf-8"?>
 <p:sld xmlns:a="http://schemas.openxmlformats.org/drawingml/2006/main" xmlns:r="http://schemas.openxmlformats.org/officeDocument/2006/relationships" xmlns:p="http://schemas.openxmlformats.org/presentationml/2006/main">
   <p:cSld>
     <p:spTree>
@@ -7474,7 +8953,7 @@
 </p:sld>
 </file>
 
-<file path=ppt/slides/slide5.xml><?xml version="1.0" encoding="utf-8"?>
+<file path=ppt/slides/slide6.xml><?xml version="1.0" encoding="utf-8"?>
 <p:sld xmlns:a="http://schemas.openxmlformats.org/drawingml/2006/main" xmlns:r="http://schemas.openxmlformats.org/officeDocument/2006/relationships" xmlns:p="http://schemas.openxmlformats.org/presentationml/2006/main">
   <p:cSld>
     <p:spTree>
@@ -7535,7 +9014,7 @@
             <p:ph sz="quarter" idx="11"/>
             <p:extLst>
               <p:ext uri="{D42A27DB-BD31-4B8C-83A1-F6EECF244321}">
-                <p14:modId xmlns:p14="http://schemas.microsoft.com/office/powerpoint/2010/main" val="1604438908"/>
+                <p14:modId xmlns:p14="http://schemas.microsoft.com/office/powerpoint/2010/main" val="920618822"/>
               </p:ext>
             </p:extLst>
           </p:nvPr>
@@ -7681,14 +9160,17 @@
                   </a:ext>
                 </a:extLst>
               </a:tr>
-              <a:tr h="1113060">
+              <a:tr h="2226120">
                 <a:tc>
                   <a:txBody>
                     <a:bodyPr/>
                     <a:lstStyle/>
                     <a:p>
                       <a:pPr algn="ctr" latinLnBrk="1"/>
-                      <a:endParaRPr lang="ko-KR" altLang="en-US" dirty="0"/>
+                      <a:r>
+                        <a:rPr lang="ko-KR" altLang="en-US" dirty="0"/>
+                        <a:t>김우진</a:t>
+                      </a:r>
                     </a:p>
                   </a:txBody>
                   <a:tcPr anchor="ctr" anchorCtr="1"/>
@@ -7724,7 +9206,7 @@
                     <a:lstStyle/>
                     <a:p>
                       <a:pPr algn="ctr" latinLnBrk="1"/>
-                      <a:endParaRPr lang="ko-KR" altLang="en-US"/>
+                      <a:endParaRPr lang="ko-KR" altLang="en-US" dirty="0"/>
                     </a:p>
                   </a:txBody>
                   <a:tcPr anchor="ctr" anchorCtr="1"/>
@@ -7735,14 +9217,18 @@
                   </a:ext>
                 </a:extLst>
               </a:tr>
-              <a:tr h="1113060">
+              <a:tr h="2226120">
                 <a:tc>
                   <a:txBody>
                     <a:bodyPr/>
                     <a:lstStyle/>
                     <a:p>
                       <a:pPr algn="ctr" latinLnBrk="1"/>
-                      <a:endParaRPr lang="ko-KR" altLang="en-US"/>
+                      <a:r>
+                        <a:rPr lang="ko-KR" altLang="en-US" dirty="0" err="1"/>
+                        <a:t>이채민</a:t>
+                      </a:r>
+                      <a:endParaRPr lang="ko-KR" altLang="en-US" dirty="0"/>
                     </a:p>
                   </a:txBody>
                   <a:tcPr anchor="ctr" anchorCtr="1"/>
@@ -7767,50 +9253,7 @@
                     <a:lstStyle/>
                     <a:p>
                       <a:pPr algn="ctr" latinLnBrk="1"/>
-                      <a:endParaRPr lang="ko-KR" altLang="en-US"/>
-                    </a:p>
-                  </a:txBody>
-                  <a:tcPr anchor="ctr" anchorCtr="1"/>
-                </a:tc>
-                <a:tc>
-                  <a:txBody>
-                    <a:bodyPr/>
-                    <a:lstStyle/>
-                    <a:p>
-                      <a:pPr algn="ctr" latinLnBrk="1"/>
-                      <a:endParaRPr lang="ko-KR" altLang="en-US"/>
-                    </a:p>
-                  </a:txBody>
-                  <a:tcPr anchor="ctr" anchorCtr="1"/>
-                </a:tc>
-                <a:extLst>
-                  <a:ext uri="{0D108BD9-81ED-4DB2-BD59-A6C34878D82A}">
-                    <a16:rowId xmlns:a16="http://schemas.microsoft.com/office/drawing/2014/main" val="3323051632"/>
-                  </a:ext>
-                </a:extLst>
-              </a:tr>
-              <a:tr h="1113060">
-                <a:tc>
-                  <a:txBody>
-                    <a:bodyPr/>
-                    <a:lstStyle/>
-                    <a:p>
-                      <a:pPr algn="ctr" latinLnBrk="1"/>
-                      <a:endParaRPr lang="ko-KR" altLang="en-US"/>
-                    </a:p>
-                  </a:txBody>
-                  <a:tcPr anchor="ctr" anchorCtr="1"/>
-                </a:tc>
-                <a:tc>
-                  <a:txBody>
-                    <a:bodyPr/>
-                    <a:lstStyle/>
-                    <a:p>
-                      <a:pPr algn="ctr" latinLnBrk="1"/>
-                      <a:r>
-                        <a:rPr lang="ko-KR" altLang="en-US" dirty="0"/>
-                        <a:t>팀원</a:t>
-                      </a:r>
+                      <a:endParaRPr lang="ko-KR" altLang="en-US" dirty="0"/>
                     </a:p>
                   </a:txBody>
                   <a:tcPr anchor="ctr" anchorCtr="1"/>
@@ -7822,17 +9265,6 @@
                     <a:p>
                       <a:pPr algn="ctr" latinLnBrk="1"/>
                       <a:endParaRPr lang="ko-KR" altLang="en-US" dirty="0"/>
-                    </a:p>
-                  </a:txBody>
-                  <a:tcPr anchor="ctr" anchorCtr="1"/>
-                </a:tc>
-                <a:tc>
-                  <a:txBody>
-                    <a:bodyPr/>
-                    <a:lstStyle/>
-                    <a:p>
-                      <a:pPr algn="ctr" latinLnBrk="1"/>
-                      <a:endParaRPr lang="ko-KR" altLang="en-US"/>
                     </a:p>
                   </a:txBody>
                   <a:tcPr anchor="ctr" anchorCtr="1"/>
@@ -7840,60 +9272,6 @@
                 <a:extLst>
                   <a:ext uri="{0D108BD9-81ED-4DB2-BD59-A6C34878D82A}">
                     <a16:rowId xmlns:a16="http://schemas.microsoft.com/office/drawing/2014/main" val="3791320640"/>
-                  </a:ext>
-                </a:extLst>
-              </a:tr>
-              <a:tr h="1113060">
-                <a:tc>
-                  <a:txBody>
-                    <a:bodyPr/>
-                    <a:lstStyle/>
-                    <a:p>
-                      <a:pPr algn="ctr" latinLnBrk="1"/>
-                      <a:endParaRPr lang="ko-KR" altLang="en-US"/>
-                    </a:p>
-                  </a:txBody>
-                  <a:tcPr anchor="ctr" anchorCtr="1"/>
-                </a:tc>
-                <a:tc>
-                  <a:txBody>
-                    <a:bodyPr/>
-                    <a:lstStyle/>
-                    <a:p>
-                      <a:pPr algn="ctr" latinLnBrk="1"/>
-                      <a:r>
-                        <a:rPr lang="ko-KR" altLang="en-US" dirty="0"/>
-                        <a:t>팀원</a:t>
-                      </a:r>
-                    </a:p>
-                  </a:txBody>
-                  <a:tcPr anchor="ctr" anchorCtr="1"/>
-                </a:tc>
-                <a:tc>
-                  <a:txBody>
-                    <a:bodyPr/>
-                    <a:lstStyle/>
-                    <a:p>
-                      <a:pPr algn="ctr" latinLnBrk="1"/>
-                      <a:endParaRPr lang="ko-KR" altLang="en-US" dirty="0"/>
-                    </a:p>
-                  </a:txBody>
-                  <a:tcPr anchor="ctr" anchorCtr="1"/>
-                </a:tc>
-                <a:tc>
-                  <a:txBody>
-                    <a:bodyPr/>
-                    <a:lstStyle/>
-                    <a:p>
-                      <a:pPr algn="ctr" latinLnBrk="1"/>
-                      <a:endParaRPr lang="ko-KR" altLang="en-US" dirty="0"/>
-                    </a:p>
-                  </a:txBody>
-                  <a:tcPr anchor="ctr" anchorCtr="1"/>
-                </a:tc>
-                <a:extLst>
-                  <a:ext uri="{0D108BD9-81ED-4DB2-BD59-A6C34878D82A}">
-                    <a16:rowId xmlns:a16="http://schemas.microsoft.com/office/drawing/2014/main" val="1977040087"/>
                   </a:ext>
                 </a:extLst>
               </a:tr>
@@ -7914,7 +9292,7 @@
 </p:sld>
 </file>
 
-<file path=ppt/slides/slide6.xml><?xml version="1.0" encoding="utf-8"?>
+<file path=ppt/slides/slide7.xml><?xml version="1.0" encoding="utf-8"?>
 <p:sld xmlns:a="http://schemas.openxmlformats.org/drawingml/2006/main" xmlns:r="http://schemas.openxmlformats.org/officeDocument/2006/relationships" xmlns:p="http://schemas.openxmlformats.org/presentationml/2006/main">
   <p:cSld>
     <p:spTree>
@@ -8014,7 +9392,7 @@
 </p:sld>
 </file>
 
-<file path=ppt/slides/slide7.xml><?xml version="1.0" encoding="utf-8"?>
+<file path=ppt/slides/slide8.xml><?xml version="1.0" encoding="utf-8"?>
 <p:sld xmlns:a="http://schemas.openxmlformats.org/drawingml/2006/main" xmlns:r="http://schemas.openxmlformats.org/officeDocument/2006/relationships" xmlns:p="http://schemas.openxmlformats.org/presentationml/2006/main">
   <p:cSld>
     <p:spTree>
@@ -8114,7 +9492,7 @@
 </p:sld>
 </file>
 
-<file path=ppt/slides/slide8.xml><?xml version="1.0" encoding="utf-8"?>
+<file path=ppt/slides/slide9.xml><?xml version="1.0" encoding="utf-8"?>
 <p:sld xmlns:a="http://schemas.openxmlformats.org/drawingml/2006/main" xmlns:r="http://schemas.openxmlformats.org/officeDocument/2006/relationships" xmlns:p="http://schemas.openxmlformats.org/presentationml/2006/main">
   <p:cSld>
     <p:spTree>
@@ -8205,150 +9583,6 @@
     <p:extLst>
       <p:ext uri="{BB962C8B-B14F-4D97-AF65-F5344CB8AC3E}">
         <p14:creationId xmlns:p14="http://schemas.microsoft.com/office/powerpoint/2010/main" val="1592590535"/>
-      </p:ext>
-    </p:extLst>
-  </p:cSld>
-  <p:clrMapOvr>
-    <a:masterClrMapping/>
-  </p:clrMapOvr>
-</p:sld>
-</file>
-
-<file path=ppt/slides/slide9.xml><?xml version="1.0" encoding="utf-8"?>
-<p:sld xmlns:a="http://schemas.openxmlformats.org/drawingml/2006/main" xmlns:r="http://schemas.openxmlformats.org/officeDocument/2006/relationships" xmlns:p="http://schemas.openxmlformats.org/presentationml/2006/main">
-  <p:cSld>
-    <p:spTree>
-      <p:nvGrpSpPr>
-        <p:cNvPr id="1" name=""/>
-        <p:cNvGrpSpPr/>
-        <p:nvPr/>
-      </p:nvGrpSpPr>
-      <p:grpSpPr>
-        <a:xfrm>
-          <a:off x="0" y="0"/>
-          <a:ext cx="0" cy="0"/>
-          <a:chOff x="0" y="0"/>
-          <a:chExt cx="0" cy="0"/>
-        </a:xfrm>
-      </p:grpSpPr>
-      <p:sp>
-        <p:nvSpPr>
-          <p:cNvPr id="2" name="텍스트 개체 틀 1">
-            <a:extLst>
-              <a:ext uri="{FF2B5EF4-FFF2-40B4-BE49-F238E27FC236}">
-                <a16:creationId xmlns:a16="http://schemas.microsoft.com/office/drawing/2014/main" id="{313F88F5-A0F8-4B0D-95F0-9E4A641BDDBF}"/>
-              </a:ext>
-            </a:extLst>
-          </p:cNvPr>
-          <p:cNvSpPr>
-            <a:spLocks noGrp="1"/>
-          </p:cNvSpPr>
-          <p:nvPr>
-            <p:ph type="body" sz="quarter" idx="10"/>
-          </p:nvPr>
-        </p:nvSpPr>
-        <p:spPr/>
-        <p:txBody>
-          <a:bodyPr/>
-          <a:lstStyle/>
-          <a:p>
-            <a:r>
-              <a:rPr lang="en-US" altLang="ko-KR" dirty="0"/>
-              <a:t>Main </a:t>
-            </a:r>
-            <a:r>
-              <a:rPr lang="ko-KR" altLang="en-US" dirty="0"/>
-              <a:t>기술 이슈 </a:t>
-            </a:r>
-            <a:r>
-              <a:rPr lang="en-US" altLang="ko-KR" dirty="0">
-                <a:solidFill>
-                  <a:schemeClr val="bg1">
-                    <a:lumMod val="50000"/>
-                  </a:schemeClr>
-                </a:solidFill>
-              </a:rPr>
-              <a:t>(</a:t>
-            </a:r>
-            <a:r>
-              <a:rPr lang="ko-KR" altLang="en-US" dirty="0">
-                <a:solidFill>
-                  <a:schemeClr val="bg1">
-                    <a:lumMod val="50000"/>
-                  </a:schemeClr>
-                </a:solidFill>
-              </a:rPr>
-              <a:t>최종보고때까지 해결해야 할 </a:t>
-            </a:r>
-            <a:r>
-              <a:rPr lang="en-US" altLang="ko-KR" dirty="0">
-                <a:solidFill>
-                  <a:schemeClr val="bg1">
-                    <a:lumMod val="50000"/>
-                  </a:schemeClr>
-                </a:solidFill>
-              </a:rPr>
-              <a:t>main point </a:t>
-            </a:r>
-            <a:r>
-              <a:rPr lang="ko-KR" altLang="en-US" dirty="0">
-                <a:solidFill>
-                  <a:schemeClr val="bg1">
-                    <a:lumMod val="50000"/>
-                  </a:schemeClr>
-                </a:solidFill>
-              </a:rPr>
-              <a:t>기술</a:t>
-            </a:r>
-            <a:r>
-              <a:rPr lang="en-US" altLang="ko-KR" dirty="0">
-                <a:solidFill>
-                  <a:schemeClr val="bg1">
-                    <a:lumMod val="50000"/>
-                  </a:schemeClr>
-                </a:solidFill>
-              </a:rPr>
-              <a:t>)</a:t>
-            </a:r>
-            <a:endParaRPr lang="ko-KR" altLang="en-US" dirty="0">
-              <a:solidFill>
-                <a:schemeClr val="bg1">
-                  <a:lumMod val="50000"/>
-                </a:schemeClr>
-              </a:solidFill>
-            </a:endParaRPr>
-          </a:p>
-        </p:txBody>
-      </p:sp>
-      <p:sp>
-        <p:nvSpPr>
-          <p:cNvPr id="3" name="내용 개체 틀 2">
-            <a:extLst>
-              <a:ext uri="{FF2B5EF4-FFF2-40B4-BE49-F238E27FC236}">
-                <a16:creationId xmlns:a16="http://schemas.microsoft.com/office/drawing/2014/main" id="{A9200048-DC0D-4905-8AEF-F7143FD373A9}"/>
-              </a:ext>
-            </a:extLst>
-          </p:cNvPr>
-          <p:cNvSpPr>
-            <a:spLocks noGrp="1"/>
-          </p:cNvSpPr>
-          <p:nvPr>
-            <p:ph sz="quarter" idx="11"/>
-          </p:nvPr>
-        </p:nvSpPr>
-        <p:spPr/>
-        <p:txBody>
-          <a:bodyPr/>
-          <a:lstStyle/>
-          <a:p>
-            <a:endParaRPr lang="ko-KR" altLang="en-US"/>
-          </a:p>
-        </p:txBody>
-      </p:sp>
-    </p:spTree>
-    <p:extLst>
-      <p:ext uri="{BB962C8B-B14F-4D97-AF65-F5344CB8AC3E}">
-        <p14:creationId xmlns:p14="http://schemas.microsoft.com/office/powerpoint/2010/main" val="623318139"/>
       </p:ext>
     </p:extLst>
   </p:cSld>

--- a/공학설계 자료/공학설계_중간보고_발표자료(양식).pptx
+++ b/공학설계 자료/공학설계_중간보고_발표자료(양식).pptx
@@ -5,24 +5,26 @@
     <p:sldMasterId id="2147483662" r:id="rId1"/>
   </p:sldMasterIdLst>
   <p:notesMasterIdLst>
-    <p:notesMasterId r:id="rId14"/>
+    <p:notesMasterId r:id="rId16"/>
   </p:notesMasterIdLst>
   <p:handoutMasterIdLst>
-    <p:handoutMasterId r:id="rId15"/>
+    <p:handoutMasterId r:id="rId17"/>
   </p:handoutMasterIdLst>
   <p:sldIdLst>
     <p:sldId id="1286" r:id="rId2"/>
     <p:sldId id="992" r:id="rId3"/>
     <p:sldId id="1402" r:id="rId4"/>
-    <p:sldId id="1403" r:id="rId5"/>
-    <p:sldId id="1395" r:id="rId6"/>
-    <p:sldId id="1396" r:id="rId7"/>
-    <p:sldId id="1397" r:id="rId8"/>
-    <p:sldId id="1399" r:id="rId9"/>
-    <p:sldId id="1400" r:id="rId10"/>
-    <p:sldId id="1401" r:id="rId11"/>
-    <p:sldId id="1398" r:id="rId12"/>
-    <p:sldId id="1393" r:id="rId13"/>
+    <p:sldId id="1404" r:id="rId5"/>
+    <p:sldId id="1406" r:id="rId6"/>
+    <p:sldId id="1405" r:id="rId7"/>
+    <p:sldId id="1395" r:id="rId8"/>
+    <p:sldId id="1396" r:id="rId9"/>
+    <p:sldId id="1397" r:id="rId10"/>
+    <p:sldId id="1399" r:id="rId11"/>
+    <p:sldId id="1400" r:id="rId12"/>
+    <p:sldId id="1401" r:id="rId13"/>
+    <p:sldId id="1398" r:id="rId14"/>
+    <p:sldId id="1393" r:id="rId15"/>
   </p:sldIdLst>
   <p:sldSz cx="10561638" cy="7921625"/>
   <p:notesSz cx="6805613" cy="9939338"/>
@@ -129,7 +131,9 @@
             <p14:sldId id="1286"/>
             <p14:sldId id="992"/>
             <p14:sldId id="1402"/>
-            <p14:sldId id="1403"/>
+            <p14:sldId id="1404"/>
+            <p14:sldId id="1406"/>
+            <p14:sldId id="1405"/>
             <p14:sldId id="1395"/>
             <p14:sldId id="1396"/>
             <p14:sldId id="1397"/>
@@ -2616,6 +2620,206 @@
           <p:cNvPr id="2" name="텍스트 개체 틀 1">
             <a:extLst>
               <a:ext uri="{FF2B5EF4-FFF2-40B4-BE49-F238E27FC236}">
+                <a16:creationId xmlns:a16="http://schemas.microsoft.com/office/drawing/2014/main" id="{E045F529-ED27-4C61-9AC7-F61264904570}"/>
+              </a:ext>
+            </a:extLst>
+          </p:cNvPr>
+          <p:cNvSpPr>
+            <a:spLocks noGrp="1"/>
+          </p:cNvSpPr>
+          <p:nvPr>
+            <p:ph type="body" sz="quarter" idx="10"/>
+          </p:nvPr>
+        </p:nvSpPr>
+        <p:spPr/>
+        <p:txBody>
+          <a:bodyPr/>
+          <a:lstStyle/>
+          <a:p>
+            <a:r>
+              <a:rPr lang="en-US" altLang="ko-KR" dirty="0"/>
+              <a:t>(</a:t>
+            </a:r>
+            <a:r>
+              <a:rPr lang="ko-KR" altLang="en-US" dirty="0"/>
+              <a:t>현재 기준</a:t>
+            </a:r>
+            <a:r>
+              <a:rPr lang="en-US" altLang="ko-KR" dirty="0"/>
+              <a:t>) </a:t>
+            </a:r>
+            <a:r>
+              <a:rPr lang="ko-KR" altLang="en-US" dirty="0"/>
+              <a:t>주요 연구 결과 및 성과물 </a:t>
+            </a:r>
+            <a:r>
+              <a:rPr lang="en-US" altLang="ko-KR" dirty="0"/>
+              <a:t>(2/3)</a:t>
+            </a:r>
+            <a:endParaRPr lang="ko-KR" altLang="en-US" dirty="0"/>
+          </a:p>
+        </p:txBody>
+      </p:sp>
+      <p:sp>
+        <p:nvSpPr>
+          <p:cNvPr id="3" name="내용 개체 틀 2">
+            <a:extLst>
+              <a:ext uri="{FF2B5EF4-FFF2-40B4-BE49-F238E27FC236}">
+                <a16:creationId xmlns:a16="http://schemas.microsoft.com/office/drawing/2014/main" id="{D1754C20-79A3-4CBA-8B0D-FB0BED952E5A}"/>
+              </a:ext>
+            </a:extLst>
+          </p:cNvPr>
+          <p:cNvSpPr>
+            <a:spLocks noGrp="1"/>
+          </p:cNvSpPr>
+          <p:nvPr>
+            <p:ph sz="quarter" idx="11"/>
+          </p:nvPr>
+        </p:nvSpPr>
+        <p:spPr/>
+        <p:txBody>
+          <a:bodyPr/>
+          <a:lstStyle/>
+          <a:p>
+            <a:endParaRPr lang="ko-KR" altLang="en-US"/>
+          </a:p>
+        </p:txBody>
+      </p:sp>
+    </p:spTree>
+    <p:extLst>
+      <p:ext uri="{BB962C8B-B14F-4D97-AF65-F5344CB8AC3E}">
+        <p14:creationId xmlns:p14="http://schemas.microsoft.com/office/powerpoint/2010/main" val="3474892286"/>
+      </p:ext>
+    </p:extLst>
+  </p:cSld>
+  <p:clrMapOvr>
+    <a:masterClrMapping/>
+  </p:clrMapOvr>
+</p:sld>
+</file>
+
+<file path=ppt/slides/slide11.xml><?xml version="1.0" encoding="utf-8"?>
+<p:sld xmlns:a="http://schemas.openxmlformats.org/drawingml/2006/main" xmlns:r="http://schemas.openxmlformats.org/officeDocument/2006/relationships" xmlns:p="http://schemas.openxmlformats.org/presentationml/2006/main">
+  <p:cSld>
+    <p:spTree>
+      <p:nvGrpSpPr>
+        <p:cNvPr id="1" name=""/>
+        <p:cNvGrpSpPr/>
+        <p:nvPr/>
+      </p:nvGrpSpPr>
+      <p:grpSpPr>
+        <a:xfrm>
+          <a:off x="0" y="0"/>
+          <a:ext cx="0" cy="0"/>
+          <a:chOff x="0" y="0"/>
+          <a:chExt cx="0" cy="0"/>
+        </a:xfrm>
+      </p:grpSpPr>
+      <p:sp>
+        <p:nvSpPr>
+          <p:cNvPr id="2" name="텍스트 개체 틀 1">
+            <a:extLst>
+              <a:ext uri="{FF2B5EF4-FFF2-40B4-BE49-F238E27FC236}">
+                <a16:creationId xmlns:a16="http://schemas.microsoft.com/office/drawing/2014/main" id="{E045F529-ED27-4C61-9AC7-F61264904570}"/>
+              </a:ext>
+            </a:extLst>
+          </p:cNvPr>
+          <p:cNvSpPr>
+            <a:spLocks noGrp="1"/>
+          </p:cNvSpPr>
+          <p:nvPr>
+            <p:ph type="body" sz="quarter" idx="10"/>
+          </p:nvPr>
+        </p:nvSpPr>
+        <p:spPr/>
+        <p:txBody>
+          <a:bodyPr/>
+          <a:lstStyle/>
+          <a:p>
+            <a:r>
+              <a:rPr lang="en-US" altLang="ko-KR" dirty="0"/>
+              <a:t>(</a:t>
+            </a:r>
+            <a:r>
+              <a:rPr lang="ko-KR" altLang="en-US" dirty="0"/>
+              <a:t>현재 기준</a:t>
+            </a:r>
+            <a:r>
+              <a:rPr lang="en-US" altLang="ko-KR" dirty="0"/>
+              <a:t>) </a:t>
+            </a:r>
+            <a:r>
+              <a:rPr lang="ko-KR" altLang="en-US" dirty="0"/>
+              <a:t>주요 연구 결과 및 성과물 </a:t>
+            </a:r>
+            <a:r>
+              <a:rPr lang="en-US" altLang="ko-KR" dirty="0"/>
+              <a:t>(3/3)</a:t>
+            </a:r>
+            <a:endParaRPr lang="ko-KR" altLang="en-US" dirty="0"/>
+          </a:p>
+        </p:txBody>
+      </p:sp>
+      <p:sp>
+        <p:nvSpPr>
+          <p:cNvPr id="3" name="내용 개체 틀 2">
+            <a:extLst>
+              <a:ext uri="{FF2B5EF4-FFF2-40B4-BE49-F238E27FC236}">
+                <a16:creationId xmlns:a16="http://schemas.microsoft.com/office/drawing/2014/main" id="{D1754C20-79A3-4CBA-8B0D-FB0BED952E5A}"/>
+              </a:ext>
+            </a:extLst>
+          </p:cNvPr>
+          <p:cNvSpPr>
+            <a:spLocks noGrp="1"/>
+          </p:cNvSpPr>
+          <p:nvPr>
+            <p:ph sz="quarter" idx="11"/>
+          </p:nvPr>
+        </p:nvSpPr>
+        <p:spPr/>
+        <p:txBody>
+          <a:bodyPr/>
+          <a:lstStyle/>
+          <a:p>
+            <a:endParaRPr lang="ko-KR" altLang="en-US"/>
+          </a:p>
+        </p:txBody>
+      </p:sp>
+    </p:spTree>
+    <p:extLst>
+      <p:ext uri="{BB962C8B-B14F-4D97-AF65-F5344CB8AC3E}">
+        <p14:creationId xmlns:p14="http://schemas.microsoft.com/office/powerpoint/2010/main" val="1592590535"/>
+      </p:ext>
+    </p:extLst>
+  </p:cSld>
+  <p:clrMapOvr>
+    <a:masterClrMapping/>
+  </p:clrMapOvr>
+</p:sld>
+</file>
+
+<file path=ppt/slides/slide12.xml><?xml version="1.0" encoding="utf-8"?>
+<p:sld xmlns:a="http://schemas.openxmlformats.org/drawingml/2006/main" xmlns:r="http://schemas.openxmlformats.org/officeDocument/2006/relationships" xmlns:p="http://schemas.openxmlformats.org/presentationml/2006/main">
+  <p:cSld>
+    <p:spTree>
+      <p:nvGrpSpPr>
+        <p:cNvPr id="1" name=""/>
+        <p:cNvGrpSpPr/>
+        <p:nvPr/>
+      </p:nvGrpSpPr>
+      <p:grpSpPr>
+        <a:xfrm>
+          <a:off x="0" y="0"/>
+          <a:ext cx="0" cy="0"/>
+          <a:chOff x="0" y="0"/>
+          <a:chExt cx="0" cy="0"/>
+        </a:xfrm>
+      </p:grpSpPr>
+      <p:sp>
+        <p:nvSpPr>
+          <p:cNvPr id="2" name="텍스트 개체 틀 1">
+            <a:extLst>
+              <a:ext uri="{FF2B5EF4-FFF2-40B4-BE49-F238E27FC236}">
                 <a16:creationId xmlns:a16="http://schemas.microsoft.com/office/drawing/2014/main" id="{313F88F5-A0F8-4B0D-95F0-9E4A641BDDBF}"/>
               </a:ext>
             </a:extLst>
@@ -2738,7 +2942,7 @@
 </p:sld>
 </file>
 
-<file path=ppt/slides/slide11.xml><?xml version="1.0" encoding="utf-8"?>
+<file path=ppt/slides/slide13.xml><?xml version="1.0" encoding="utf-8"?>
 <p:sld xmlns:a="http://schemas.openxmlformats.org/drawingml/2006/main" xmlns:r="http://schemas.openxmlformats.org/officeDocument/2006/relationships" xmlns:p="http://schemas.openxmlformats.org/presentationml/2006/main">
   <p:cSld>
     <p:spTree>
@@ -2799,14 +3003,14 @@
             <p:ph sz="quarter" idx="11"/>
             <p:extLst>
               <p:ext uri="{D42A27DB-BD31-4B8C-83A1-F6EECF244321}">
-                <p14:modId xmlns:p14="http://schemas.microsoft.com/office/powerpoint/2010/main" val="1259539324"/>
+                <p14:modId xmlns:p14="http://schemas.microsoft.com/office/powerpoint/2010/main" val="3748805871"/>
               </p:ext>
             </p:extLst>
           </p:nvPr>
         </p:nvGraphicFramePr>
         <p:xfrm>
           <a:off x="312267" y="936476"/>
-          <a:ext cx="9798478" cy="6264695"/>
+          <a:ext cx="9798478" cy="4731267"/>
         </p:xfrm>
         <a:graphic>
           <a:graphicData uri="http://schemas.openxmlformats.org/drawingml/2006/table">
@@ -2855,14 +3059,14 @@
                     </a:ext>
                   </a:extLst>
                 </a:gridCol>
-                <a:gridCol w="960380">
+                <a:gridCol w="581770">
                   <a:extLst>
                     <a:ext uri="{9D8B030D-6E8A-4147-A177-3AD203B41FA5}">
                       <a16:colId xmlns:a16="http://schemas.microsoft.com/office/drawing/2014/main" val="680815395"/>
                     </a:ext>
                   </a:extLst>
                 </a:gridCol>
-                <a:gridCol w="778908">
+                <a:gridCol w="1157518">
                   <a:extLst>
                     <a:ext uri="{9D8B030D-6E8A-4147-A177-3AD203B41FA5}">
                       <a16:colId xmlns:a16="http://schemas.microsoft.com/office/drawing/2014/main" val="4025203729"/>
@@ -3593,7 +3797,7 @@
                         </a:spcAft>
                       </a:pPr>
                       <a:r>
-                        <a:rPr lang="ko-KR" altLang="en-US" sz="1800" b="1" kern="0" spc="-80">
+                        <a:rPr lang="ko-KR" altLang="en-US" sz="1800" b="1" kern="0" spc="-80" dirty="0">
                           <a:solidFill>
                             <a:srgbClr val="000000"/>
                           </a:solidFill>
@@ -3603,7 +3807,7 @@
                         </a:rPr>
                         <a:t>현물</a:t>
                       </a:r>
-                      <a:endParaRPr lang="ko-KR" altLang="en-US" sz="1800" kern="0" spc="0">
+                      <a:endParaRPr lang="ko-KR" altLang="en-US" sz="1800" kern="0" spc="0" dirty="0">
                         <a:solidFill>
                           <a:srgbClr val="000000"/>
                         </a:solidFill>
@@ -3672,7 +3876,7 @@
                 </a:extLst>
               </a:tr>
               <a:tr h="766714">
-                <a:tc rowSpan="5">
+                <a:tc rowSpan="3">
                   <a:txBody>
                     <a:bodyPr/>
                     <a:lstStyle/>
@@ -4168,7 +4372,7 @@
                           <a:spcPts val="0"/>
                         </a:spcAft>
                       </a:pPr>
-                      <a:endParaRPr lang="ko-KR" altLang="en-US" sz="1800" kern="0" spc="-80">
+                      <a:endParaRPr lang="ko-KR" altLang="en-US" sz="1800" kern="0" spc="-80" dirty="0">
                         <a:solidFill>
                           <a:srgbClr val="000000"/>
                         </a:solidFill>
@@ -4570,7 +4774,7 @@
                           <a:spcPts val="0"/>
                         </a:spcAft>
                       </a:pPr>
-                      <a:endParaRPr lang="ko-KR" altLang="en-US" sz="1800" kern="0" spc="-80">
+                      <a:endParaRPr lang="ko-KR" altLang="en-US" sz="1800" kern="0" spc="-80" dirty="0">
                         <a:solidFill>
                           <a:srgbClr val="000000"/>
                         </a:solidFill>
@@ -5215,938 +5419,6 @@
                 <a:extLst>
                   <a:ext uri="{0D108BD9-81ED-4DB2-BD59-A6C34878D82A}">
                     <a16:rowId xmlns:a16="http://schemas.microsoft.com/office/drawing/2014/main" val="1270869339"/>
-                  </a:ext>
-                </a:extLst>
-              </a:tr>
-              <a:tr h="766714">
-                <a:tc vMerge="1">
-                  <a:txBody>
-                    <a:bodyPr/>
-                    <a:lstStyle/>
-                    <a:p>
-                      <a:pPr latinLnBrk="1"/>
-                      <a:endParaRPr lang="ko-KR" altLang="en-US"/>
-                    </a:p>
-                  </a:txBody>
-                  <a:tcPr/>
-                </a:tc>
-                <a:tc>
-                  <a:txBody>
-                    <a:bodyPr/>
-                    <a:lstStyle/>
-                    <a:p>
-                      <a:pPr marL="0" marR="0" indent="0" algn="ctr" fontAlgn="base" latinLnBrk="0">
-                        <a:lnSpc>
-                          <a:spcPct val="130000"/>
-                        </a:lnSpc>
-                        <a:spcBef>
-                          <a:spcPts val="0"/>
-                        </a:spcBef>
-                        <a:spcAft>
-                          <a:spcPts val="0"/>
-                        </a:spcAft>
-                      </a:pPr>
-                      <a:endParaRPr lang="ko-KR" altLang="en-US" sz="1800" kern="0" spc="-80">
-                        <a:solidFill>
-                          <a:srgbClr val="000000"/>
-                        </a:solidFill>
-                        <a:effectLst/>
-                        <a:latin typeface="함초롬바탕" panose="02030604000101010101" pitchFamily="18" charset="-127"/>
-                      </a:endParaRPr>
-                    </a:p>
-                  </a:txBody>
-                  <a:tcPr marL="17907" marR="17907" marT="17907" marB="17907" anchor="ctr">
-                    <a:lnL w="3556" cap="flat" cmpd="sng" algn="ctr">
-                      <a:solidFill>
-                        <a:srgbClr val="000000"/>
-                      </a:solidFill>
-                      <a:prstDash val="solid"/>
-                      <a:round/>
-                      <a:headEnd type="none" w="med" len="med"/>
-                      <a:tailEnd type="none" w="med" len="med"/>
-                    </a:lnL>
-                    <a:lnR w="3556" cap="flat" cmpd="sng" algn="ctr">
-                      <a:solidFill>
-                        <a:srgbClr val="000000"/>
-                      </a:solidFill>
-                      <a:prstDash val="solid"/>
-                      <a:round/>
-                      <a:headEnd type="none" w="med" len="med"/>
-                      <a:tailEnd type="none" w="med" len="med"/>
-                    </a:lnR>
-                    <a:lnT w="3556" cap="flat" cmpd="sng" algn="ctr">
-                      <a:solidFill>
-                        <a:srgbClr val="000000"/>
-                      </a:solidFill>
-                      <a:prstDash val="solid"/>
-                      <a:round/>
-                      <a:headEnd type="none" w="med" len="med"/>
-                      <a:tailEnd type="none" w="med" len="med"/>
-                    </a:lnT>
-                    <a:lnB w="3556" cap="flat" cmpd="sng" algn="ctr">
-                      <a:solidFill>
-                        <a:srgbClr val="000000"/>
-                      </a:solidFill>
-                      <a:prstDash val="solid"/>
-                      <a:round/>
-                      <a:headEnd type="none" w="med" len="med"/>
-                      <a:tailEnd type="none" w="med" len="med"/>
-                    </a:lnB>
-                  </a:tcPr>
-                </a:tc>
-                <a:tc>
-                  <a:txBody>
-                    <a:bodyPr/>
-                    <a:lstStyle/>
-                    <a:p>
-                      <a:pPr marL="0" marR="0" indent="0" algn="ctr" fontAlgn="base" latinLnBrk="0">
-                        <a:lnSpc>
-                          <a:spcPct val="100000"/>
-                        </a:lnSpc>
-                        <a:spcBef>
-                          <a:spcPts val="0"/>
-                        </a:spcBef>
-                        <a:spcAft>
-                          <a:spcPts val="0"/>
-                        </a:spcAft>
-                      </a:pPr>
-                      <a:endParaRPr lang="ko-KR" altLang="en-US" sz="1800" kern="0" spc="-80">
-                        <a:solidFill>
-                          <a:srgbClr val="0000FF"/>
-                        </a:solidFill>
-                        <a:effectLst/>
-                        <a:latin typeface="함초롬바탕" panose="02030604000101010101" pitchFamily="18" charset="-127"/>
-                      </a:endParaRPr>
-                    </a:p>
-                  </a:txBody>
-                  <a:tcPr marL="17907" marR="17907" marT="17907" marB="17907" anchor="ctr">
-                    <a:lnL w="3556" cap="flat" cmpd="sng" algn="ctr">
-                      <a:solidFill>
-                        <a:srgbClr val="000000"/>
-                      </a:solidFill>
-                      <a:prstDash val="solid"/>
-                      <a:round/>
-                      <a:headEnd type="none" w="med" len="med"/>
-                      <a:tailEnd type="none" w="med" len="med"/>
-                    </a:lnL>
-                    <a:lnR w="3556" cap="flat" cmpd="sng" algn="ctr">
-                      <a:solidFill>
-                        <a:srgbClr val="000000"/>
-                      </a:solidFill>
-                      <a:prstDash val="solid"/>
-                      <a:round/>
-                      <a:headEnd type="none" w="med" len="med"/>
-                      <a:tailEnd type="none" w="med" len="med"/>
-                    </a:lnR>
-                    <a:lnT w="3556" cap="flat" cmpd="sng" algn="ctr">
-                      <a:solidFill>
-                        <a:srgbClr val="000000"/>
-                      </a:solidFill>
-                      <a:prstDash val="solid"/>
-                      <a:round/>
-                      <a:headEnd type="none" w="med" len="med"/>
-                      <a:tailEnd type="none" w="med" len="med"/>
-                    </a:lnT>
-                    <a:lnB w="3556" cap="flat" cmpd="sng" algn="ctr">
-                      <a:solidFill>
-                        <a:srgbClr val="000000"/>
-                      </a:solidFill>
-                      <a:prstDash val="solid"/>
-                      <a:round/>
-                      <a:headEnd type="none" w="med" len="med"/>
-                      <a:tailEnd type="none" w="med" len="med"/>
-                    </a:lnB>
-                  </a:tcPr>
-                </a:tc>
-                <a:tc>
-                  <a:txBody>
-                    <a:bodyPr/>
-                    <a:lstStyle/>
-                    <a:p>
-                      <a:pPr marL="0" marR="0" indent="0" algn="ctr" fontAlgn="base" latinLnBrk="0">
-                        <a:lnSpc>
-                          <a:spcPct val="130000"/>
-                        </a:lnSpc>
-                        <a:spcBef>
-                          <a:spcPts val="0"/>
-                        </a:spcBef>
-                        <a:spcAft>
-                          <a:spcPts val="0"/>
-                        </a:spcAft>
-                      </a:pPr>
-                      <a:endParaRPr lang="ko-KR" altLang="en-US" sz="1800" kern="0" spc="-80">
-                        <a:solidFill>
-                          <a:srgbClr val="000000"/>
-                        </a:solidFill>
-                        <a:effectLst/>
-                        <a:latin typeface="함초롬바탕" panose="02030604000101010101" pitchFamily="18" charset="-127"/>
-                      </a:endParaRPr>
-                    </a:p>
-                  </a:txBody>
-                  <a:tcPr marL="17907" marR="17907" marT="17907" marB="17907" anchor="ctr">
-                    <a:lnL w="3556" cap="flat" cmpd="sng" algn="ctr">
-                      <a:solidFill>
-                        <a:srgbClr val="000000"/>
-                      </a:solidFill>
-                      <a:prstDash val="solid"/>
-                      <a:round/>
-                      <a:headEnd type="none" w="med" len="med"/>
-                      <a:tailEnd type="none" w="med" len="med"/>
-                    </a:lnL>
-                    <a:lnR w="3556" cap="flat" cmpd="sng" algn="ctr">
-                      <a:solidFill>
-                        <a:srgbClr val="000000"/>
-                      </a:solidFill>
-                      <a:prstDash val="solid"/>
-                      <a:round/>
-                      <a:headEnd type="none" w="med" len="med"/>
-                      <a:tailEnd type="none" w="med" len="med"/>
-                    </a:lnR>
-                    <a:lnT w="3556" cap="flat" cmpd="sng" algn="ctr">
-                      <a:solidFill>
-                        <a:srgbClr val="000000"/>
-                      </a:solidFill>
-                      <a:prstDash val="solid"/>
-                      <a:round/>
-                      <a:headEnd type="none" w="med" len="med"/>
-                      <a:tailEnd type="none" w="med" len="med"/>
-                    </a:lnT>
-                    <a:lnB w="3556" cap="flat" cmpd="sng" algn="ctr">
-                      <a:solidFill>
-                        <a:srgbClr val="000000"/>
-                      </a:solidFill>
-                      <a:prstDash val="solid"/>
-                      <a:round/>
-                      <a:headEnd type="none" w="med" len="med"/>
-                      <a:tailEnd type="none" w="med" len="med"/>
-                    </a:lnB>
-                  </a:tcPr>
-                </a:tc>
-                <a:tc>
-                  <a:txBody>
-                    <a:bodyPr/>
-                    <a:lstStyle/>
-                    <a:p>
-                      <a:pPr marL="0" marR="0" indent="0" algn="ctr" fontAlgn="base" latinLnBrk="0">
-                        <a:lnSpc>
-                          <a:spcPct val="130000"/>
-                        </a:lnSpc>
-                        <a:spcBef>
-                          <a:spcPts val="0"/>
-                        </a:spcBef>
-                        <a:spcAft>
-                          <a:spcPts val="0"/>
-                        </a:spcAft>
-                      </a:pPr>
-                      <a:endParaRPr lang="ko-KR" altLang="en-US" sz="1800" kern="0" spc="-80" dirty="0">
-                        <a:solidFill>
-                          <a:srgbClr val="000000"/>
-                        </a:solidFill>
-                        <a:effectLst/>
-                        <a:latin typeface="함초롬바탕" panose="02030604000101010101" pitchFamily="18" charset="-127"/>
-                      </a:endParaRPr>
-                    </a:p>
-                  </a:txBody>
-                  <a:tcPr marL="17907" marR="17907" marT="17907" marB="17907" anchor="ctr">
-                    <a:lnL w="3556" cap="flat" cmpd="sng" algn="ctr">
-                      <a:solidFill>
-                        <a:srgbClr val="000000"/>
-                      </a:solidFill>
-                      <a:prstDash val="solid"/>
-                      <a:round/>
-                      <a:headEnd type="none" w="med" len="med"/>
-                      <a:tailEnd type="none" w="med" len="med"/>
-                    </a:lnL>
-                    <a:lnR w="3556" cap="flat" cmpd="sng" algn="ctr">
-                      <a:solidFill>
-                        <a:srgbClr val="000000"/>
-                      </a:solidFill>
-                      <a:prstDash val="solid"/>
-                      <a:round/>
-                      <a:headEnd type="none" w="med" len="med"/>
-                      <a:tailEnd type="none" w="med" len="med"/>
-                    </a:lnR>
-                    <a:lnT w="3556" cap="flat" cmpd="sng" algn="ctr">
-                      <a:solidFill>
-                        <a:srgbClr val="000000"/>
-                      </a:solidFill>
-                      <a:prstDash val="solid"/>
-                      <a:round/>
-                      <a:headEnd type="none" w="med" len="med"/>
-                      <a:tailEnd type="none" w="med" len="med"/>
-                    </a:lnT>
-                    <a:lnB w="3556" cap="flat" cmpd="sng" algn="ctr">
-                      <a:solidFill>
-                        <a:srgbClr val="000000"/>
-                      </a:solidFill>
-                      <a:prstDash val="solid"/>
-                      <a:round/>
-                      <a:headEnd type="none" w="med" len="med"/>
-                      <a:tailEnd type="none" w="med" len="med"/>
-                    </a:lnB>
-                  </a:tcPr>
-                </a:tc>
-                <a:tc>
-                  <a:txBody>
-                    <a:bodyPr/>
-                    <a:lstStyle/>
-                    <a:p>
-                      <a:pPr marL="0" marR="0" indent="0" algn="ctr" fontAlgn="base" latinLnBrk="0">
-                        <a:lnSpc>
-                          <a:spcPct val="130000"/>
-                        </a:lnSpc>
-                        <a:spcBef>
-                          <a:spcPts val="0"/>
-                        </a:spcBef>
-                        <a:spcAft>
-                          <a:spcPts val="0"/>
-                        </a:spcAft>
-                      </a:pPr>
-                      <a:endParaRPr lang="ko-KR" altLang="en-US" sz="1800" kern="0" spc="-80" dirty="0">
-                        <a:solidFill>
-                          <a:srgbClr val="000000"/>
-                        </a:solidFill>
-                        <a:effectLst/>
-                        <a:latin typeface="함초롬바탕" panose="02030604000101010101" pitchFamily="18" charset="-127"/>
-                      </a:endParaRPr>
-                    </a:p>
-                  </a:txBody>
-                  <a:tcPr marL="17907" marR="17907" marT="17907" marB="17907" anchor="ctr">
-                    <a:lnL w="3556" cap="flat" cmpd="sng" algn="ctr">
-                      <a:solidFill>
-                        <a:srgbClr val="000000"/>
-                      </a:solidFill>
-                      <a:prstDash val="solid"/>
-                      <a:round/>
-                      <a:headEnd type="none" w="med" len="med"/>
-                      <a:tailEnd type="none" w="med" len="med"/>
-                    </a:lnL>
-                    <a:lnR w="3556" cap="flat" cmpd="sng" algn="ctr">
-                      <a:solidFill>
-                        <a:srgbClr val="000000"/>
-                      </a:solidFill>
-                      <a:prstDash val="solid"/>
-                      <a:round/>
-                      <a:headEnd type="none" w="med" len="med"/>
-                      <a:tailEnd type="none" w="med" len="med"/>
-                    </a:lnR>
-                    <a:lnT w="3556" cap="flat" cmpd="sng" algn="ctr">
-                      <a:solidFill>
-                        <a:srgbClr val="000000"/>
-                      </a:solidFill>
-                      <a:prstDash val="solid"/>
-                      <a:round/>
-                      <a:headEnd type="none" w="med" len="med"/>
-                      <a:tailEnd type="none" w="med" len="med"/>
-                    </a:lnT>
-                    <a:lnB w="3556" cap="flat" cmpd="sng" algn="ctr">
-                      <a:solidFill>
-                        <a:srgbClr val="000000"/>
-                      </a:solidFill>
-                      <a:prstDash val="solid"/>
-                      <a:round/>
-                      <a:headEnd type="none" w="med" len="med"/>
-                      <a:tailEnd type="none" w="med" len="med"/>
-                    </a:lnB>
-                  </a:tcPr>
-                </a:tc>
-                <a:tc>
-                  <a:txBody>
-                    <a:bodyPr/>
-                    <a:lstStyle/>
-                    <a:p>
-                      <a:pPr marL="0" marR="0" indent="0" algn="ctr" fontAlgn="base" latinLnBrk="0">
-                        <a:lnSpc>
-                          <a:spcPct val="130000"/>
-                        </a:lnSpc>
-                        <a:spcBef>
-                          <a:spcPts val="0"/>
-                        </a:spcBef>
-                        <a:spcAft>
-                          <a:spcPts val="0"/>
-                        </a:spcAft>
-                      </a:pPr>
-                      <a:endParaRPr lang="ko-KR" altLang="en-US" sz="1800" kern="0" spc="-80">
-                        <a:solidFill>
-                          <a:srgbClr val="000000"/>
-                        </a:solidFill>
-                        <a:effectLst/>
-                        <a:latin typeface="함초롬바탕" panose="02030604000101010101" pitchFamily="18" charset="-127"/>
-                      </a:endParaRPr>
-                    </a:p>
-                  </a:txBody>
-                  <a:tcPr marL="17907" marR="17907" marT="17907" marB="17907" anchor="ctr">
-                    <a:lnL w="3556" cap="flat" cmpd="sng" algn="ctr">
-                      <a:solidFill>
-                        <a:srgbClr val="000000"/>
-                      </a:solidFill>
-                      <a:prstDash val="solid"/>
-                      <a:round/>
-                      <a:headEnd type="none" w="med" len="med"/>
-                      <a:tailEnd type="none" w="med" len="med"/>
-                    </a:lnL>
-                    <a:lnR w="3556" cap="flat" cmpd="sng" algn="ctr">
-                      <a:solidFill>
-                        <a:srgbClr val="000000"/>
-                      </a:solidFill>
-                      <a:prstDash val="solid"/>
-                      <a:round/>
-                      <a:headEnd type="none" w="med" len="med"/>
-                      <a:tailEnd type="none" w="med" len="med"/>
-                    </a:lnR>
-                    <a:lnT w="3556" cap="flat" cmpd="sng" algn="ctr">
-                      <a:solidFill>
-                        <a:srgbClr val="000000"/>
-                      </a:solidFill>
-                      <a:prstDash val="solid"/>
-                      <a:round/>
-                      <a:headEnd type="none" w="med" len="med"/>
-                      <a:tailEnd type="none" w="med" len="med"/>
-                    </a:lnT>
-                    <a:lnB w="3556" cap="flat" cmpd="sng" algn="ctr">
-                      <a:solidFill>
-                        <a:srgbClr val="000000"/>
-                      </a:solidFill>
-                      <a:prstDash val="solid"/>
-                      <a:round/>
-                      <a:headEnd type="none" w="med" len="med"/>
-                      <a:tailEnd type="none" w="med" len="med"/>
-                    </a:lnB>
-                  </a:tcPr>
-                </a:tc>
-                <a:tc>
-                  <a:txBody>
-                    <a:bodyPr/>
-                    <a:lstStyle/>
-                    <a:p>
-                      <a:pPr marL="0" marR="0" indent="0" algn="ctr" fontAlgn="base" latinLnBrk="0">
-                        <a:lnSpc>
-                          <a:spcPct val="130000"/>
-                        </a:lnSpc>
-                        <a:spcBef>
-                          <a:spcPts val="0"/>
-                        </a:spcBef>
-                        <a:spcAft>
-                          <a:spcPts val="0"/>
-                        </a:spcAft>
-                      </a:pPr>
-                      <a:endParaRPr lang="ko-KR" altLang="en-US" sz="1800" i="1" kern="0" spc="-80">
-                        <a:solidFill>
-                          <a:srgbClr val="0000FF"/>
-                        </a:solidFill>
-                        <a:effectLst/>
-                        <a:latin typeface="함초롬바탕" panose="02030604000101010101" pitchFamily="18" charset="-127"/>
-                      </a:endParaRPr>
-                    </a:p>
-                  </a:txBody>
-                  <a:tcPr marL="17907" marR="17907" marT="17907" marB="17907" anchor="ctr">
-                    <a:lnL w="3556" cap="flat" cmpd="sng" algn="ctr">
-                      <a:solidFill>
-                        <a:srgbClr val="000000"/>
-                      </a:solidFill>
-                      <a:prstDash val="solid"/>
-                      <a:round/>
-                      <a:headEnd type="none" w="med" len="med"/>
-                      <a:tailEnd type="none" w="med" len="med"/>
-                    </a:lnL>
-                    <a:lnR w="17907" cap="flat" cmpd="sng" algn="ctr">
-                      <a:solidFill>
-                        <a:srgbClr val="000000"/>
-                      </a:solidFill>
-                      <a:prstDash val="solid"/>
-                      <a:round/>
-                      <a:headEnd type="none" w="med" len="med"/>
-                      <a:tailEnd type="none" w="med" len="med"/>
-                    </a:lnR>
-                    <a:lnT w="3556" cap="flat" cmpd="sng" algn="ctr">
-                      <a:solidFill>
-                        <a:srgbClr val="000000"/>
-                      </a:solidFill>
-                      <a:prstDash val="solid"/>
-                      <a:round/>
-                      <a:headEnd type="none" w="med" len="med"/>
-                      <a:tailEnd type="none" w="med" len="med"/>
-                    </a:lnT>
-                    <a:lnB w="3556" cap="flat" cmpd="sng" algn="ctr">
-                      <a:solidFill>
-                        <a:srgbClr val="000000"/>
-                      </a:solidFill>
-                      <a:prstDash val="solid"/>
-                      <a:round/>
-                      <a:headEnd type="none" w="med" len="med"/>
-                      <a:tailEnd type="none" w="med" len="med"/>
-                    </a:lnB>
-                  </a:tcPr>
-                </a:tc>
-                <a:extLst>
-                  <a:ext uri="{0D108BD9-81ED-4DB2-BD59-A6C34878D82A}">
-                    <a16:rowId xmlns:a16="http://schemas.microsoft.com/office/drawing/2014/main" val="316111442"/>
-                  </a:ext>
-                </a:extLst>
-              </a:tr>
-              <a:tr h="766714">
-                <a:tc vMerge="1">
-                  <a:txBody>
-                    <a:bodyPr/>
-                    <a:lstStyle/>
-                    <a:p>
-                      <a:pPr latinLnBrk="1"/>
-                      <a:endParaRPr lang="ko-KR" altLang="en-US"/>
-                    </a:p>
-                  </a:txBody>
-                  <a:tcPr/>
-                </a:tc>
-                <a:tc>
-                  <a:txBody>
-                    <a:bodyPr/>
-                    <a:lstStyle/>
-                    <a:p>
-                      <a:pPr marL="0" marR="0" indent="0" algn="ctr" fontAlgn="base" latinLnBrk="0">
-                        <a:lnSpc>
-                          <a:spcPct val="130000"/>
-                        </a:lnSpc>
-                        <a:spcBef>
-                          <a:spcPts val="0"/>
-                        </a:spcBef>
-                        <a:spcAft>
-                          <a:spcPts val="0"/>
-                        </a:spcAft>
-                      </a:pPr>
-                      <a:endParaRPr lang="ko-KR" altLang="en-US" sz="1800" kern="0" spc="-80">
-                        <a:solidFill>
-                          <a:srgbClr val="000000"/>
-                        </a:solidFill>
-                        <a:effectLst/>
-                        <a:latin typeface="함초롬바탕" panose="02030604000101010101" pitchFamily="18" charset="-127"/>
-                      </a:endParaRPr>
-                    </a:p>
-                  </a:txBody>
-                  <a:tcPr marL="17907" marR="17907" marT="17907" marB="17907" anchor="ctr">
-                    <a:lnL w="3556" cap="flat" cmpd="sng" algn="ctr">
-                      <a:solidFill>
-                        <a:srgbClr val="000000"/>
-                      </a:solidFill>
-                      <a:prstDash val="solid"/>
-                      <a:round/>
-                      <a:headEnd type="none" w="med" len="med"/>
-                      <a:tailEnd type="none" w="med" len="med"/>
-                    </a:lnL>
-                    <a:lnR w="3556" cap="flat" cmpd="sng" algn="ctr">
-                      <a:solidFill>
-                        <a:srgbClr val="000000"/>
-                      </a:solidFill>
-                      <a:prstDash val="solid"/>
-                      <a:round/>
-                      <a:headEnd type="none" w="med" len="med"/>
-                      <a:tailEnd type="none" w="med" len="med"/>
-                    </a:lnR>
-                    <a:lnT w="3556" cap="flat" cmpd="sng" algn="ctr">
-                      <a:solidFill>
-                        <a:srgbClr val="000000"/>
-                      </a:solidFill>
-                      <a:prstDash val="solid"/>
-                      <a:round/>
-                      <a:headEnd type="none" w="med" len="med"/>
-                      <a:tailEnd type="none" w="med" len="med"/>
-                    </a:lnT>
-                    <a:lnB w="3556" cap="flat" cmpd="sng" algn="ctr">
-                      <a:solidFill>
-                        <a:srgbClr val="000000"/>
-                      </a:solidFill>
-                      <a:prstDash val="solid"/>
-                      <a:round/>
-                      <a:headEnd type="none" w="med" len="med"/>
-                      <a:tailEnd type="none" w="med" len="med"/>
-                    </a:lnB>
-                  </a:tcPr>
-                </a:tc>
-                <a:tc>
-                  <a:txBody>
-                    <a:bodyPr/>
-                    <a:lstStyle/>
-                    <a:p>
-                      <a:pPr marL="0" marR="0" indent="0" algn="ctr" fontAlgn="base" latinLnBrk="0">
-                        <a:lnSpc>
-                          <a:spcPct val="100000"/>
-                        </a:lnSpc>
-                        <a:spcBef>
-                          <a:spcPts val="0"/>
-                        </a:spcBef>
-                        <a:spcAft>
-                          <a:spcPts val="0"/>
-                        </a:spcAft>
-                      </a:pPr>
-                      <a:endParaRPr lang="ko-KR" altLang="en-US" sz="1800" kern="0" spc="-80">
-                        <a:solidFill>
-                          <a:srgbClr val="0000FF"/>
-                        </a:solidFill>
-                        <a:effectLst/>
-                        <a:latin typeface="함초롬바탕" panose="02030604000101010101" pitchFamily="18" charset="-127"/>
-                      </a:endParaRPr>
-                    </a:p>
-                  </a:txBody>
-                  <a:tcPr marL="17907" marR="17907" marT="17907" marB="17907" anchor="ctr">
-                    <a:lnL w="3556" cap="flat" cmpd="sng" algn="ctr">
-                      <a:solidFill>
-                        <a:srgbClr val="000000"/>
-                      </a:solidFill>
-                      <a:prstDash val="solid"/>
-                      <a:round/>
-                      <a:headEnd type="none" w="med" len="med"/>
-                      <a:tailEnd type="none" w="med" len="med"/>
-                    </a:lnL>
-                    <a:lnR w="3556" cap="flat" cmpd="sng" algn="ctr">
-                      <a:solidFill>
-                        <a:srgbClr val="000000"/>
-                      </a:solidFill>
-                      <a:prstDash val="solid"/>
-                      <a:round/>
-                      <a:headEnd type="none" w="med" len="med"/>
-                      <a:tailEnd type="none" w="med" len="med"/>
-                    </a:lnR>
-                    <a:lnT w="3556" cap="flat" cmpd="sng" algn="ctr">
-                      <a:solidFill>
-                        <a:srgbClr val="000000"/>
-                      </a:solidFill>
-                      <a:prstDash val="solid"/>
-                      <a:round/>
-                      <a:headEnd type="none" w="med" len="med"/>
-                      <a:tailEnd type="none" w="med" len="med"/>
-                    </a:lnT>
-                    <a:lnB w="3556" cap="flat" cmpd="sng" algn="ctr">
-                      <a:solidFill>
-                        <a:srgbClr val="000000"/>
-                      </a:solidFill>
-                      <a:prstDash val="solid"/>
-                      <a:round/>
-                      <a:headEnd type="none" w="med" len="med"/>
-                      <a:tailEnd type="none" w="med" len="med"/>
-                    </a:lnB>
-                  </a:tcPr>
-                </a:tc>
-                <a:tc>
-                  <a:txBody>
-                    <a:bodyPr/>
-                    <a:lstStyle/>
-                    <a:p>
-                      <a:pPr marL="0" marR="0" indent="0" algn="ctr" fontAlgn="base" latinLnBrk="0">
-                        <a:lnSpc>
-                          <a:spcPct val="130000"/>
-                        </a:lnSpc>
-                        <a:spcBef>
-                          <a:spcPts val="0"/>
-                        </a:spcBef>
-                        <a:spcAft>
-                          <a:spcPts val="0"/>
-                        </a:spcAft>
-                      </a:pPr>
-                      <a:endParaRPr lang="ko-KR" altLang="en-US" sz="1800" kern="0" spc="-80">
-                        <a:solidFill>
-                          <a:srgbClr val="000000"/>
-                        </a:solidFill>
-                        <a:effectLst/>
-                        <a:latin typeface="함초롬바탕" panose="02030604000101010101" pitchFamily="18" charset="-127"/>
-                      </a:endParaRPr>
-                    </a:p>
-                  </a:txBody>
-                  <a:tcPr marL="17907" marR="17907" marT="17907" marB="17907" anchor="ctr">
-                    <a:lnL w="3556" cap="flat" cmpd="sng" algn="ctr">
-                      <a:solidFill>
-                        <a:srgbClr val="000000"/>
-                      </a:solidFill>
-                      <a:prstDash val="solid"/>
-                      <a:round/>
-                      <a:headEnd type="none" w="med" len="med"/>
-                      <a:tailEnd type="none" w="med" len="med"/>
-                    </a:lnL>
-                    <a:lnR w="3556" cap="flat" cmpd="sng" algn="ctr">
-                      <a:solidFill>
-                        <a:srgbClr val="000000"/>
-                      </a:solidFill>
-                      <a:prstDash val="solid"/>
-                      <a:round/>
-                      <a:headEnd type="none" w="med" len="med"/>
-                      <a:tailEnd type="none" w="med" len="med"/>
-                    </a:lnR>
-                    <a:lnT w="3556" cap="flat" cmpd="sng" algn="ctr">
-                      <a:solidFill>
-                        <a:srgbClr val="000000"/>
-                      </a:solidFill>
-                      <a:prstDash val="solid"/>
-                      <a:round/>
-                      <a:headEnd type="none" w="med" len="med"/>
-                      <a:tailEnd type="none" w="med" len="med"/>
-                    </a:lnT>
-                    <a:lnB w="3556" cap="flat" cmpd="sng" algn="ctr">
-                      <a:solidFill>
-                        <a:srgbClr val="000000"/>
-                      </a:solidFill>
-                      <a:prstDash val="solid"/>
-                      <a:round/>
-                      <a:headEnd type="none" w="med" len="med"/>
-                      <a:tailEnd type="none" w="med" len="med"/>
-                    </a:lnB>
-                  </a:tcPr>
-                </a:tc>
-                <a:tc>
-                  <a:txBody>
-                    <a:bodyPr/>
-                    <a:lstStyle/>
-                    <a:p>
-                      <a:pPr marL="0" marR="0" indent="0" algn="ctr" fontAlgn="base" latinLnBrk="0">
-                        <a:lnSpc>
-                          <a:spcPct val="130000"/>
-                        </a:lnSpc>
-                        <a:spcBef>
-                          <a:spcPts val="0"/>
-                        </a:spcBef>
-                        <a:spcAft>
-                          <a:spcPts val="0"/>
-                        </a:spcAft>
-                      </a:pPr>
-                      <a:endParaRPr lang="ko-KR" altLang="en-US" sz="1800" kern="0" spc="-80">
-                        <a:solidFill>
-                          <a:srgbClr val="000000"/>
-                        </a:solidFill>
-                        <a:effectLst/>
-                        <a:latin typeface="함초롬바탕" panose="02030604000101010101" pitchFamily="18" charset="-127"/>
-                      </a:endParaRPr>
-                    </a:p>
-                  </a:txBody>
-                  <a:tcPr marL="17907" marR="17907" marT="17907" marB="17907" anchor="ctr">
-                    <a:lnL w="3556" cap="flat" cmpd="sng" algn="ctr">
-                      <a:solidFill>
-                        <a:srgbClr val="000000"/>
-                      </a:solidFill>
-                      <a:prstDash val="solid"/>
-                      <a:round/>
-                      <a:headEnd type="none" w="med" len="med"/>
-                      <a:tailEnd type="none" w="med" len="med"/>
-                    </a:lnL>
-                    <a:lnR w="3556" cap="flat" cmpd="sng" algn="ctr">
-                      <a:solidFill>
-                        <a:srgbClr val="000000"/>
-                      </a:solidFill>
-                      <a:prstDash val="solid"/>
-                      <a:round/>
-                      <a:headEnd type="none" w="med" len="med"/>
-                      <a:tailEnd type="none" w="med" len="med"/>
-                    </a:lnR>
-                    <a:lnT w="3556" cap="flat" cmpd="sng" algn="ctr">
-                      <a:solidFill>
-                        <a:srgbClr val="000000"/>
-                      </a:solidFill>
-                      <a:prstDash val="solid"/>
-                      <a:round/>
-                      <a:headEnd type="none" w="med" len="med"/>
-                      <a:tailEnd type="none" w="med" len="med"/>
-                    </a:lnT>
-                    <a:lnB w="3556" cap="flat" cmpd="sng" algn="ctr">
-                      <a:solidFill>
-                        <a:srgbClr val="000000"/>
-                      </a:solidFill>
-                      <a:prstDash val="solid"/>
-                      <a:round/>
-                      <a:headEnd type="none" w="med" len="med"/>
-                      <a:tailEnd type="none" w="med" len="med"/>
-                    </a:lnB>
-                  </a:tcPr>
-                </a:tc>
-                <a:tc>
-                  <a:txBody>
-                    <a:bodyPr/>
-                    <a:lstStyle/>
-                    <a:p>
-                      <a:pPr marL="0" marR="0" indent="0" algn="ctr" fontAlgn="base" latinLnBrk="0">
-                        <a:lnSpc>
-                          <a:spcPct val="130000"/>
-                        </a:lnSpc>
-                        <a:spcBef>
-                          <a:spcPts val="0"/>
-                        </a:spcBef>
-                        <a:spcAft>
-                          <a:spcPts val="0"/>
-                        </a:spcAft>
-                      </a:pPr>
-                      <a:endParaRPr lang="ko-KR" altLang="en-US" sz="1800" kern="0" spc="-80" dirty="0">
-                        <a:solidFill>
-                          <a:srgbClr val="000000"/>
-                        </a:solidFill>
-                        <a:effectLst/>
-                        <a:latin typeface="함초롬바탕" panose="02030604000101010101" pitchFamily="18" charset="-127"/>
-                      </a:endParaRPr>
-                    </a:p>
-                  </a:txBody>
-                  <a:tcPr marL="17907" marR="17907" marT="17907" marB="17907" anchor="ctr">
-                    <a:lnL w="3556" cap="flat" cmpd="sng" algn="ctr">
-                      <a:solidFill>
-                        <a:srgbClr val="000000"/>
-                      </a:solidFill>
-                      <a:prstDash val="solid"/>
-                      <a:round/>
-                      <a:headEnd type="none" w="med" len="med"/>
-                      <a:tailEnd type="none" w="med" len="med"/>
-                    </a:lnL>
-                    <a:lnR w="3556" cap="flat" cmpd="sng" algn="ctr">
-                      <a:solidFill>
-                        <a:srgbClr val="000000"/>
-                      </a:solidFill>
-                      <a:prstDash val="solid"/>
-                      <a:round/>
-                      <a:headEnd type="none" w="med" len="med"/>
-                      <a:tailEnd type="none" w="med" len="med"/>
-                    </a:lnR>
-                    <a:lnT w="3556" cap="flat" cmpd="sng" algn="ctr">
-                      <a:solidFill>
-                        <a:srgbClr val="000000"/>
-                      </a:solidFill>
-                      <a:prstDash val="solid"/>
-                      <a:round/>
-                      <a:headEnd type="none" w="med" len="med"/>
-                      <a:tailEnd type="none" w="med" len="med"/>
-                    </a:lnT>
-                    <a:lnB w="3556" cap="flat" cmpd="sng" algn="ctr">
-                      <a:solidFill>
-                        <a:srgbClr val="000000"/>
-                      </a:solidFill>
-                      <a:prstDash val="solid"/>
-                      <a:round/>
-                      <a:headEnd type="none" w="med" len="med"/>
-                      <a:tailEnd type="none" w="med" len="med"/>
-                    </a:lnB>
-                  </a:tcPr>
-                </a:tc>
-                <a:tc>
-                  <a:txBody>
-                    <a:bodyPr/>
-                    <a:lstStyle/>
-                    <a:p>
-                      <a:pPr marL="0" marR="0" indent="0" algn="ctr" fontAlgn="base" latinLnBrk="0">
-                        <a:lnSpc>
-                          <a:spcPct val="130000"/>
-                        </a:lnSpc>
-                        <a:spcBef>
-                          <a:spcPts val="0"/>
-                        </a:spcBef>
-                        <a:spcAft>
-                          <a:spcPts val="0"/>
-                        </a:spcAft>
-                      </a:pPr>
-                      <a:endParaRPr lang="ko-KR" altLang="en-US" sz="1800" kern="0" spc="-80" dirty="0">
-                        <a:solidFill>
-                          <a:srgbClr val="000000"/>
-                        </a:solidFill>
-                        <a:effectLst/>
-                        <a:latin typeface="함초롬바탕" panose="02030604000101010101" pitchFamily="18" charset="-127"/>
-                      </a:endParaRPr>
-                    </a:p>
-                  </a:txBody>
-                  <a:tcPr marL="17907" marR="17907" marT="17907" marB="17907" anchor="ctr">
-                    <a:lnL w="3556" cap="flat" cmpd="sng" algn="ctr">
-                      <a:solidFill>
-                        <a:srgbClr val="000000"/>
-                      </a:solidFill>
-                      <a:prstDash val="solid"/>
-                      <a:round/>
-                      <a:headEnd type="none" w="med" len="med"/>
-                      <a:tailEnd type="none" w="med" len="med"/>
-                    </a:lnL>
-                    <a:lnR w="3556" cap="flat" cmpd="sng" algn="ctr">
-                      <a:solidFill>
-                        <a:srgbClr val="000000"/>
-                      </a:solidFill>
-                      <a:prstDash val="solid"/>
-                      <a:round/>
-                      <a:headEnd type="none" w="med" len="med"/>
-                      <a:tailEnd type="none" w="med" len="med"/>
-                    </a:lnR>
-                    <a:lnT w="3556" cap="flat" cmpd="sng" algn="ctr">
-                      <a:solidFill>
-                        <a:srgbClr val="000000"/>
-                      </a:solidFill>
-                      <a:prstDash val="solid"/>
-                      <a:round/>
-                      <a:headEnd type="none" w="med" len="med"/>
-                      <a:tailEnd type="none" w="med" len="med"/>
-                    </a:lnT>
-                    <a:lnB w="3556" cap="flat" cmpd="sng" algn="ctr">
-                      <a:solidFill>
-                        <a:srgbClr val="000000"/>
-                      </a:solidFill>
-                      <a:prstDash val="solid"/>
-                      <a:round/>
-                      <a:headEnd type="none" w="med" len="med"/>
-                      <a:tailEnd type="none" w="med" len="med"/>
-                    </a:lnB>
-                  </a:tcPr>
-                </a:tc>
-                <a:tc>
-                  <a:txBody>
-                    <a:bodyPr/>
-                    <a:lstStyle/>
-                    <a:p>
-                      <a:pPr marL="0" marR="0" indent="0" algn="ctr" fontAlgn="base" latinLnBrk="0">
-                        <a:lnSpc>
-                          <a:spcPct val="130000"/>
-                        </a:lnSpc>
-                        <a:spcBef>
-                          <a:spcPts val="0"/>
-                        </a:spcBef>
-                        <a:spcAft>
-                          <a:spcPts val="0"/>
-                        </a:spcAft>
-                      </a:pPr>
-                      <a:endParaRPr lang="ko-KR" altLang="en-US" sz="1800" i="1" kern="0" spc="-80">
-                        <a:solidFill>
-                          <a:srgbClr val="0000FF"/>
-                        </a:solidFill>
-                        <a:effectLst/>
-                        <a:latin typeface="함초롬바탕" panose="02030604000101010101" pitchFamily="18" charset="-127"/>
-                      </a:endParaRPr>
-                    </a:p>
-                  </a:txBody>
-                  <a:tcPr marL="17907" marR="17907" marT="17907" marB="17907" anchor="ctr">
-                    <a:lnL w="3556" cap="flat" cmpd="sng" algn="ctr">
-                      <a:solidFill>
-                        <a:srgbClr val="000000"/>
-                      </a:solidFill>
-                      <a:prstDash val="solid"/>
-                      <a:round/>
-                      <a:headEnd type="none" w="med" len="med"/>
-                      <a:tailEnd type="none" w="med" len="med"/>
-                    </a:lnL>
-                    <a:lnR w="17907" cap="flat" cmpd="sng" algn="ctr">
-                      <a:solidFill>
-                        <a:srgbClr val="000000"/>
-                      </a:solidFill>
-                      <a:prstDash val="solid"/>
-                      <a:round/>
-                      <a:headEnd type="none" w="med" len="med"/>
-                      <a:tailEnd type="none" w="med" len="med"/>
-                    </a:lnR>
-                    <a:lnT w="3556" cap="flat" cmpd="sng" algn="ctr">
-                      <a:solidFill>
-                        <a:srgbClr val="000000"/>
-                      </a:solidFill>
-                      <a:prstDash val="solid"/>
-                      <a:round/>
-                      <a:headEnd type="none" w="med" len="med"/>
-                      <a:tailEnd type="none" w="med" len="med"/>
-                    </a:lnT>
-                    <a:lnB w="3556" cap="flat" cmpd="sng" algn="ctr">
-                      <a:solidFill>
-                        <a:srgbClr val="000000"/>
-                      </a:solidFill>
-                      <a:prstDash val="solid"/>
-                      <a:round/>
-                      <a:headEnd type="none" w="med" len="med"/>
-                      <a:tailEnd type="none" w="med" len="med"/>
-                    </a:lnB>
-                  </a:tcPr>
-                </a:tc>
-                <a:extLst>
-                  <a:ext uri="{0D108BD9-81ED-4DB2-BD59-A6C34878D82A}">
-                    <a16:rowId xmlns:a16="http://schemas.microsoft.com/office/drawing/2014/main" val="3370676145"/>
                   </a:ext>
                 </a:extLst>
               </a:tr>
@@ -6345,7 +5617,7 @@
                           <a:spcPts val="0"/>
                         </a:spcAft>
                       </a:pPr>
-                      <a:endParaRPr lang="ko-KR" altLang="en-US" sz="1800" kern="0" spc="-80">
+                      <a:endParaRPr lang="ko-KR" altLang="en-US" sz="1800" kern="0" spc="-80" dirty="0">
                         <a:solidFill>
                           <a:srgbClr val="000000"/>
                         </a:solidFill>
@@ -6608,7 +5880,7 @@
 </p:sld>
 </file>
 
-<file path=ppt/slides/slide12.xml><?xml version="1.0" encoding="utf-8"?>
+<file path=ppt/slides/slide14.xml><?xml version="1.0" encoding="utf-8"?>
 <p:sld xmlns:a="http://schemas.openxmlformats.org/drawingml/2006/main" xmlns:r="http://schemas.openxmlformats.org/officeDocument/2006/relationships" xmlns:p="http://schemas.openxmlformats.org/presentationml/2006/main">
   <p:cSld>
     <p:spTree>
@@ -6842,14 +6114,14 @@
           <p:nvPr>
             <p:extLst>
               <p:ext uri="{D42A27DB-BD31-4B8C-83A1-F6EECF244321}">
-                <p14:modId xmlns:p14="http://schemas.microsoft.com/office/powerpoint/2010/main" val="452900605"/>
+                <p14:modId xmlns:p14="http://schemas.microsoft.com/office/powerpoint/2010/main" val="82023333"/>
               </p:ext>
             </p:extLst>
           </p:nvPr>
         </p:nvGraphicFramePr>
         <p:xfrm>
           <a:off x="744315" y="1296515"/>
-          <a:ext cx="9433048" cy="5904656"/>
+          <a:ext cx="9433048" cy="5942720"/>
         </p:xfrm>
         <a:graphic>
           <a:graphicData uri="http://schemas.openxmlformats.org/drawingml/2006/table">
@@ -6916,15 +6188,15 @@
                     <a:p>
                       <a:pPr latinLnBrk="1"/>
                       <a:r>
-                        <a:rPr lang="ko-KR" altLang="en-US" dirty="0"/>
+                        <a:rPr lang="ko-KR" altLang="en-US" sz="1800" b="1" dirty="0"/>
                         <a:t>실시간 대기인원 판별 시스템</a:t>
                       </a:r>
                       <a:r>
-                        <a:rPr lang="en-US" altLang="ko-KR" dirty="0"/>
+                        <a:rPr lang="en-US" altLang="ko-KR" sz="1800" b="1" dirty="0"/>
                         <a:t>, </a:t>
                       </a:r>
                       <a:r>
-                        <a:rPr lang="ko-KR" altLang="en-US" dirty="0"/>
+                        <a:rPr lang="ko-KR" altLang="en-US" sz="1800" b="1" dirty="0"/>
                         <a:t>하드웨어 구성</a:t>
                       </a:r>
                     </a:p>
@@ -6936,8 +6208,295 @@
                     <a:bodyPr/>
                     <a:lstStyle/>
                     <a:p>
-                      <a:pPr latinLnBrk="1"/>
-                      <a:endParaRPr lang="ko-KR" altLang="en-US" dirty="0"/>
+                      <a:pPr fontAlgn="base" latinLnBrk="0"/>
+                      <a:r>
+                        <a:rPr lang="en-US" altLang="ko-KR" sz="1400" kern="1200" dirty="0">
+                          <a:solidFill>
+                            <a:schemeClr val="dk1"/>
+                          </a:solidFill>
+                          <a:effectLst/>
+                          <a:latin typeface="+mj-ea"/>
+                          <a:ea typeface="+mj-ea"/>
+                          <a:cs typeface="+mn-cs"/>
+                        </a:rPr>
+                        <a:t>· </a:t>
+                      </a:r>
+                      <a:r>
+                        <a:rPr lang="ko-KR" altLang="en-US" sz="1400" kern="1200" dirty="0">
+                          <a:solidFill>
+                            <a:schemeClr val="dk1"/>
+                          </a:solidFill>
+                          <a:effectLst/>
+                          <a:latin typeface="+mj-ea"/>
+                          <a:ea typeface="+mj-ea"/>
+                          <a:cs typeface="+mn-cs"/>
+                        </a:rPr>
+                        <a:t>카메라 모듈</a:t>
+                      </a:r>
+                      <a:r>
+                        <a:rPr lang="en-US" altLang="ko-KR" sz="1400" kern="1200" dirty="0">
+                          <a:solidFill>
+                            <a:schemeClr val="dk1"/>
+                          </a:solidFill>
+                          <a:effectLst/>
+                          <a:latin typeface="+mj-ea"/>
+                          <a:ea typeface="+mj-ea"/>
+                          <a:cs typeface="+mn-cs"/>
+                        </a:rPr>
+                        <a:t>, </a:t>
+                      </a:r>
+                      <a:r>
+                        <a:rPr lang="ko-KR" altLang="en-US" sz="1400" kern="1200" dirty="0">
+                          <a:solidFill>
+                            <a:schemeClr val="dk1"/>
+                          </a:solidFill>
+                          <a:effectLst/>
+                          <a:latin typeface="+mj-ea"/>
+                          <a:ea typeface="+mj-ea"/>
+                          <a:cs typeface="+mn-cs"/>
+                        </a:rPr>
+                        <a:t>객체를 인식 연산을 진행할 컴퓨터</a:t>
+                      </a:r>
+                      <a:r>
+                        <a:rPr lang="en-US" altLang="ko-KR" sz="1400" kern="1200" dirty="0">
+                          <a:solidFill>
+                            <a:schemeClr val="dk1"/>
+                          </a:solidFill>
+                          <a:effectLst/>
+                          <a:latin typeface="+mj-ea"/>
+                          <a:ea typeface="+mj-ea"/>
+                          <a:cs typeface="+mn-cs"/>
+                        </a:rPr>
+                        <a:t>(</a:t>
+                      </a:r>
+                      <a:r>
+                        <a:rPr lang="ko-KR" altLang="en-US" sz="1400" kern="1200" dirty="0" err="1">
+                          <a:solidFill>
+                            <a:schemeClr val="dk1"/>
+                          </a:solidFill>
+                          <a:effectLst/>
+                          <a:latin typeface="+mj-ea"/>
+                          <a:ea typeface="+mj-ea"/>
+                          <a:cs typeface="+mn-cs"/>
+                        </a:rPr>
+                        <a:t>라즈베리파이</a:t>
+                      </a:r>
+                      <a:r>
+                        <a:rPr lang="en-US" altLang="ko-KR" sz="1400" kern="1200" dirty="0">
+                          <a:solidFill>
+                            <a:schemeClr val="dk1"/>
+                          </a:solidFill>
+                          <a:effectLst/>
+                          <a:latin typeface="+mj-ea"/>
+                          <a:ea typeface="+mj-ea"/>
+                          <a:cs typeface="+mn-cs"/>
+                        </a:rPr>
+                        <a:t>)</a:t>
+                      </a:r>
+                      <a:r>
+                        <a:rPr lang="ko-KR" altLang="en-US" sz="1400" kern="1200" dirty="0">
+                          <a:solidFill>
+                            <a:schemeClr val="dk1"/>
+                          </a:solidFill>
+                          <a:effectLst/>
+                          <a:latin typeface="+mj-ea"/>
+                          <a:ea typeface="+mj-ea"/>
+                          <a:cs typeface="+mn-cs"/>
+                        </a:rPr>
+                        <a:t>를 이용하여</a:t>
+                      </a:r>
+                      <a:r>
+                        <a:rPr lang="en-US" altLang="ko-KR" sz="1400" kern="1200" dirty="0">
+                          <a:solidFill>
+                            <a:schemeClr val="dk1"/>
+                          </a:solidFill>
+                          <a:effectLst/>
+                          <a:latin typeface="+mj-ea"/>
+                          <a:ea typeface="+mj-ea"/>
+                          <a:cs typeface="+mn-cs"/>
+                        </a:rPr>
+                        <a:t>, </a:t>
+                      </a:r>
+                      <a:r>
+                        <a:rPr lang="ko-KR" altLang="en-US" sz="1400" kern="1200" dirty="0">
+                          <a:solidFill>
+                            <a:schemeClr val="dk1"/>
+                          </a:solidFill>
+                          <a:effectLst/>
+                          <a:latin typeface="+mj-ea"/>
+                          <a:ea typeface="+mj-ea"/>
+                          <a:cs typeface="+mn-cs"/>
+                        </a:rPr>
+                        <a:t>객체 연산을 진행 할 수 있도록 준비한다</a:t>
+                      </a:r>
+                      <a:r>
+                        <a:rPr lang="en-US" altLang="ko-KR" sz="1400" kern="1200" dirty="0">
+                          <a:solidFill>
+                            <a:schemeClr val="dk1"/>
+                          </a:solidFill>
+                          <a:effectLst/>
+                          <a:latin typeface="+mj-ea"/>
+                          <a:ea typeface="+mj-ea"/>
+                          <a:cs typeface="+mn-cs"/>
+                        </a:rPr>
+                        <a:t>.</a:t>
+                      </a:r>
+                    </a:p>
+                    <a:p>
+                      <a:pPr fontAlgn="base" latinLnBrk="0"/>
+                      <a:endParaRPr lang="ko-KR" altLang="en-US" sz="1400" kern="1200" dirty="0">
+                        <a:solidFill>
+                          <a:schemeClr val="dk1"/>
+                        </a:solidFill>
+                        <a:effectLst/>
+                        <a:latin typeface="+mj-ea"/>
+                        <a:ea typeface="+mj-ea"/>
+                        <a:cs typeface="+mn-cs"/>
+                      </a:endParaRPr>
+                    </a:p>
+                    <a:p>
+                      <a:pPr fontAlgn="base" latinLnBrk="0"/>
+                      <a:r>
+                        <a:rPr lang="en-US" altLang="ko-KR" sz="1400" kern="1200" dirty="0">
+                          <a:solidFill>
+                            <a:schemeClr val="dk1"/>
+                          </a:solidFill>
+                          <a:effectLst/>
+                          <a:latin typeface="+mj-ea"/>
+                          <a:ea typeface="+mj-ea"/>
+                          <a:cs typeface="+mn-cs"/>
+                        </a:rPr>
+                        <a:t>· </a:t>
+                      </a:r>
+                      <a:r>
+                        <a:rPr lang="ko-KR" altLang="en-US" sz="1400" kern="1200" dirty="0">
+                          <a:solidFill>
+                            <a:schemeClr val="dk1"/>
+                          </a:solidFill>
+                          <a:effectLst/>
+                          <a:latin typeface="+mj-ea"/>
+                          <a:ea typeface="+mj-ea"/>
+                          <a:cs typeface="+mn-cs"/>
+                        </a:rPr>
+                        <a:t>객체인식 알고리즘을 현재의 대중적으로 사용하는 알고리즘보다</a:t>
+                      </a:r>
+                      <a:r>
+                        <a:rPr lang="en-US" altLang="ko-KR" sz="1400" kern="1200" dirty="0">
+                          <a:solidFill>
+                            <a:schemeClr val="dk1"/>
+                          </a:solidFill>
+                          <a:effectLst/>
+                          <a:latin typeface="+mj-ea"/>
+                          <a:ea typeface="+mj-ea"/>
+                          <a:cs typeface="+mn-cs"/>
+                        </a:rPr>
+                        <a:t>, </a:t>
+                      </a:r>
+                      <a:r>
+                        <a:rPr lang="ko-KR" altLang="en-US" sz="1400" kern="1200" dirty="0">
+                          <a:solidFill>
+                            <a:schemeClr val="dk1"/>
+                          </a:solidFill>
+                          <a:effectLst/>
+                          <a:latin typeface="+mj-ea"/>
+                          <a:ea typeface="+mj-ea"/>
+                          <a:cs typeface="+mn-cs"/>
+                        </a:rPr>
+                        <a:t>더 빠르고</a:t>
+                      </a:r>
+                      <a:r>
+                        <a:rPr lang="en-US" altLang="ko-KR" sz="1400" kern="1200" dirty="0">
+                          <a:solidFill>
+                            <a:schemeClr val="dk1"/>
+                          </a:solidFill>
+                          <a:effectLst/>
+                          <a:latin typeface="+mj-ea"/>
+                          <a:ea typeface="+mj-ea"/>
+                          <a:cs typeface="+mn-cs"/>
+                        </a:rPr>
+                        <a:t>, </a:t>
+                      </a:r>
+                      <a:r>
+                        <a:rPr lang="ko-KR" altLang="en-US" sz="1400" kern="1200" dirty="0">
+                          <a:solidFill>
+                            <a:schemeClr val="dk1"/>
+                          </a:solidFill>
+                          <a:effectLst/>
+                          <a:latin typeface="+mj-ea"/>
+                          <a:ea typeface="+mj-ea"/>
+                          <a:cs typeface="+mn-cs"/>
+                        </a:rPr>
+                        <a:t>더 </a:t>
+                      </a:r>
+                      <a:r>
+                        <a:rPr lang="ko-KR" altLang="en-US" sz="1400" kern="1200" dirty="0" err="1">
+                          <a:solidFill>
+                            <a:schemeClr val="dk1"/>
+                          </a:solidFill>
+                          <a:effectLst/>
+                          <a:latin typeface="+mj-ea"/>
+                          <a:ea typeface="+mj-ea"/>
+                          <a:cs typeface="+mn-cs"/>
+                        </a:rPr>
+                        <a:t>연산량을</a:t>
+                      </a:r>
+                      <a:r>
+                        <a:rPr lang="ko-KR" altLang="en-US" sz="1400" kern="1200" dirty="0">
+                          <a:solidFill>
+                            <a:schemeClr val="dk1"/>
+                          </a:solidFill>
+                          <a:effectLst/>
+                          <a:latin typeface="+mj-ea"/>
+                          <a:ea typeface="+mj-ea"/>
+                          <a:cs typeface="+mn-cs"/>
+                        </a:rPr>
+                        <a:t> 줄임으로서</a:t>
+                      </a:r>
+                      <a:r>
+                        <a:rPr lang="en-US" altLang="ko-KR" sz="1400" kern="1200" dirty="0">
+                          <a:solidFill>
+                            <a:schemeClr val="dk1"/>
+                          </a:solidFill>
+                          <a:effectLst/>
+                          <a:latin typeface="+mj-ea"/>
+                          <a:ea typeface="+mj-ea"/>
+                          <a:cs typeface="+mn-cs"/>
+                        </a:rPr>
+                        <a:t>, </a:t>
+                      </a:r>
+                      <a:r>
+                        <a:rPr lang="ko-KR" altLang="en-US" sz="1400" kern="1200" dirty="0">
+                          <a:solidFill>
+                            <a:schemeClr val="dk1"/>
+                          </a:solidFill>
+                          <a:effectLst/>
+                          <a:latin typeface="+mj-ea"/>
+                          <a:ea typeface="+mj-ea"/>
+                          <a:cs typeface="+mn-cs"/>
+                        </a:rPr>
+                        <a:t>프로젝트의 실시간 처리가 가능하도록 준비한다</a:t>
+                      </a:r>
+                      <a:r>
+                        <a:rPr lang="en-US" altLang="ko-KR" sz="1400" kern="1200" dirty="0">
+                          <a:solidFill>
+                            <a:schemeClr val="dk1"/>
+                          </a:solidFill>
+                          <a:effectLst/>
+                          <a:latin typeface="+mj-ea"/>
+                          <a:ea typeface="+mj-ea"/>
+                          <a:cs typeface="+mn-cs"/>
+                        </a:rPr>
+                        <a:t>.</a:t>
+                      </a:r>
+                      <a:endParaRPr lang="ko-KR" altLang="en-US" sz="1400" kern="1200" dirty="0">
+                        <a:solidFill>
+                          <a:schemeClr val="dk1"/>
+                        </a:solidFill>
+                        <a:effectLst/>
+                        <a:latin typeface="+mj-ea"/>
+                        <a:ea typeface="+mj-ea"/>
+                        <a:cs typeface="+mn-cs"/>
+                      </a:endParaRPr>
                     </a:p>
                   </a:txBody>
                   <a:tcPr anchor="ctr" anchorCtr="1"/>
@@ -6956,47 +6515,47 @@
                     <a:p>
                       <a:pPr algn="l" latinLnBrk="1"/>
                       <a:r>
-                        <a:rPr lang="ko-KR" altLang="en-US" dirty="0"/>
+                        <a:rPr lang="ko-KR" altLang="en-US" sz="1800" b="1" dirty="0"/>
                         <a:t>실시간 대기인원 </a:t>
                       </a:r>
                       <a:br>
-                        <a:rPr lang="en-US" altLang="ko-KR" dirty="0"/>
+                        <a:rPr lang="en-US" altLang="ko-KR" sz="1800" b="1" dirty="0"/>
                       </a:br>
                       <a:r>
-                        <a:rPr lang="ko-KR" altLang="en-US" dirty="0"/>
+                        <a:rPr lang="ko-KR" altLang="en-US" sz="1800" b="1" dirty="0"/>
                         <a:t>데이터 베이스 서버 구축</a:t>
                       </a:r>
                       <a:r>
-                        <a:rPr lang="en-US" altLang="ko-KR" dirty="0"/>
+                        <a:rPr lang="en-US" altLang="ko-KR" sz="1800" b="1" dirty="0"/>
                         <a:t>,</a:t>
                       </a:r>
                       <a:br>
-                        <a:rPr lang="en-US" altLang="ko-KR" dirty="0"/>
+                        <a:rPr lang="en-US" altLang="ko-KR" sz="1800" b="1" dirty="0"/>
                       </a:br>
                       <a:r>
-                        <a:rPr lang="ko-KR" altLang="en-US" dirty="0"/>
+                        <a:rPr lang="ko-KR" altLang="en-US" sz="1800" b="1" dirty="0"/>
                         <a:t>공공 </a:t>
                       </a:r>
                       <a:r>
-                        <a:rPr lang="en-US" altLang="ko-KR" dirty="0"/>
+                        <a:rPr lang="en-US" altLang="ko-KR" sz="1800" b="1" dirty="0"/>
                         <a:t>API</a:t>
                       </a:r>
                       <a:r>
-                        <a:rPr lang="ko-KR" altLang="en-US" dirty="0"/>
+                        <a:rPr lang="ko-KR" altLang="en-US" sz="1800" b="1" dirty="0"/>
                         <a:t>를 이용한</a:t>
                       </a:r>
                       <a:br>
-                        <a:rPr lang="en-US" altLang="ko-KR" dirty="0"/>
+                        <a:rPr lang="en-US" altLang="ko-KR" sz="1800" b="1" dirty="0"/>
                       </a:br>
                       <a:r>
-                        <a:rPr lang="ko-KR" altLang="en-US" dirty="0"/>
+                        <a:rPr lang="ko-KR" altLang="en-US" sz="1800" b="1" dirty="0"/>
                         <a:t>실시간 버스 정보</a:t>
                       </a:r>
                       <a:r>
-                        <a:rPr lang="en-US" altLang="ko-KR" dirty="0"/>
+                        <a:rPr lang="en-US" altLang="ko-KR" sz="1800" b="1" dirty="0"/>
                         <a:t> </a:t>
                       </a:r>
-                      <a:endParaRPr lang="ko-KR" altLang="en-US" dirty="0"/>
+                      <a:endParaRPr lang="ko-KR" altLang="en-US" sz="1800" b="1" dirty="0"/>
                     </a:p>
                   </a:txBody>
                   <a:tcPr anchor="ctr" anchorCtr="1"/>
@@ -7006,8 +6565,424 @@
                     <a:bodyPr/>
                     <a:lstStyle/>
                     <a:p>
-                      <a:pPr latinLnBrk="1"/>
-                      <a:endParaRPr lang="ko-KR" altLang="en-US" dirty="0"/>
+                      <a:pPr fontAlgn="base" latinLnBrk="0"/>
+                      <a:r>
+                        <a:rPr lang="en-US" altLang="ko-KR" sz="1400" kern="1200" dirty="0">
+                          <a:solidFill>
+                            <a:schemeClr val="dk1"/>
+                          </a:solidFill>
+                          <a:effectLst/>
+                          <a:latin typeface="+mj-ea"/>
+                          <a:ea typeface="+mj-ea"/>
+                          <a:cs typeface="+mn-cs"/>
+                        </a:rPr>
+                        <a:t>· </a:t>
+                      </a:r>
+                      <a:r>
+                        <a:rPr lang="ko-KR" altLang="en-US" sz="1400" kern="1200" dirty="0">
+                          <a:solidFill>
+                            <a:schemeClr val="dk1"/>
+                          </a:solidFill>
+                          <a:effectLst/>
+                          <a:latin typeface="+mj-ea"/>
+                          <a:ea typeface="+mj-ea"/>
+                          <a:cs typeface="+mn-cs"/>
+                        </a:rPr>
+                        <a:t>공공 </a:t>
+                      </a:r>
+                      <a:r>
+                        <a:rPr lang="en-US" altLang="ko-KR" sz="1400" kern="1200" dirty="0">
+                          <a:solidFill>
+                            <a:schemeClr val="dk1"/>
+                          </a:solidFill>
+                          <a:effectLst/>
+                          <a:latin typeface="+mj-ea"/>
+                          <a:ea typeface="+mj-ea"/>
+                          <a:cs typeface="+mn-cs"/>
+                        </a:rPr>
+                        <a:t>API</a:t>
+                      </a:r>
+                      <a:r>
+                        <a:rPr lang="ko-KR" altLang="en-US" sz="1400" kern="1200" dirty="0">
+                          <a:solidFill>
+                            <a:schemeClr val="dk1"/>
+                          </a:solidFill>
+                          <a:effectLst/>
+                          <a:latin typeface="+mj-ea"/>
+                          <a:ea typeface="+mj-ea"/>
+                          <a:cs typeface="+mn-cs"/>
+                        </a:rPr>
+                        <a:t>를 이용하여</a:t>
+                      </a:r>
+                      <a:r>
+                        <a:rPr lang="en-US" altLang="ko-KR" sz="1400" kern="1200" dirty="0">
+                          <a:solidFill>
+                            <a:schemeClr val="dk1"/>
+                          </a:solidFill>
+                          <a:effectLst/>
+                          <a:latin typeface="+mj-ea"/>
+                          <a:ea typeface="+mj-ea"/>
+                          <a:cs typeface="+mn-cs"/>
+                        </a:rPr>
+                        <a:t>, </a:t>
+                      </a:r>
+                      <a:r>
+                        <a:rPr lang="ko-KR" altLang="en-US" sz="1400" kern="1200" dirty="0">
+                          <a:solidFill>
+                            <a:schemeClr val="dk1"/>
+                          </a:solidFill>
+                          <a:effectLst/>
+                          <a:latin typeface="+mj-ea"/>
+                          <a:ea typeface="+mj-ea"/>
+                          <a:cs typeface="+mn-cs"/>
+                        </a:rPr>
+                        <a:t>실시간 교통정보의 처리를 진행한다</a:t>
+                      </a:r>
+                      <a:r>
+                        <a:rPr lang="en-US" altLang="ko-KR" sz="1400" kern="1200" dirty="0">
+                          <a:solidFill>
+                            <a:schemeClr val="dk1"/>
+                          </a:solidFill>
+                          <a:effectLst/>
+                          <a:latin typeface="+mj-ea"/>
+                          <a:ea typeface="+mj-ea"/>
+                          <a:cs typeface="+mn-cs"/>
+                        </a:rPr>
+                        <a:t>.</a:t>
+                      </a:r>
+                      <a:endParaRPr lang="ko-KR" altLang="en-US" sz="1400" kern="1200" dirty="0">
+                        <a:solidFill>
+                          <a:schemeClr val="dk1"/>
+                        </a:solidFill>
+                        <a:effectLst/>
+                        <a:latin typeface="+mj-ea"/>
+                        <a:ea typeface="+mj-ea"/>
+                        <a:cs typeface="+mn-cs"/>
+                      </a:endParaRPr>
+                    </a:p>
+                    <a:p>
+                      <a:pPr fontAlgn="base" latinLnBrk="0"/>
+                      <a:r>
+                        <a:rPr lang="en-US" altLang="ko-KR" sz="1400" kern="1200" dirty="0">
+                          <a:solidFill>
+                            <a:schemeClr val="dk1"/>
+                          </a:solidFill>
+                          <a:effectLst/>
+                          <a:latin typeface="+mj-ea"/>
+                          <a:ea typeface="+mj-ea"/>
+                          <a:cs typeface="+mn-cs"/>
+                        </a:rPr>
+                        <a:t>· </a:t>
+                      </a:r>
+                      <a:r>
+                        <a:rPr lang="ko-KR" altLang="en-US" sz="1400" kern="1200" dirty="0">
+                          <a:solidFill>
+                            <a:schemeClr val="dk1"/>
+                          </a:solidFill>
+                          <a:effectLst/>
+                          <a:latin typeface="+mj-ea"/>
+                          <a:ea typeface="+mj-ea"/>
+                          <a:cs typeface="+mn-cs"/>
+                        </a:rPr>
+                        <a:t>현 버스의 위치</a:t>
+                      </a:r>
+                      <a:r>
+                        <a:rPr lang="en-US" altLang="ko-KR" sz="1400" kern="1200" dirty="0">
+                          <a:solidFill>
+                            <a:schemeClr val="dk1"/>
+                          </a:solidFill>
+                          <a:effectLst/>
+                          <a:latin typeface="+mj-ea"/>
+                          <a:ea typeface="+mj-ea"/>
+                          <a:cs typeface="+mn-cs"/>
+                        </a:rPr>
+                        <a:t>, </a:t>
+                      </a:r>
+                      <a:r>
+                        <a:rPr lang="ko-KR" altLang="en-US" sz="1400" kern="1200" dirty="0">
+                          <a:solidFill>
+                            <a:schemeClr val="dk1"/>
+                          </a:solidFill>
+                          <a:effectLst/>
+                          <a:latin typeface="+mj-ea"/>
+                          <a:ea typeface="+mj-ea"/>
+                          <a:cs typeface="+mn-cs"/>
+                        </a:rPr>
+                        <a:t>해당 버스의 </a:t>
+                      </a:r>
+                      <a:r>
+                        <a:rPr lang="ko-KR" altLang="en-US" sz="1400" kern="1200" dirty="0" err="1">
+                          <a:solidFill>
+                            <a:schemeClr val="dk1"/>
+                          </a:solidFill>
+                          <a:effectLst/>
+                          <a:latin typeface="+mj-ea"/>
+                          <a:ea typeface="+mj-ea"/>
+                          <a:cs typeface="+mn-cs"/>
+                        </a:rPr>
+                        <a:t>잔여석</a:t>
+                      </a:r>
+                      <a:r>
+                        <a:rPr lang="en-US" altLang="ko-KR" sz="1400" kern="1200" dirty="0">
+                          <a:solidFill>
+                            <a:schemeClr val="dk1"/>
+                          </a:solidFill>
+                          <a:effectLst/>
+                          <a:latin typeface="+mj-ea"/>
+                          <a:ea typeface="+mj-ea"/>
+                          <a:cs typeface="+mn-cs"/>
+                        </a:rPr>
+                        <a:t>, </a:t>
+                      </a:r>
+                      <a:r>
+                        <a:rPr lang="ko-KR" altLang="en-US" sz="1400" kern="1200" dirty="0">
+                          <a:solidFill>
+                            <a:schemeClr val="dk1"/>
+                          </a:solidFill>
+                          <a:effectLst/>
+                          <a:latin typeface="+mj-ea"/>
+                          <a:ea typeface="+mj-ea"/>
+                          <a:cs typeface="+mn-cs"/>
+                        </a:rPr>
+                        <a:t>해당버스의 노선 정보를 시각화 하여</a:t>
+                      </a:r>
+                      <a:r>
+                        <a:rPr lang="en-US" altLang="ko-KR" sz="1400" kern="1200" dirty="0">
+                          <a:solidFill>
+                            <a:schemeClr val="dk1"/>
+                          </a:solidFill>
+                          <a:effectLst/>
+                          <a:latin typeface="+mj-ea"/>
+                          <a:ea typeface="+mj-ea"/>
+                          <a:cs typeface="+mn-cs"/>
+                        </a:rPr>
+                        <a:t>, </a:t>
+                      </a:r>
+                      <a:r>
+                        <a:rPr lang="ko-KR" altLang="en-US" sz="1400" kern="1200" dirty="0">
+                          <a:solidFill>
+                            <a:schemeClr val="dk1"/>
+                          </a:solidFill>
+                          <a:effectLst/>
+                          <a:latin typeface="+mj-ea"/>
+                          <a:ea typeface="+mj-ea"/>
+                          <a:cs typeface="+mn-cs"/>
+                        </a:rPr>
+                        <a:t>접근성을 발전시킨다</a:t>
+                      </a:r>
+                      <a:r>
+                        <a:rPr lang="en-US" altLang="ko-KR" sz="1400" kern="1200" dirty="0">
+                          <a:solidFill>
+                            <a:schemeClr val="dk1"/>
+                          </a:solidFill>
+                          <a:effectLst/>
+                          <a:latin typeface="+mj-ea"/>
+                          <a:ea typeface="+mj-ea"/>
+                          <a:cs typeface="+mn-cs"/>
+                        </a:rPr>
+                        <a:t>.</a:t>
+                      </a:r>
+                      <a:endParaRPr lang="ko-KR" altLang="en-US" sz="1400" kern="1200" dirty="0">
+                        <a:solidFill>
+                          <a:schemeClr val="dk1"/>
+                        </a:solidFill>
+                        <a:effectLst/>
+                        <a:latin typeface="+mj-ea"/>
+                        <a:ea typeface="+mj-ea"/>
+                        <a:cs typeface="+mn-cs"/>
+                      </a:endParaRPr>
+                    </a:p>
+                    <a:p>
+                      <a:pPr fontAlgn="base" latinLnBrk="0"/>
+                      <a:r>
+                        <a:rPr lang="en-US" altLang="ko-KR" sz="1400" kern="1200" dirty="0">
+                          <a:solidFill>
+                            <a:schemeClr val="dk1"/>
+                          </a:solidFill>
+                          <a:effectLst/>
+                          <a:latin typeface="+mj-ea"/>
+                          <a:ea typeface="+mj-ea"/>
+                          <a:cs typeface="+mn-cs"/>
+                        </a:rPr>
+                        <a:t>· </a:t>
+                      </a:r>
+                      <a:r>
+                        <a:rPr lang="ko-KR" altLang="en-US" sz="1400" kern="1200" dirty="0">
+                          <a:solidFill>
+                            <a:schemeClr val="dk1"/>
+                          </a:solidFill>
+                          <a:effectLst/>
+                          <a:latin typeface="+mj-ea"/>
+                          <a:ea typeface="+mj-ea"/>
+                          <a:cs typeface="+mn-cs"/>
+                        </a:rPr>
+                        <a:t>이러한 공공 </a:t>
+                      </a:r>
+                      <a:r>
+                        <a:rPr lang="en-US" altLang="ko-KR" sz="1400" kern="1200" dirty="0">
+                          <a:solidFill>
+                            <a:schemeClr val="dk1"/>
+                          </a:solidFill>
+                          <a:effectLst/>
+                          <a:latin typeface="+mj-ea"/>
+                          <a:ea typeface="+mj-ea"/>
+                          <a:cs typeface="+mn-cs"/>
+                        </a:rPr>
+                        <a:t>API</a:t>
+                      </a:r>
+                      <a:r>
+                        <a:rPr lang="ko-KR" altLang="en-US" sz="1400" kern="1200" dirty="0">
+                          <a:solidFill>
+                            <a:schemeClr val="dk1"/>
+                          </a:solidFill>
+                          <a:effectLst/>
+                          <a:latin typeface="+mj-ea"/>
+                          <a:ea typeface="+mj-ea"/>
+                          <a:cs typeface="+mn-cs"/>
+                        </a:rPr>
+                        <a:t>를 다루면서</a:t>
+                      </a:r>
+                      <a:r>
+                        <a:rPr lang="en-US" altLang="ko-KR" sz="1400" kern="1200" dirty="0">
+                          <a:solidFill>
+                            <a:schemeClr val="dk1"/>
+                          </a:solidFill>
+                          <a:effectLst/>
+                          <a:latin typeface="+mj-ea"/>
+                          <a:ea typeface="+mj-ea"/>
+                          <a:cs typeface="+mn-cs"/>
+                        </a:rPr>
+                        <a:t>, </a:t>
+                      </a:r>
+                      <a:r>
+                        <a:rPr lang="ko-KR" altLang="en-US" sz="1400" kern="1200" dirty="0">
+                          <a:solidFill>
+                            <a:schemeClr val="dk1"/>
+                          </a:solidFill>
+                          <a:effectLst/>
+                          <a:latin typeface="+mj-ea"/>
+                          <a:ea typeface="+mj-ea"/>
+                          <a:cs typeface="+mn-cs"/>
+                        </a:rPr>
+                        <a:t>현재 대중적으로 사용되는 대중교통 안내 서비스와 비교하였을 때</a:t>
+                      </a:r>
+                      <a:r>
+                        <a:rPr lang="en-US" altLang="ko-KR" sz="1400" kern="1200" dirty="0">
+                          <a:solidFill>
+                            <a:schemeClr val="dk1"/>
+                          </a:solidFill>
+                          <a:effectLst/>
+                          <a:latin typeface="+mj-ea"/>
+                          <a:ea typeface="+mj-ea"/>
+                          <a:cs typeface="+mn-cs"/>
+                        </a:rPr>
+                        <a:t>, </a:t>
+                      </a:r>
+                      <a:r>
+                        <a:rPr lang="ko-KR" altLang="en-US" sz="1400" kern="1200" dirty="0">
+                          <a:solidFill>
+                            <a:schemeClr val="dk1"/>
+                          </a:solidFill>
+                          <a:effectLst/>
+                          <a:latin typeface="+mj-ea"/>
+                          <a:ea typeface="+mj-ea"/>
+                          <a:cs typeface="+mn-cs"/>
+                        </a:rPr>
+                        <a:t>더 접근성이 용이한 방향으로 발전을 꾀한다</a:t>
+                      </a:r>
+                      <a:r>
+                        <a:rPr lang="en-US" altLang="ko-KR" sz="1400" kern="1200" dirty="0">
+                          <a:solidFill>
+                            <a:schemeClr val="dk1"/>
+                          </a:solidFill>
+                          <a:effectLst/>
+                          <a:latin typeface="+mj-ea"/>
+                          <a:ea typeface="+mj-ea"/>
+                          <a:cs typeface="+mn-cs"/>
+                        </a:rPr>
+                        <a:t>.</a:t>
+                      </a:r>
+                      <a:endParaRPr lang="ko-KR" altLang="en-US" sz="1400" kern="1200" dirty="0">
+                        <a:solidFill>
+                          <a:schemeClr val="dk1"/>
+                        </a:solidFill>
+                        <a:effectLst/>
+                        <a:latin typeface="+mj-ea"/>
+                        <a:ea typeface="+mj-ea"/>
+                        <a:cs typeface="+mn-cs"/>
+                      </a:endParaRPr>
+                    </a:p>
+                    <a:p>
+                      <a:pPr fontAlgn="base" latinLnBrk="0"/>
+                      <a:r>
+                        <a:rPr lang="en-US" altLang="ko-KR" sz="1400" kern="1200" dirty="0">
+                          <a:solidFill>
+                            <a:schemeClr val="dk1"/>
+                          </a:solidFill>
+                          <a:effectLst/>
+                          <a:latin typeface="+mj-ea"/>
+                          <a:ea typeface="+mj-ea"/>
+                          <a:cs typeface="+mn-cs"/>
+                        </a:rPr>
+                        <a:t>(</a:t>
+                      </a:r>
+                      <a:r>
+                        <a:rPr lang="ko-KR" altLang="en-US" sz="1400" kern="1200" dirty="0">
+                          <a:solidFill>
+                            <a:schemeClr val="dk1"/>
+                          </a:solidFill>
+                          <a:effectLst/>
+                          <a:latin typeface="+mj-ea"/>
+                          <a:ea typeface="+mj-ea"/>
+                          <a:cs typeface="+mn-cs"/>
+                        </a:rPr>
+                        <a:t>이용자의 시각적 접근성이나</a:t>
+                      </a:r>
+                      <a:r>
+                        <a:rPr lang="en-US" altLang="ko-KR" sz="1400" kern="1200" dirty="0">
+                          <a:solidFill>
+                            <a:schemeClr val="dk1"/>
+                          </a:solidFill>
+                          <a:effectLst/>
+                          <a:latin typeface="+mj-ea"/>
+                          <a:ea typeface="+mj-ea"/>
+                          <a:cs typeface="+mn-cs"/>
+                        </a:rPr>
+                        <a:t>, </a:t>
+                      </a:r>
+                      <a:r>
+                        <a:rPr lang="ko-KR" altLang="en-US" sz="1400" kern="1200" dirty="0">
+                          <a:solidFill>
+                            <a:schemeClr val="dk1"/>
+                          </a:solidFill>
+                          <a:effectLst/>
+                          <a:latin typeface="+mj-ea"/>
+                          <a:ea typeface="+mj-ea"/>
+                          <a:cs typeface="+mn-cs"/>
+                        </a:rPr>
+                        <a:t>이용자가 원하는 정보의 안내의 편리함을 중점적으로 발전시킨다</a:t>
+                      </a:r>
+                      <a:r>
+                        <a:rPr lang="en-US" altLang="ko-KR" sz="1400" kern="1200" dirty="0">
+                          <a:solidFill>
+                            <a:schemeClr val="dk1"/>
+                          </a:solidFill>
+                          <a:effectLst/>
+                          <a:latin typeface="+mj-ea"/>
+                          <a:ea typeface="+mj-ea"/>
+                          <a:cs typeface="+mn-cs"/>
+                        </a:rPr>
+                        <a:t>.)</a:t>
+                      </a:r>
+                      <a:endParaRPr lang="ko-KR" altLang="en-US" sz="1400" kern="1200" dirty="0">
+                        <a:solidFill>
+                          <a:schemeClr val="dk1"/>
+                        </a:solidFill>
+                        <a:effectLst/>
+                        <a:latin typeface="+mj-ea"/>
+                        <a:ea typeface="+mj-ea"/>
+                        <a:cs typeface="+mn-cs"/>
+                      </a:endParaRPr>
                     </a:p>
                   </a:txBody>
                   <a:tcPr anchor="ctr" anchorCtr="1"/>
@@ -7026,7 +7001,7 @@
                     <a:p>
                       <a:pPr latinLnBrk="1"/>
                       <a:r>
-                        <a:rPr lang="ko-KR" altLang="en-US" dirty="0"/>
+                        <a:rPr lang="ko-KR" altLang="en-US" sz="1800" b="1" dirty="0"/>
                         <a:t>사용자들이 이용 할 수 있는 앱 </a:t>
                       </a:r>
                     </a:p>
@@ -7038,8 +7013,340 @@
                     <a:bodyPr/>
                     <a:lstStyle/>
                     <a:p>
-                      <a:pPr latinLnBrk="1"/>
-                      <a:endParaRPr lang="ko-KR" altLang="en-US" dirty="0"/>
+                      <a:pPr fontAlgn="base" latinLnBrk="0"/>
+                      <a:r>
+                        <a:rPr lang="en-US" altLang="ko-KR" sz="1400" kern="1200" dirty="0">
+                          <a:solidFill>
+                            <a:schemeClr val="dk1"/>
+                          </a:solidFill>
+                          <a:effectLst/>
+                          <a:latin typeface="+mj-ea"/>
+                          <a:ea typeface="+mj-ea"/>
+                          <a:cs typeface="+mn-cs"/>
+                        </a:rPr>
+                        <a:t>· </a:t>
+                      </a:r>
+                      <a:r>
+                        <a:rPr lang="ko-KR" altLang="en-US" sz="1400" kern="1200" dirty="0">
+                          <a:solidFill>
+                            <a:schemeClr val="dk1"/>
+                          </a:solidFill>
+                          <a:effectLst/>
+                          <a:latin typeface="+mj-ea"/>
+                          <a:ea typeface="+mj-ea"/>
+                          <a:cs typeface="+mn-cs"/>
+                        </a:rPr>
+                        <a:t>공공 </a:t>
+                      </a:r>
+                      <a:r>
+                        <a:rPr lang="en-US" altLang="ko-KR" sz="1400" kern="1200" dirty="0">
+                          <a:solidFill>
+                            <a:schemeClr val="dk1"/>
+                          </a:solidFill>
+                          <a:effectLst/>
+                          <a:latin typeface="+mj-ea"/>
+                          <a:ea typeface="+mj-ea"/>
+                          <a:cs typeface="+mn-cs"/>
+                        </a:rPr>
+                        <a:t>API</a:t>
+                      </a:r>
+                      <a:r>
+                        <a:rPr lang="ko-KR" altLang="en-US" sz="1400" kern="1200" dirty="0">
+                          <a:solidFill>
+                            <a:schemeClr val="dk1"/>
+                          </a:solidFill>
+                          <a:effectLst/>
+                          <a:latin typeface="+mj-ea"/>
+                          <a:ea typeface="+mj-ea"/>
+                          <a:cs typeface="+mn-cs"/>
+                        </a:rPr>
+                        <a:t>를 통해 받아온</a:t>
+                      </a:r>
+                      <a:r>
+                        <a:rPr lang="en-US" altLang="ko-KR" sz="1400" kern="1200" dirty="0">
+                          <a:solidFill>
+                            <a:schemeClr val="dk1"/>
+                          </a:solidFill>
+                          <a:effectLst/>
+                          <a:latin typeface="+mj-ea"/>
+                          <a:ea typeface="+mj-ea"/>
+                          <a:cs typeface="+mn-cs"/>
+                        </a:rPr>
+                        <a:t>, </a:t>
+                      </a:r>
+                      <a:r>
+                        <a:rPr lang="ko-KR" altLang="en-US" sz="1400" kern="1200" dirty="0">
+                          <a:solidFill>
+                            <a:schemeClr val="dk1"/>
+                          </a:solidFill>
+                          <a:effectLst/>
+                          <a:latin typeface="+mj-ea"/>
+                          <a:ea typeface="+mj-ea"/>
+                          <a:cs typeface="+mn-cs"/>
+                        </a:rPr>
+                        <a:t>실시간 버스 정보와</a:t>
+                      </a:r>
+                      <a:r>
+                        <a:rPr lang="en-US" altLang="ko-KR" sz="1400" kern="1200" dirty="0">
+                          <a:solidFill>
+                            <a:schemeClr val="dk1"/>
+                          </a:solidFill>
+                          <a:effectLst/>
+                          <a:latin typeface="+mj-ea"/>
+                          <a:ea typeface="+mj-ea"/>
+                          <a:cs typeface="+mn-cs"/>
+                        </a:rPr>
+                        <a:t>, </a:t>
+                      </a:r>
+                      <a:r>
+                        <a:rPr lang="ko-KR" altLang="en-US" sz="1400" kern="1200" dirty="0">
+                          <a:solidFill>
+                            <a:schemeClr val="dk1"/>
+                          </a:solidFill>
+                          <a:effectLst/>
+                          <a:latin typeface="+mj-ea"/>
+                          <a:ea typeface="+mj-ea"/>
+                          <a:cs typeface="+mn-cs"/>
+                        </a:rPr>
+                        <a:t>해당 아이디어를 통해 알아낸</a:t>
+                      </a:r>
+                      <a:r>
+                        <a:rPr lang="en-US" altLang="ko-KR" sz="1400" kern="1200" dirty="0">
+                          <a:solidFill>
+                            <a:schemeClr val="dk1"/>
+                          </a:solidFill>
+                          <a:effectLst/>
+                          <a:latin typeface="+mj-ea"/>
+                          <a:ea typeface="+mj-ea"/>
+                          <a:cs typeface="+mn-cs"/>
+                        </a:rPr>
+                        <a:t>, </a:t>
+                      </a:r>
+                      <a:r>
+                        <a:rPr lang="ko-KR" altLang="en-US" sz="1400" kern="1200" dirty="0">
+                          <a:solidFill>
+                            <a:schemeClr val="dk1"/>
+                          </a:solidFill>
+                          <a:effectLst/>
+                          <a:latin typeface="+mj-ea"/>
+                          <a:ea typeface="+mj-ea"/>
+                          <a:cs typeface="+mn-cs"/>
+                        </a:rPr>
+                        <a:t>실시간 버스정류장에서의 특정버스를 탑승하기위한 대기인원을 판단 정보를 통해</a:t>
+                      </a:r>
+                      <a:r>
+                        <a:rPr lang="en-US" altLang="ko-KR" sz="1400" kern="1200" dirty="0">
+                          <a:solidFill>
+                            <a:schemeClr val="dk1"/>
+                          </a:solidFill>
+                          <a:effectLst/>
+                          <a:latin typeface="+mj-ea"/>
+                          <a:ea typeface="+mj-ea"/>
+                          <a:cs typeface="+mn-cs"/>
+                        </a:rPr>
+                        <a:t>, </a:t>
+                      </a:r>
+                      <a:r>
+                        <a:rPr lang="ko-KR" altLang="en-US" sz="1400" kern="1200" dirty="0">
+                          <a:solidFill>
+                            <a:schemeClr val="dk1"/>
+                          </a:solidFill>
+                          <a:effectLst/>
+                          <a:latin typeface="+mj-ea"/>
+                          <a:ea typeface="+mj-ea"/>
+                          <a:cs typeface="+mn-cs"/>
+                        </a:rPr>
+                        <a:t>현재의 대중교통 탑승 안내 서비스보다</a:t>
+                      </a:r>
+                      <a:r>
+                        <a:rPr lang="en-US" altLang="ko-KR" sz="1400" kern="1200" dirty="0">
+                          <a:solidFill>
+                            <a:schemeClr val="dk1"/>
+                          </a:solidFill>
+                          <a:effectLst/>
+                          <a:latin typeface="+mj-ea"/>
+                          <a:ea typeface="+mj-ea"/>
+                          <a:cs typeface="+mn-cs"/>
+                        </a:rPr>
+                        <a:t>, </a:t>
+                      </a:r>
+                      <a:r>
+                        <a:rPr lang="ko-KR" altLang="en-US" sz="1400" kern="1200" dirty="0">
+                          <a:solidFill>
+                            <a:schemeClr val="dk1"/>
+                          </a:solidFill>
+                          <a:effectLst/>
+                          <a:latin typeface="+mj-ea"/>
+                          <a:ea typeface="+mj-ea"/>
+                          <a:cs typeface="+mn-cs"/>
+                        </a:rPr>
+                        <a:t>더 정확한 정보를 전달한다</a:t>
+                      </a:r>
+                      <a:r>
+                        <a:rPr lang="en-US" altLang="ko-KR" sz="1400" kern="1200" dirty="0">
+                          <a:solidFill>
+                            <a:schemeClr val="dk1"/>
+                          </a:solidFill>
+                          <a:effectLst/>
+                          <a:latin typeface="+mj-ea"/>
+                          <a:ea typeface="+mj-ea"/>
+                          <a:cs typeface="+mn-cs"/>
+                        </a:rPr>
+                        <a:t>.</a:t>
+                      </a:r>
+                      <a:endParaRPr lang="ko-KR" altLang="en-US" sz="1400" kern="1200" dirty="0">
+                        <a:solidFill>
+                          <a:schemeClr val="dk1"/>
+                        </a:solidFill>
+                        <a:effectLst/>
+                        <a:latin typeface="+mj-ea"/>
+                        <a:ea typeface="+mj-ea"/>
+                        <a:cs typeface="+mn-cs"/>
+                      </a:endParaRPr>
+                    </a:p>
+                    <a:p>
+                      <a:pPr fontAlgn="base" latinLnBrk="0"/>
+                      <a:r>
+                        <a:rPr lang="en-US" altLang="ko-KR" sz="1400" kern="1200" dirty="0">
+                          <a:solidFill>
+                            <a:schemeClr val="dk1"/>
+                          </a:solidFill>
+                          <a:effectLst/>
+                          <a:latin typeface="+mj-ea"/>
+                          <a:ea typeface="+mj-ea"/>
+                          <a:cs typeface="+mn-cs"/>
+                        </a:rPr>
+                        <a:t>· </a:t>
+                      </a:r>
+                      <a:r>
+                        <a:rPr lang="ko-KR" altLang="en-US" sz="1400" kern="1200" dirty="0">
+                          <a:solidFill>
+                            <a:schemeClr val="dk1"/>
+                          </a:solidFill>
+                          <a:effectLst/>
+                          <a:latin typeface="+mj-ea"/>
+                          <a:ea typeface="+mj-ea"/>
+                          <a:cs typeface="+mn-cs"/>
+                        </a:rPr>
+                        <a:t>또한</a:t>
+                      </a:r>
+                      <a:r>
+                        <a:rPr lang="en-US" altLang="ko-KR" sz="1400" kern="1200" dirty="0">
+                          <a:solidFill>
+                            <a:schemeClr val="dk1"/>
+                          </a:solidFill>
+                          <a:effectLst/>
+                          <a:latin typeface="+mj-ea"/>
+                          <a:ea typeface="+mj-ea"/>
+                          <a:cs typeface="+mn-cs"/>
+                        </a:rPr>
+                        <a:t>, </a:t>
+                      </a:r>
+                      <a:r>
+                        <a:rPr lang="ko-KR" altLang="en-US" sz="1400" kern="1200" dirty="0">
+                          <a:solidFill>
+                            <a:schemeClr val="dk1"/>
+                          </a:solidFill>
+                          <a:effectLst/>
+                          <a:latin typeface="+mj-ea"/>
+                          <a:ea typeface="+mj-ea"/>
+                          <a:cs typeface="+mn-cs"/>
+                        </a:rPr>
+                        <a:t>이러한 실시간 정보를 전달하면서</a:t>
+                      </a:r>
+                      <a:r>
+                        <a:rPr lang="en-US" altLang="ko-KR" sz="1400" kern="1200" dirty="0">
+                          <a:solidFill>
+                            <a:schemeClr val="dk1"/>
+                          </a:solidFill>
+                          <a:effectLst/>
+                          <a:latin typeface="+mj-ea"/>
+                          <a:ea typeface="+mj-ea"/>
+                          <a:cs typeface="+mn-cs"/>
+                        </a:rPr>
+                        <a:t>, </a:t>
+                      </a:r>
+                      <a:r>
+                        <a:rPr lang="ko-KR" altLang="en-US" sz="1400" kern="1200" dirty="0">
+                          <a:solidFill>
+                            <a:schemeClr val="dk1"/>
+                          </a:solidFill>
+                          <a:effectLst/>
+                          <a:latin typeface="+mj-ea"/>
+                          <a:ea typeface="+mj-ea"/>
+                          <a:cs typeface="+mn-cs"/>
+                        </a:rPr>
+                        <a:t>대기인원이 많은 지역에 접근을 최소화하는 방향으로</a:t>
+                      </a:r>
+                      <a:r>
+                        <a:rPr lang="en-US" altLang="ko-KR" sz="1400" kern="1200" dirty="0">
+                          <a:solidFill>
+                            <a:schemeClr val="dk1"/>
+                          </a:solidFill>
+                          <a:effectLst/>
+                          <a:latin typeface="+mj-ea"/>
+                          <a:ea typeface="+mj-ea"/>
+                          <a:cs typeface="+mn-cs"/>
+                        </a:rPr>
+                        <a:t>, </a:t>
+                      </a:r>
+                      <a:r>
+                        <a:rPr lang="ko-KR" altLang="en-US" sz="1400" kern="1200" dirty="0">
+                          <a:solidFill>
+                            <a:schemeClr val="dk1"/>
+                          </a:solidFill>
+                          <a:effectLst/>
+                          <a:latin typeface="+mj-ea"/>
+                          <a:ea typeface="+mj-ea"/>
+                          <a:cs typeface="+mn-cs"/>
+                        </a:rPr>
+                        <a:t>안내를 진행하면서</a:t>
+                      </a:r>
+                      <a:r>
+                        <a:rPr lang="en-US" altLang="ko-KR" sz="1400" kern="1200" dirty="0">
+                          <a:solidFill>
+                            <a:schemeClr val="dk1"/>
+                          </a:solidFill>
+                          <a:effectLst/>
+                          <a:latin typeface="+mj-ea"/>
+                          <a:ea typeface="+mj-ea"/>
+                          <a:cs typeface="+mn-cs"/>
+                        </a:rPr>
+                        <a:t>, </a:t>
+                      </a:r>
+                      <a:r>
+                        <a:rPr lang="ko-KR" altLang="en-US" sz="1400" kern="1200" dirty="0">
+                          <a:solidFill>
+                            <a:schemeClr val="dk1"/>
+                          </a:solidFill>
+                          <a:effectLst/>
+                          <a:latin typeface="+mj-ea"/>
+                          <a:ea typeface="+mj-ea"/>
+                          <a:cs typeface="+mn-cs"/>
+                        </a:rPr>
+                        <a:t>질병관리청에서 내린 지침인 사회적 거리두기의 실천의 진행을 용이하게 하도록 돕는 시스템을 구축한다</a:t>
+                      </a:r>
+                      <a:r>
+                        <a:rPr lang="en-US" altLang="ko-KR" sz="1400" kern="1200" dirty="0">
+                          <a:solidFill>
+                            <a:schemeClr val="dk1"/>
+                          </a:solidFill>
+                          <a:effectLst/>
+                          <a:latin typeface="+mj-ea"/>
+                          <a:ea typeface="+mj-ea"/>
+                          <a:cs typeface="+mn-cs"/>
+                        </a:rPr>
+                        <a:t>.</a:t>
+                      </a:r>
+                      <a:endParaRPr lang="ko-KR" altLang="en-US" sz="1400" kern="1200" dirty="0">
+                        <a:solidFill>
+                          <a:schemeClr val="dk1"/>
+                        </a:solidFill>
+                        <a:effectLst/>
+                        <a:latin typeface="+mj-ea"/>
+                        <a:ea typeface="+mj-ea"/>
+                        <a:cs typeface="+mn-cs"/>
+                      </a:endParaRPr>
                     </a:p>
                   </a:txBody>
                   <a:tcPr anchor="ctr" anchorCtr="1"/>
@@ -8438,7 +8745,7 @@
             </a:r>
             <a:r>
               <a:rPr lang="en-US" altLang="ko-KR" dirty="0"/>
-              <a:t>(2/2)</a:t>
+              <a:t>(2-1/2)</a:t>
             </a:r>
             <a:endParaRPr lang="ko-KR" altLang="en-US" dirty="0"/>
           </a:p>
@@ -8516,10 +8823,153 @@
           </a:p>
         </p:txBody>
       </p:sp>
+      <p:sp>
+        <p:nvSpPr>
+          <p:cNvPr id="4" name="직사각형 3">
+            <a:extLst>
+              <a:ext uri="{FF2B5EF4-FFF2-40B4-BE49-F238E27FC236}">
+                <a16:creationId xmlns:a16="http://schemas.microsoft.com/office/drawing/2014/main" id="{C604FBC6-2228-4680-8969-3621969EFBC8}"/>
+              </a:ext>
+            </a:extLst>
+          </p:cNvPr>
+          <p:cNvSpPr/>
+          <p:nvPr/>
+        </p:nvSpPr>
+        <p:spPr>
+          <a:xfrm>
+            <a:off x="518973" y="1800572"/>
+            <a:ext cx="9523692" cy="1754326"/>
+          </a:xfrm>
+          <a:prstGeom prst="rect">
+            <a:avLst/>
+          </a:prstGeom>
+        </p:spPr>
+        <p:txBody>
+          <a:bodyPr wrap="square">
+            <a:spAutoFit/>
+          </a:bodyPr>
+          <a:lstStyle/>
+          <a:p>
+            <a:pPr fontAlgn="base"/>
+            <a:r>
+              <a:rPr lang="ko-KR" altLang="en-US" b="1" dirty="0"/>
+              <a:t>실시간 대기인원 판단을 진행할 하드웨어 </a:t>
+            </a:r>
+            <a:r>
+              <a:rPr lang="en-US" altLang="ko-KR" b="1" dirty="0"/>
+              <a:t>:</a:t>
+            </a:r>
+          </a:p>
+          <a:p>
+            <a:pPr fontAlgn="base"/>
+            <a:br>
+              <a:rPr lang="ko-KR" altLang="en-US" b="1" dirty="0"/>
+            </a:br>
+            <a:r>
+              <a:rPr lang="ko-KR" altLang="en-US" b="1" dirty="0"/>
+              <a:t> </a:t>
+            </a:r>
+            <a:r>
+              <a:rPr lang="ko-KR" altLang="en-US" b="1" dirty="0" err="1"/>
+              <a:t>라즈베리파이</a:t>
+            </a:r>
+            <a:r>
+              <a:rPr lang="ko-KR" altLang="en-US" b="1" dirty="0"/>
+              <a:t> 또는 </a:t>
+            </a:r>
+            <a:r>
+              <a:rPr lang="ko-KR" altLang="en-US" b="1" dirty="0" err="1"/>
+              <a:t>젯슨나노를</a:t>
+            </a:r>
+            <a:r>
+              <a:rPr lang="ko-KR" altLang="en-US" b="1" dirty="0"/>
+              <a:t> 이용하여</a:t>
+            </a:r>
+            <a:r>
+              <a:rPr lang="en-US" altLang="ko-KR" b="1" dirty="0"/>
+              <a:t>, </a:t>
+            </a:r>
+            <a:r>
+              <a:rPr lang="ko-KR" altLang="en-US" b="1" dirty="0"/>
+              <a:t>실시간으로 받아온</a:t>
+            </a:r>
+            <a:r>
+              <a:rPr lang="en-US" altLang="ko-KR" b="1" dirty="0"/>
+              <a:t>, </a:t>
+            </a:r>
+            <a:r>
+              <a:rPr lang="ko-KR" altLang="en-US" b="1" dirty="0"/>
+              <a:t>영상을 처리하여</a:t>
+            </a:r>
+            <a:r>
+              <a:rPr lang="en-US" altLang="ko-KR" b="1" dirty="0"/>
+              <a:t>,</a:t>
+            </a:r>
+            <a:br>
+              <a:rPr lang="en-US" altLang="ko-KR" b="1" dirty="0"/>
+            </a:br>
+            <a:r>
+              <a:rPr lang="en-US" altLang="ko-KR" b="1" dirty="0"/>
+              <a:t> </a:t>
+            </a:r>
+            <a:r>
+              <a:rPr lang="ko-KR" altLang="en-US" b="1" dirty="0"/>
+              <a:t>현재 특정 광역버스를 탑승하기위해 대기중인 인원을 판별</a:t>
+            </a:r>
+            <a:r>
+              <a:rPr lang="en-US" altLang="ko-KR" b="1" dirty="0"/>
+              <a:t>, </a:t>
+            </a:r>
+            <a:r>
+              <a:rPr lang="ko-KR" altLang="en-US" b="1" dirty="0"/>
+              <a:t>위 인원을 파악한다</a:t>
+            </a:r>
+            <a:r>
+              <a:rPr lang="en-US" altLang="ko-KR" b="1" dirty="0"/>
+              <a:t>.</a:t>
+            </a:r>
+            <a:br>
+              <a:rPr lang="en-US" altLang="ko-KR" b="1" dirty="0"/>
+            </a:br>
+            <a:br>
+              <a:rPr lang="en-US" altLang="ko-KR" b="1" dirty="0"/>
+            </a:br>
+            <a:r>
+              <a:rPr lang="en-US" altLang="ko-KR" b="1" dirty="0"/>
+              <a:t> </a:t>
+            </a:r>
+            <a:r>
+              <a:rPr lang="ko-KR" altLang="en-US" b="1" dirty="0"/>
+              <a:t>다음</a:t>
+            </a:r>
+            <a:r>
+              <a:rPr lang="en-US" altLang="ko-KR" b="1" dirty="0"/>
+              <a:t>, </a:t>
+            </a:r>
+            <a:r>
+              <a:rPr lang="ko-KR" altLang="en-US" b="1" dirty="0"/>
+              <a:t>이렇게 구한 인원들을 클라우드 서버에 전송 함으로서</a:t>
+            </a:r>
+            <a:r>
+              <a:rPr lang="en-US" altLang="ko-KR" b="1" dirty="0"/>
+              <a:t>, </a:t>
+            </a:r>
+            <a:r>
+              <a:rPr lang="ko-KR" altLang="en-US" b="1" dirty="0"/>
+              <a:t>데이터 베이스를 구축한다</a:t>
+            </a:r>
+            <a:r>
+              <a:rPr lang="en-US" altLang="ko-KR" b="1" dirty="0"/>
+              <a:t>.</a:t>
+            </a:r>
+            <a:endParaRPr lang="ko-KR" altLang="en-US" b="1" dirty="0"/>
+          </a:p>
+        </p:txBody>
+      </p:sp>
     </p:spTree>
     <p:extLst>
       <p:ext uri="{BB962C8B-B14F-4D97-AF65-F5344CB8AC3E}">
-        <p14:creationId xmlns:p14="http://schemas.microsoft.com/office/powerpoint/2010/main" val="2786833164"/>
+        <p14:creationId xmlns:p14="http://schemas.microsoft.com/office/powerpoint/2010/main" val="3455221319"/>
       </p:ext>
     </p:extLst>
   </p:cSld>
@@ -8530,6 +8980,789 @@
 </file>
 
 <file path=ppt/slides/slide5.xml><?xml version="1.0" encoding="utf-8"?>
+<p:sld xmlns:a="http://schemas.openxmlformats.org/drawingml/2006/main" xmlns:r="http://schemas.openxmlformats.org/officeDocument/2006/relationships" xmlns:p="http://schemas.openxmlformats.org/presentationml/2006/main">
+  <p:cSld>
+    <p:spTree>
+      <p:nvGrpSpPr>
+        <p:cNvPr id="1" name=""/>
+        <p:cNvGrpSpPr/>
+        <p:nvPr/>
+      </p:nvGrpSpPr>
+      <p:grpSpPr>
+        <a:xfrm>
+          <a:off x="0" y="0"/>
+          <a:ext cx="0" cy="0"/>
+          <a:chOff x="0" y="0"/>
+          <a:chExt cx="0" cy="0"/>
+        </a:xfrm>
+      </p:grpSpPr>
+      <p:sp>
+        <p:nvSpPr>
+          <p:cNvPr id="2" name="텍스트 개체 틀 1"/>
+          <p:cNvSpPr>
+            <a:spLocks noGrp="1"/>
+          </p:cNvSpPr>
+          <p:nvPr>
+            <p:ph type="body" sz="quarter" idx="10"/>
+          </p:nvPr>
+        </p:nvSpPr>
+        <p:spPr/>
+        <p:txBody>
+          <a:bodyPr/>
+          <a:lstStyle/>
+          <a:p>
+            <a:r>
+              <a:rPr lang="ko-KR" altLang="en-US" dirty="0"/>
+              <a:t>과목 목표 및 내용 </a:t>
+            </a:r>
+            <a:r>
+              <a:rPr lang="en-US" altLang="ko-KR" dirty="0"/>
+              <a:t>(2-2/2)</a:t>
+            </a:r>
+            <a:endParaRPr lang="ko-KR" altLang="en-US" dirty="0"/>
+          </a:p>
+        </p:txBody>
+      </p:sp>
+      <p:sp>
+        <p:nvSpPr>
+          <p:cNvPr id="3" name="내용 개체 틀 2"/>
+          <p:cNvSpPr>
+            <a:spLocks noGrp="1"/>
+          </p:cNvSpPr>
+          <p:nvPr>
+            <p:ph sz="quarter" idx="11"/>
+          </p:nvPr>
+        </p:nvSpPr>
+        <p:spPr/>
+        <p:txBody>
+          <a:bodyPr/>
+          <a:lstStyle/>
+          <a:p>
+            <a:pPr marL="0" indent="0">
+              <a:buNone/>
+            </a:pPr>
+            <a:r>
+              <a:rPr lang="ko-KR" altLang="en-US" dirty="0"/>
+              <a:t>  예상 성과물</a:t>
+            </a:r>
+            <a:r>
+              <a:rPr lang="ko-KR" altLang="en-US" dirty="0">
+                <a:solidFill>
+                  <a:schemeClr val="bg1">
+                    <a:lumMod val="50000"/>
+                  </a:schemeClr>
+                </a:solidFill>
+              </a:rPr>
+              <a:t> </a:t>
+            </a:r>
+            <a:r>
+              <a:rPr lang="en-US" altLang="ko-KR" dirty="0">
+                <a:solidFill>
+                  <a:schemeClr val="bg1">
+                    <a:lumMod val="50000"/>
+                  </a:schemeClr>
+                </a:solidFill>
+              </a:rPr>
+              <a:t>(</a:t>
+            </a:r>
+            <a:r>
+              <a:rPr lang="ko-KR" altLang="en-US" dirty="0">
+                <a:solidFill>
+                  <a:schemeClr val="bg1">
+                    <a:lumMod val="50000"/>
+                  </a:schemeClr>
+                </a:solidFill>
+              </a:rPr>
+              <a:t>구체적으로 기술</a:t>
+            </a:r>
+            <a:r>
+              <a:rPr lang="en-US" altLang="ko-KR" dirty="0">
+                <a:solidFill>
+                  <a:schemeClr val="bg1">
+                    <a:lumMod val="50000"/>
+                  </a:schemeClr>
+                </a:solidFill>
+              </a:rPr>
+              <a:t>)</a:t>
+            </a:r>
+            <a:endParaRPr lang="ko-KR" altLang="en-US" dirty="0">
+              <a:solidFill>
+                <a:schemeClr val="bg1">
+                  <a:lumMod val="50000"/>
+                </a:schemeClr>
+              </a:solidFill>
+            </a:endParaRPr>
+          </a:p>
+        </p:txBody>
+      </p:sp>
+      <p:sp>
+        <p:nvSpPr>
+          <p:cNvPr id="4" name="직사각형 3">
+            <a:extLst>
+              <a:ext uri="{FF2B5EF4-FFF2-40B4-BE49-F238E27FC236}">
+                <a16:creationId xmlns:a16="http://schemas.microsoft.com/office/drawing/2014/main" id="{C604FBC6-2228-4680-8969-3621969EFBC8}"/>
+              </a:ext>
+            </a:extLst>
+          </p:cNvPr>
+          <p:cNvSpPr/>
+          <p:nvPr/>
+        </p:nvSpPr>
+        <p:spPr>
+          <a:xfrm>
+            <a:off x="518973" y="1380031"/>
+            <a:ext cx="9523692" cy="4690515"/>
+          </a:xfrm>
+          <a:prstGeom prst="rect">
+            <a:avLst/>
+          </a:prstGeom>
+        </p:spPr>
+        <p:txBody>
+          <a:bodyPr wrap="square">
+            <a:spAutoFit/>
+          </a:bodyPr>
+          <a:lstStyle/>
+          <a:p>
+            <a:pPr algn="just" fontAlgn="base">
+              <a:lnSpc>
+                <a:spcPct val="160000"/>
+              </a:lnSpc>
+              <a:tabLst>
+                <a:tab pos="6111240" algn="r"/>
+              </a:tabLst>
+            </a:pPr>
+            <a:endParaRPr lang="ko-KR" altLang="en-US" b="1" kern="0" dirty="0">
+              <a:solidFill>
+                <a:srgbClr val="000000"/>
+              </a:solidFill>
+              <a:latin typeface="+mj-ea"/>
+              <a:ea typeface="+mj-ea"/>
+            </a:endParaRPr>
+          </a:p>
+          <a:p>
+            <a:pPr fontAlgn="base"/>
+            <a:r>
+              <a:rPr lang="ko-KR" altLang="en-US" b="1" dirty="0"/>
+              <a:t>클라우드 서버 구축 </a:t>
+            </a:r>
+            <a:r>
+              <a:rPr lang="en-US" altLang="ko-KR" b="1" dirty="0"/>
+              <a:t>:</a:t>
+            </a:r>
+          </a:p>
+          <a:p>
+            <a:pPr fontAlgn="base"/>
+            <a:br>
+              <a:rPr lang="ko-KR" altLang="en-US" b="1" dirty="0"/>
+            </a:br>
+            <a:r>
+              <a:rPr lang="ko-KR" altLang="en-US" b="1" dirty="0"/>
+              <a:t> 실시간으로 확인될 각 정류장의 특정 광역버스를 기다리는 인원들을 판별하여</a:t>
+            </a:r>
+            <a:r>
+              <a:rPr lang="en-US" altLang="ko-KR" b="1" dirty="0"/>
+              <a:t>,</a:t>
+            </a:r>
+            <a:br>
+              <a:rPr lang="en-US" altLang="ko-KR" b="1" dirty="0"/>
+            </a:br>
+            <a:r>
+              <a:rPr lang="en-US" altLang="ko-KR" b="1" dirty="0"/>
+              <a:t> </a:t>
+            </a:r>
+            <a:r>
+              <a:rPr lang="ko-KR" altLang="en-US" b="1" dirty="0"/>
+              <a:t>이를 정리할 수가 있도록 데이터 베이스를 만든다</a:t>
+            </a:r>
+            <a:r>
+              <a:rPr lang="en-US" altLang="ko-KR" b="1" dirty="0"/>
+              <a:t>.</a:t>
+            </a:r>
+          </a:p>
+          <a:p>
+            <a:pPr fontAlgn="base"/>
+            <a:endParaRPr lang="en-US" altLang="ko-KR" b="1" dirty="0"/>
+          </a:p>
+          <a:p>
+            <a:pPr fontAlgn="base"/>
+            <a:r>
+              <a:rPr lang="en-US" altLang="ko-KR" b="1" dirty="0"/>
+              <a:t>  </a:t>
+            </a:r>
+            <a:r>
+              <a:rPr lang="ko-KR" altLang="en-US" b="1" dirty="0"/>
+              <a:t>특히나 이때</a:t>
+            </a:r>
+            <a:r>
+              <a:rPr lang="en-US" altLang="ko-KR" b="1" dirty="0"/>
+              <a:t>, </a:t>
+            </a:r>
+            <a:r>
+              <a:rPr lang="ko-KR" altLang="en-US" b="1" dirty="0"/>
+              <a:t>개발하는 데이터 베이스의 경우</a:t>
+            </a:r>
+            <a:r>
+              <a:rPr lang="en-US" altLang="ko-KR" b="1" dirty="0"/>
+              <a:t>,</a:t>
+            </a:r>
+            <a:br>
+              <a:rPr lang="en-US" altLang="ko-KR" b="1" dirty="0"/>
+            </a:br>
+            <a:r>
+              <a:rPr lang="en-US" altLang="ko-KR" b="1" dirty="0"/>
+              <a:t> 1. </a:t>
+            </a:r>
+            <a:r>
+              <a:rPr lang="ko-KR" altLang="en-US" b="1" dirty="0"/>
+              <a:t>실시간으로 사용자에게 전달한 데이터 정보들과</a:t>
+            </a:r>
+            <a:r>
+              <a:rPr lang="en-US" altLang="ko-KR" b="1" dirty="0"/>
+              <a:t>,</a:t>
+            </a:r>
+            <a:br>
+              <a:rPr lang="en-US" altLang="ko-KR" b="1" dirty="0"/>
+            </a:br>
+            <a:r>
+              <a:rPr lang="en-US" altLang="ko-KR" b="1" dirty="0"/>
+              <a:t> 2. </a:t>
+            </a:r>
+            <a:r>
+              <a:rPr lang="ko-KR" altLang="en-US" b="1" dirty="0"/>
+              <a:t>시간을 기준으로 각 정류장에서 보내주는 모든 데이터를 정리할 데이터 베이스</a:t>
+            </a:r>
+            <a:br>
+              <a:rPr lang="en-US" altLang="ko-KR" b="1" dirty="0"/>
+            </a:br>
+            <a:r>
+              <a:rPr lang="ko-KR" altLang="en-US" b="1" dirty="0"/>
+              <a:t> 이렇게 두 개의 데이터 저장공간을 구축하여</a:t>
+            </a:r>
+            <a:r>
+              <a:rPr lang="en-US" altLang="ko-KR" b="1" dirty="0"/>
+              <a:t>,</a:t>
+            </a:r>
+            <a:br>
+              <a:rPr lang="en-US" altLang="ko-KR" b="1" dirty="0"/>
+            </a:br>
+            <a:br>
+              <a:rPr lang="en-US" altLang="ko-KR" b="1" dirty="0"/>
+            </a:br>
+            <a:r>
+              <a:rPr lang="en-US" altLang="ko-KR" b="1" dirty="0"/>
+              <a:t> 1) </a:t>
+            </a:r>
+            <a:r>
+              <a:rPr lang="ko-KR" altLang="en-US" b="1" dirty="0"/>
+              <a:t>하나는 실시간을 사용자에게 정보를 전달 함으로서 더 정확하고</a:t>
+            </a:r>
+            <a:r>
+              <a:rPr lang="en-US" altLang="ko-KR" b="1" dirty="0"/>
+              <a:t>, </a:t>
+            </a:r>
+            <a:r>
+              <a:rPr lang="ko-KR" altLang="en-US" b="1" dirty="0"/>
+              <a:t>더 빠른 경로를 안내할 수가 있도록 돕는 역할을 진행하고</a:t>
+            </a:r>
+            <a:r>
+              <a:rPr lang="en-US" altLang="ko-KR" b="1" dirty="0"/>
+              <a:t>,</a:t>
+            </a:r>
+            <a:br>
+              <a:rPr lang="en-US" altLang="ko-KR" b="1" dirty="0"/>
+            </a:br>
+            <a:r>
+              <a:rPr lang="en-US" altLang="ko-KR" b="1" dirty="0"/>
+              <a:t> 2) </a:t>
+            </a:r>
+            <a:r>
+              <a:rPr lang="ko-KR" altLang="en-US" b="1" dirty="0"/>
+              <a:t>시간을 기준으로 모든 데이터를 저장한 공간에서는 이러한 데이터를 축적하여</a:t>
+            </a:r>
+            <a:r>
+              <a:rPr lang="en-US" altLang="ko-KR" b="1" dirty="0"/>
+              <a:t>,</a:t>
+            </a:r>
+            <a:br>
+              <a:rPr lang="en-US" altLang="ko-KR" b="1" dirty="0"/>
+            </a:br>
+            <a:r>
+              <a:rPr lang="en-US" altLang="ko-KR" b="1" dirty="0"/>
+              <a:t> </a:t>
+            </a:r>
+            <a:r>
+              <a:rPr lang="ko-KR" altLang="en-US" b="1" dirty="0"/>
+              <a:t>빅데이터화를 해</a:t>
+            </a:r>
+            <a:r>
+              <a:rPr lang="en-US" altLang="ko-KR" b="1" dirty="0"/>
+              <a:t>, </a:t>
+            </a:r>
+            <a:r>
+              <a:rPr lang="ko-KR" altLang="en-US" b="1" dirty="0"/>
+              <a:t>결국 실시간으로 파악하지 않더라도</a:t>
+            </a:r>
+            <a:r>
+              <a:rPr lang="en-US" altLang="ko-KR" b="1" dirty="0"/>
+              <a:t>, </a:t>
+            </a:r>
+            <a:r>
+              <a:rPr lang="ko-KR" altLang="en-US" b="1" dirty="0"/>
+              <a:t>어느정도 대기인원의 평균을 알아 봄으로서</a:t>
+            </a:r>
+            <a:r>
+              <a:rPr lang="en-US" altLang="ko-KR" b="1" dirty="0"/>
+              <a:t>, </a:t>
+            </a:r>
+            <a:r>
+              <a:rPr lang="ko-KR" altLang="en-US" b="1" dirty="0"/>
+              <a:t>대기인원 파악의 발전을 준비할 수가 있다</a:t>
+            </a:r>
+            <a:r>
+              <a:rPr lang="en-US" altLang="ko-KR" b="1" dirty="0"/>
+              <a:t>.</a:t>
+            </a:r>
+            <a:endParaRPr lang="ko-KR" altLang="en-US" b="1" dirty="0"/>
+          </a:p>
+        </p:txBody>
+      </p:sp>
+    </p:spTree>
+    <p:extLst>
+      <p:ext uri="{BB962C8B-B14F-4D97-AF65-F5344CB8AC3E}">
+        <p14:creationId xmlns:p14="http://schemas.microsoft.com/office/powerpoint/2010/main" val="503975329"/>
+      </p:ext>
+    </p:extLst>
+  </p:cSld>
+  <p:clrMapOvr>
+    <a:masterClrMapping/>
+  </p:clrMapOvr>
+</p:sld>
+</file>
+
+<file path=ppt/slides/slide6.xml><?xml version="1.0" encoding="utf-8"?>
+<p:sld xmlns:a="http://schemas.openxmlformats.org/drawingml/2006/main" xmlns:r="http://schemas.openxmlformats.org/officeDocument/2006/relationships" xmlns:p="http://schemas.openxmlformats.org/presentationml/2006/main">
+  <p:cSld>
+    <p:spTree>
+      <p:nvGrpSpPr>
+        <p:cNvPr id="1" name=""/>
+        <p:cNvGrpSpPr/>
+        <p:nvPr/>
+      </p:nvGrpSpPr>
+      <p:grpSpPr>
+        <a:xfrm>
+          <a:off x="0" y="0"/>
+          <a:ext cx="0" cy="0"/>
+          <a:chOff x="0" y="0"/>
+          <a:chExt cx="0" cy="0"/>
+        </a:xfrm>
+      </p:grpSpPr>
+      <p:sp>
+        <p:nvSpPr>
+          <p:cNvPr id="2" name="텍스트 개체 틀 1"/>
+          <p:cNvSpPr>
+            <a:spLocks noGrp="1"/>
+          </p:cNvSpPr>
+          <p:nvPr>
+            <p:ph type="body" sz="quarter" idx="10"/>
+          </p:nvPr>
+        </p:nvSpPr>
+        <p:spPr/>
+        <p:txBody>
+          <a:bodyPr/>
+          <a:lstStyle/>
+          <a:p>
+            <a:r>
+              <a:rPr lang="ko-KR" altLang="en-US" dirty="0"/>
+              <a:t>과목 목표 및 내용 </a:t>
+            </a:r>
+            <a:r>
+              <a:rPr lang="en-US" altLang="ko-KR" dirty="0"/>
+              <a:t>(2-3/2)</a:t>
+            </a:r>
+            <a:endParaRPr lang="ko-KR" altLang="en-US" dirty="0"/>
+          </a:p>
+        </p:txBody>
+      </p:sp>
+      <p:sp>
+        <p:nvSpPr>
+          <p:cNvPr id="3" name="내용 개체 틀 2"/>
+          <p:cNvSpPr>
+            <a:spLocks noGrp="1"/>
+          </p:cNvSpPr>
+          <p:nvPr>
+            <p:ph sz="quarter" idx="11"/>
+          </p:nvPr>
+        </p:nvSpPr>
+        <p:spPr/>
+        <p:txBody>
+          <a:bodyPr/>
+          <a:lstStyle/>
+          <a:p>
+            <a:pPr marL="0" indent="0">
+              <a:buNone/>
+            </a:pPr>
+            <a:r>
+              <a:rPr lang="ko-KR" altLang="en-US" dirty="0"/>
+              <a:t>  예상 성과물</a:t>
+            </a:r>
+            <a:r>
+              <a:rPr lang="ko-KR" altLang="en-US" dirty="0">
+                <a:solidFill>
+                  <a:schemeClr val="bg1">
+                    <a:lumMod val="50000"/>
+                  </a:schemeClr>
+                </a:solidFill>
+              </a:rPr>
+              <a:t> </a:t>
+            </a:r>
+            <a:r>
+              <a:rPr lang="en-US" altLang="ko-KR" dirty="0">
+                <a:solidFill>
+                  <a:schemeClr val="bg1">
+                    <a:lumMod val="50000"/>
+                  </a:schemeClr>
+                </a:solidFill>
+              </a:rPr>
+              <a:t>(</a:t>
+            </a:r>
+            <a:r>
+              <a:rPr lang="ko-KR" altLang="en-US" dirty="0">
+                <a:solidFill>
+                  <a:schemeClr val="bg1">
+                    <a:lumMod val="50000"/>
+                  </a:schemeClr>
+                </a:solidFill>
+              </a:rPr>
+              <a:t>구체적으로 기술</a:t>
+            </a:r>
+            <a:r>
+              <a:rPr lang="en-US" altLang="ko-KR" dirty="0">
+                <a:solidFill>
+                  <a:schemeClr val="bg1">
+                    <a:lumMod val="50000"/>
+                  </a:schemeClr>
+                </a:solidFill>
+              </a:rPr>
+              <a:t>)</a:t>
+            </a:r>
+            <a:endParaRPr lang="ko-KR" altLang="en-US" dirty="0">
+              <a:solidFill>
+                <a:schemeClr val="bg1">
+                  <a:lumMod val="50000"/>
+                </a:schemeClr>
+              </a:solidFill>
+            </a:endParaRPr>
+          </a:p>
+        </p:txBody>
+      </p:sp>
+      <p:sp>
+        <p:nvSpPr>
+          <p:cNvPr id="4" name="직사각형 3">
+            <a:extLst>
+              <a:ext uri="{FF2B5EF4-FFF2-40B4-BE49-F238E27FC236}">
+                <a16:creationId xmlns:a16="http://schemas.microsoft.com/office/drawing/2014/main" id="{C604FBC6-2228-4680-8969-3621969EFBC8}"/>
+              </a:ext>
+            </a:extLst>
+          </p:cNvPr>
+          <p:cNvSpPr/>
+          <p:nvPr/>
+        </p:nvSpPr>
+        <p:spPr>
+          <a:xfrm>
+            <a:off x="518973" y="1380031"/>
+            <a:ext cx="9523692" cy="2474524"/>
+          </a:xfrm>
+          <a:prstGeom prst="rect">
+            <a:avLst/>
+          </a:prstGeom>
+        </p:spPr>
+        <p:txBody>
+          <a:bodyPr wrap="square">
+            <a:spAutoFit/>
+          </a:bodyPr>
+          <a:lstStyle/>
+          <a:p>
+            <a:pPr algn="just" fontAlgn="base">
+              <a:lnSpc>
+                <a:spcPct val="160000"/>
+              </a:lnSpc>
+              <a:tabLst>
+                <a:tab pos="6111240" algn="r"/>
+              </a:tabLst>
+            </a:pPr>
+            <a:endParaRPr lang="ko-KR" altLang="en-US" b="1" kern="0" dirty="0">
+              <a:solidFill>
+                <a:srgbClr val="000000"/>
+              </a:solidFill>
+              <a:latin typeface="+mj-ea"/>
+              <a:ea typeface="+mj-ea"/>
+            </a:endParaRPr>
+          </a:p>
+          <a:p>
+            <a:pPr fontAlgn="base"/>
+            <a:r>
+              <a:rPr lang="ko-KR" altLang="en-US" b="1" dirty="0">
+                <a:latin typeface="+mj-ea"/>
+                <a:ea typeface="+mj-ea"/>
+              </a:rPr>
+              <a:t>사용자가 이용할 </a:t>
+            </a:r>
+            <a:r>
+              <a:rPr lang="en-US" altLang="ko-KR" b="1" dirty="0">
+                <a:latin typeface="+mj-ea"/>
+                <a:ea typeface="+mj-ea"/>
+              </a:rPr>
+              <a:t>APP </a:t>
+            </a:r>
+            <a:r>
+              <a:rPr lang="ko-KR" altLang="en-US" b="1" dirty="0">
+                <a:latin typeface="+mj-ea"/>
+                <a:ea typeface="+mj-ea"/>
+              </a:rPr>
+              <a:t>구축 </a:t>
+            </a:r>
+            <a:r>
+              <a:rPr lang="en-US" altLang="ko-KR" b="1" dirty="0">
+                <a:latin typeface="+mj-ea"/>
+                <a:ea typeface="+mj-ea"/>
+              </a:rPr>
+              <a:t>:</a:t>
+            </a:r>
+          </a:p>
+          <a:p>
+            <a:pPr fontAlgn="base"/>
+            <a:br>
+              <a:rPr lang="ko-KR" altLang="en-US" b="1" dirty="0">
+                <a:latin typeface="+mj-ea"/>
+                <a:ea typeface="+mj-ea"/>
+              </a:rPr>
+            </a:br>
+            <a:r>
+              <a:rPr lang="ko-KR" altLang="en-US" b="1" dirty="0">
+                <a:latin typeface="+mj-ea"/>
+                <a:ea typeface="+mj-ea"/>
+              </a:rPr>
+              <a:t> 사용자의 접근성을 활성화 시키기 위하여</a:t>
+            </a:r>
+            <a:r>
+              <a:rPr lang="en-US" altLang="ko-KR" b="1" dirty="0">
+                <a:latin typeface="+mj-ea"/>
+                <a:ea typeface="+mj-ea"/>
+              </a:rPr>
+              <a:t>, </a:t>
+            </a:r>
+            <a:r>
+              <a:rPr lang="ko-KR" altLang="en-US" b="1" dirty="0">
+                <a:latin typeface="+mj-ea"/>
+                <a:ea typeface="+mj-ea"/>
+              </a:rPr>
+              <a:t>안드로이드 </a:t>
+            </a:r>
+            <a:r>
+              <a:rPr lang="en-US" altLang="ko-KR" b="1" dirty="0">
+                <a:latin typeface="+mj-ea"/>
+                <a:ea typeface="+mj-ea"/>
+              </a:rPr>
+              <a:t>APP</a:t>
+            </a:r>
+            <a:r>
+              <a:rPr lang="ko-KR" altLang="en-US" b="1" dirty="0">
+                <a:latin typeface="+mj-ea"/>
+                <a:ea typeface="+mj-ea"/>
+              </a:rPr>
+              <a:t>의 개발을 진행한다</a:t>
+            </a:r>
+            <a:r>
+              <a:rPr lang="en-US" altLang="ko-KR" b="1" dirty="0">
+                <a:latin typeface="+mj-ea"/>
+                <a:ea typeface="+mj-ea"/>
+              </a:rPr>
+              <a:t>.</a:t>
+            </a:r>
+            <a:br>
+              <a:rPr lang="en-US" altLang="ko-KR" b="1" dirty="0">
+                <a:latin typeface="+mj-ea"/>
+                <a:ea typeface="+mj-ea"/>
+              </a:rPr>
+            </a:br>
+            <a:br>
+              <a:rPr lang="en-US" altLang="ko-KR" b="1" dirty="0">
+                <a:latin typeface="+mj-ea"/>
+                <a:ea typeface="+mj-ea"/>
+              </a:rPr>
+            </a:br>
+            <a:r>
+              <a:rPr lang="en-US" altLang="ko-KR" b="1" dirty="0">
+                <a:latin typeface="+mj-ea"/>
+                <a:ea typeface="+mj-ea"/>
+              </a:rPr>
+              <a:t>  </a:t>
+            </a:r>
+            <a:r>
+              <a:rPr lang="ko-KR" altLang="en-US" b="1" dirty="0">
+                <a:latin typeface="+mj-ea"/>
+                <a:ea typeface="+mj-ea"/>
+              </a:rPr>
+              <a:t>이때</a:t>
+            </a:r>
+            <a:r>
+              <a:rPr lang="en-US" altLang="ko-KR" b="1" dirty="0">
+                <a:latin typeface="+mj-ea"/>
+                <a:ea typeface="+mj-ea"/>
+              </a:rPr>
+              <a:t>, </a:t>
+            </a:r>
+            <a:r>
+              <a:rPr lang="ko-KR" altLang="en-US" b="1" dirty="0">
+                <a:latin typeface="+mj-ea"/>
+                <a:ea typeface="+mj-ea"/>
+              </a:rPr>
+              <a:t>각 실시간 노선의 확인을 위해 </a:t>
+            </a:r>
+            <a:r>
+              <a:rPr lang="en-US" altLang="ko-KR" b="1" dirty="0">
+                <a:latin typeface="+mj-ea"/>
+                <a:ea typeface="+mj-ea"/>
+              </a:rPr>
+              <a:t>APP </a:t>
+            </a:r>
+            <a:r>
+              <a:rPr lang="ko-KR" altLang="en-US" b="1" dirty="0">
+                <a:latin typeface="+mj-ea"/>
+                <a:ea typeface="+mj-ea"/>
+              </a:rPr>
+              <a:t>의 </a:t>
+            </a:r>
+            <a:r>
+              <a:rPr lang="en-US" altLang="ko-KR" b="1" dirty="0">
+                <a:latin typeface="+mj-ea"/>
+                <a:ea typeface="+mj-ea"/>
+              </a:rPr>
+              <a:t>UI</a:t>
+            </a:r>
+            <a:r>
+              <a:rPr lang="ko-KR" altLang="en-US" b="1" dirty="0">
+                <a:latin typeface="+mj-ea"/>
+                <a:ea typeface="+mj-ea"/>
+              </a:rPr>
+              <a:t>분야를 집중하면서</a:t>
+            </a:r>
+            <a:r>
+              <a:rPr lang="en-US" altLang="ko-KR" b="1" dirty="0">
+                <a:latin typeface="+mj-ea"/>
+                <a:ea typeface="+mj-ea"/>
+              </a:rPr>
+              <a:t>, APP</a:t>
+            </a:r>
+            <a:r>
+              <a:rPr lang="ko-KR" altLang="en-US" b="1" dirty="0">
+                <a:latin typeface="+mj-ea"/>
+                <a:ea typeface="+mj-ea"/>
+              </a:rPr>
+              <a:t>을 개발한다</a:t>
+            </a:r>
+            <a:r>
+              <a:rPr lang="en-US" altLang="ko-KR" b="1" dirty="0">
+                <a:latin typeface="+mj-ea"/>
+                <a:ea typeface="+mj-ea"/>
+              </a:rPr>
+              <a:t>.</a:t>
+            </a:r>
+            <a:br>
+              <a:rPr lang="en-US" altLang="ko-KR" b="1" dirty="0">
+                <a:latin typeface="+mj-ea"/>
+                <a:ea typeface="+mj-ea"/>
+              </a:rPr>
+            </a:br>
+            <a:r>
+              <a:rPr lang="en-US" altLang="ko-KR" b="1" dirty="0">
+                <a:latin typeface="+mj-ea"/>
+                <a:ea typeface="+mj-ea"/>
+              </a:rPr>
+              <a:t> </a:t>
+            </a:r>
+            <a:r>
+              <a:rPr lang="ko-KR" altLang="en-US" b="1" dirty="0">
+                <a:latin typeface="+mj-ea"/>
+                <a:ea typeface="+mj-ea"/>
+              </a:rPr>
+              <a:t>동시에 이용자의 사용 편리성을 위해 이용의 안내 설명을 제공 함으로서</a:t>
+            </a:r>
+            <a:r>
+              <a:rPr lang="en-US" altLang="ko-KR" b="1" dirty="0">
+                <a:latin typeface="+mj-ea"/>
+                <a:ea typeface="+mj-ea"/>
+              </a:rPr>
+              <a:t>, </a:t>
+            </a:r>
+            <a:r>
+              <a:rPr lang="ko-KR" altLang="en-US" b="1" dirty="0">
+                <a:latin typeface="+mj-ea"/>
+                <a:ea typeface="+mj-ea"/>
+              </a:rPr>
+              <a:t>이용자의 편리성</a:t>
+            </a:r>
+            <a:br>
+              <a:rPr lang="en-US" altLang="ko-KR" b="1" dirty="0">
+                <a:latin typeface="+mj-ea"/>
+                <a:ea typeface="+mj-ea"/>
+              </a:rPr>
+            </a:br>
+            <a:r>
+              <a:rPr lang="en-US" altLang="ko-KR" b="1" dirty="0">
+                <a:latin typeface="+mj-ea"/>
+                <a:ea typeface="+mj-ea"/>
+              </a:rPr>
+              <a:t> </a:t>
+            </a:r>
+            <a:r>
+              <a:rPr lang="ko-KR" altLang="en-US" b="1" dirty="0">
+                <a:latin typeface="+mj-ea"/>
+                <a:ea typeface="+mj-ea"/>
+              </a:rPr>
+              <a:t>증대를 통한</a:t>
+            </a:r>
+            <a:r>
+              <a:rPr lang="en-US" altLang="ko-KR" b="1" dirty="0">
+                <a:latin typeface="+mj-ea"/>
+                <a:ea typeface="+mj-ea"/>
+              </a:rPr>
+              <a:t> </a:t>
+            </a:r>
+            <a:r>
+              <a:rPr lang="ko-KR" altLang="en-US" b="1" dirty="0">
+                <a:latin typeface="+mj-ea"/>
+                <a:ea typeface="+mj-ea"/>
+              </a:rPr>
+              <a:t>위 프로젝트가 실제 효과를 나타낼 수 있도록 진행한다</a:t>
+            </a:r>
+            <a:r>
+              <a:rPr lang="en-US" altLang="ko-KR" b="1" dirty="0">
+                <a:latin typeface="+mj-ea"/>
+                <a:ea typeface="+mj-ea"/>
+              </a:rPr>
+              <a:t>. </a:t>
+            </a:r>
+            <a:endParaRPr lang="ko-KR" altLang="en-US" b="1" dirty="0">
+              <a:latin typeface="+mj-ea"/>
+              <a:ea typeface="+mj-ea"/>
+            </a:endParaRPr>
+          </a:p>
+        </p:txBody>
+      </p:sp>
+    </p:spTree>
+    <p:extLst>
+      <p:ext uri="{BB962C8B-B14F-4D97-AF65-F5344CB8AC3E}">
+        <p14:creationId xmlns:p14="http://schemas.microsoft.com/office/powerpoint/2010/main" val="798045928"/>
+      </p:ext>
+    </p:extLst>
+  </p:cSld>
+  <p:clrMapOvr>
+    <a:masterClrMapping/>
+  </p:clrMapOvr>
+</p:sld>
+</file>
+
+<file path=ppt/slides/slide7.xml><?xml version="1.0" encoding="utf-8"?>
 <p:sld xmlns:a="http://schemas.openxmlformats.org/drawingml/2006/main" xmlns:r="http://schemas.openxmlformats.org/officeDocument/2006/relationships" xmlns:p="http://schemas.openxmlformats.org/presentationml/2006/main">
   <p:cSld>
     <p:spTree>
@@ -8953,7 +10186,7 @@
 </p:sld>
 </file>
 
-<file path=ppt/slides/slide6.xml><?xml version="1.0" encoding="utf-8"?>
+<file path=ppt/slides/slide8.xml><?xml version="1.0" encoding="utf-8"?>
 <p:sld xmlns:a="http://schemas.openxmlformats.org/drawingml/2006/main" xmlns:r="http://schemas.openxmlformats.org/officeDocument/2006/relationships" xmlns:p="http://schemas.openxmlformats.org/presentationml/2006/main">
   <p:cSld>
     <p:spTree>
@@ -9014,14 +10247,14 @@
             <p:ph sz="quarter" idx="11"/>
             <p:extLst>
               <p:ext uri="{D42A27DB-BD31-4B8C-83A1-F6EECF244321}">
-                <p14:modId xmlns:p14="http://schemas.microsoft.com/office/powerpoint/2010/main" val="920618822"/>
+                <p14:modId xmlns:p14="http://schemas.microsoft.com/office/powerpoint/2010/main" val="246771124"/>
               </p:ext>
             </p:extLst>
           </p:nvPr>
         </p:nvGraphicFramePr>
         <p:xfrm>
           <a:off x="293688" y="720724"/>
-          <a:ext cx="9915524" cy="5172048"/>
+          <a:ext cx="9915524" cy="4744248"/>
         </p:xfrm>
         <a:graphic>
           <a:graphicData uri="http://schemas.openxmlformats.org/drawingml/2006/table">
@@ -9168,7 +10401,7 @@
                     <a:p>
                       <a:pPr algn="ctr" latinLnBrk="1"/>
                       <a:r>
-                        <a:rPr lang="ko-KR" altLang="en-US" dirty="0"/>
+                        <a:rPr lang="ko-KR" altLang="en-US" b="1" dirty="0"/>
                         <a:t>김우진</a:t>
                       </a:r>
                     </a:p>
@@ -9194,8 +10427,462 @@
                     <a:bodyPr/>
                     <a:lstStyle/>
                     <a:p>
+                      <a:pPr fontAlgn="base" latinLnBrk="0"/>
+                      <a:r>
+                        <a:rPr lang="en-US" altLang="ko-KR" sz="1600" kern="1200" dirty="0">
+                          <a:solidFill>
+                            <a:schemeClr val="dk1"/>
+                          </a:solidFill>
+                          <a:effectLst/>
+                          <a:latin typeface="+mn-lt"/>
+                          <a:ea typeface="+mn-ea"/>
+                          <a:cs typeface="+mn-cs"/>
+                        </a:rPr>
+                        <a:t>· </a:t>
+                      </a:r>
+                      <a:r>
+                        <a:rPr lang="ko-KR" altLang="en-US" sz="1600" kern="1200" dirty="0">
+                          <a:solidFill>
+                            <a:schemeClr val="dk1"/>
+                          </a:solidFill>
+                          <a:effectLst/>
+                          <a:latin typeface="+mn-lt"/>
+                          <a:ea typeface="+mn-ea"/>
+                          <a:cs typeface="+mn-cs"/>
+                        </a:rPr>
+                        <a:t>대기인원을 판단과</a:t>
+                      </a:r>
+                      <a:r>
+                        <a:rPr lang="en-US" altLang="ko-KR" sz="1600" kern="1200" dirty="0">
+                          <a:solidFill>
+                            <a:schemeClr val="dk1"/>
+                          </a:solidFill>
+                          <a:effectLst/>
+                          <a:latin typeface="+mn-lt"/>
+                          <a:ea typeface="+mn-ea"/>
+                          <a:cs typeface="+mn-cs"/>
+                        </a:rPr>
+                        <a:t>, </a:t>
+                      </a:r>
+                      <a:r>
+                        <a:rPr lang="ko-KR" altLang="en-US" sz="1600" kern="1200" dirty="0">
+                          <a:solidFill>
+                            <a:schemeClr val="dk1"/>
+                          </a:solidFill>
+                          <a:effectLst/>
+                          <a:latin typeface="+mn-lt"/>
+                          <a:ea typeface="+mn-ea"/>
+                          <a:cs typeface="+mn-cs"/>
+                        </a:rPr>
+                        <a:t>그 데이터 전송을 위한</a:t>
+                      </a:r>
+                      <a:r>
+                        <a:rPr lang="en-US" altLang="ko-KR" sz="1600" kern="1200" dirty="0">
+                          <a:solidFill>
+                            <a:schemeClr val="dk1"/>
+                          </a:solidFill>
+                          <a:effectLst/>
+                          <a:latin typeface="+mn-lt"/>
+                          <a:ea typeface="+mn-ea"/>
+                          <a:cs typeface="+mn-cs"/>
+                        </a:rPr>
+                        <a:t>, </a:t>
+                      </a:r>
+                      <a:r>
+                        <a:rPr lang="ko-KR" altLang="en-US" sz="1600" kern="1200" dirty="0" err="1">
+                          <a:solidFill>
+                            <a:schemeClr val="dk1"/>
+                          </a:solidFill>
+                          <a:effectLst/>
+                          <a:latin typeface="+mn-lt"/>
+                          <a:ea typeface="+mn-ea"/>
+                          <a:cs typeface="+mn-cs"/>
+                        </a:rPr>
+                        <a:t>하드웨어을</a:t>
+                      </a:r>
+                      <a:r>
+                        <a:rPr lang="ko-KR" altLang="en-US" sz="1600" kern="1200" dirty="0">
+                          <a:solidFill>
+                            <a:schemeClr val="dk1"/>
+                          </a:solidFill>
+                          <a:effectLst/>
+                          <a:latin typeface="+mn-lt"/>
+                          <a:ea typeface="+mn-ea"/>
+                          <a:cs typeface="+mn-cs"/>
+                        </a:rPr>
+                        <a:t> 제작한다</a:t>
+                      </a:r>
+                      <a:r>
+                        <a:rPr lang="en-US" altLang="ko-KR" sz="1600" kern="1200" dirty="0">
+                          <a:solidFill>
+                            <a:schemeClr val="dk1"/>
+                          </a:solidFill>
+                          <a:effectLst/>
+                          <a:latin typeface="+mn-lt"/>
+                          <a:ea typeface="+mn-ea"/>
+                          <a:cs typeface="+mn-cs"/>
+                        </a:rPr>
+                        <a:t>.</a:t>
+                      </a:r>
+                      <a:endParaRPr lang="ko-KR" altLang="en-US" sz="1600" kern="1200" dirty="0">
+                        <a:solidFill>
+                          <a:schemeClr val="dk1"/>
+                        </a:solidFill>
+                        <a:effectLst/>
+                        <a:latin typeface="+mn-lt"/>
+                        <a:ea typeface="+mn-ea"/>
+                        <a:cs typeface="+mn-cs"/>
+                      </a:endParaRPr>
+                    </a:p>
+                    <a:p>
+                      <a:pPr fontAlgn="base" latinLnBrk="0"/>
+                      <a:r>
+                        <a:rPr lang="en-US" altLang="ko-KR" sz="1600" kern="1200" dirty="0">
+                          <a:solidFill>
+                            <a:schemeClr val="dk1"/>
+                          </a:solidFill>
+                          <a:effectLst/>
+                          <a:latin typeface="+mn-lt"/>
+                          <a:ea typeface="+mn-ea"/>
+                          <a:cs typeface="+mn-cs"/>
+                        </a:rPr>
+                        <a:t>· APP </a:t>
+                      </a:r>
+                      <a:r>
+                        <a:rPr lang="ko-KR" altLang="en-US" sz="1600" kern="1200" dirty="0">
+                          <a:solidFill>
+                            <a:schemeClr val="dk1"/>
+                          </a:solidFill>
+                          <a:effectLst/>
+                          <a:latin typeface="+mn-lt"/>
+                          <a:ea typeface="+mn-ea"/>
+                          <a:cs typeface="+mn-cs"/>
+                        </a:rPr>
+                        <a:t>개발 함으로서 이용자들에게 실시간 버스정보에 대한 더 나은 경로 판단을 제시한다</a:t>
+                      </a:r>
+                      <a:r>
+                        <a:rPr lang="en-US" altLang="ko-KR" sz="1600" kern="1200" dirty="0">
+                          <a:solidFill>
+                            <a:schemeClr val="dk1"/>
+                          </a:solidFill>
+                          <a:effectLst/>
+                          <a:latin typeface="+mn-lt"/>
+                          <a:ea typeface="+mn-ea"/>
+                          <a:cs typeface="+mn-cs"/>
+                        </a:rPr>
+                        <a:t>.</a:t>
+                      </a:r>
+                      <a:endParaRPr lang="ko-KR" altLang="en-US" sz="1600" kern="1200" dirty="0">
+                        <a:solidFill>
+                          <a:schemeClr val="dk1"/>
+                        </a:solidFill>
+                        <a:effectLst/>
+                        <a:latin typeface="+mn-lt"/>
+                        <a:ea typeface="+mn-ea"/>
+                        <a:cs typeface="+mn-cs"/>
+                      </a:endParaRPr>
+                    </a:p>
+                    <a:p>
+                      <a:pPr fontAlgn="base" latinLnBrk="0"/>
+                      <a:r>
+                        <a:rPr lang="ko-KR" altLang="en-US" sz="1600" kern="1200" dirty="0">
+                          <a:solidFill>
+                            <a:schemeClr val="dk1"/>
+                          </a:solidFill>
+                          <a:effectLst/>
+                          <a:latin typeface="+mn-lt"/>
+                          <a:ea typeface="+mn-ea"/>
+                          <a:cs typeface="+mn-cs"/>
+                        </a:rPr>
+                        <a:t>동시에 </a:t>
+                      </a:r>
+                      <a:r>
+                        <a:rPr lang="en-US" altLang="ko-KR" sz="1600" kern="1200" dirty="0">
+                          <a:solidFill>
+                            <a:schemeClr val="dk1"/>
+                          </a:solidFill>
+                          <a:effectLst/>
+                          <a:latin typeface="+mn-lt"/>
+                          <a:ea typeface="+mn-ea"/>
+                          <a:cs typeface="+mn-cs"/>
+                        </a:rPr>
+                        <a:t>UI </a:t>
+                      </a:r>
+                      <a:r>
+                        <a:rPr lang="ko-KR" altLang="en-US" sz="1600" kern="1200" dirty="0">
+                          <a:solidFill>
+                            <a:schemeClr val="dk1"/>
+                          </a:solidFill>
+                          <a:effectLst/>
+                          <a:latin typeface="+mn-lt"/>
+                          <a:ea typeface="+mn-ea"/>
+                          <a:cs typeface="+mn-cs"/>
+                        </a:rPr>
+                        <a:t>디자인을 정리 함으로서</a:t>
+                      </a:r>
+                      <a:r>
+                        <a:rPr lang="en-US" altLang="ko-KR" sz="1600" kern="1200" dirty="0">
+                          <a:solidFill>
+                            <a:schemeClr val="dk1"/>
+                          </a:solidFill>
+                          <a:effectLst/>
+                          <a:latin typeface="+mn-lt"/>
+                          <a:ea typeface="+mn-ea"/>
+                          <a:cs typeface="+mn-cs"/>
+                        </a:rPr>
+                        <a:t>, </a:t>
+                      </a:r>
+                      <a:r>
+                        <a:rPr lang="ko-KR" altLang="en-US" sz="1600" kern="1200" dirty="0">
+                          <a:solidFill>
+                            <a:schemeClr val="dk1"/>
+                          </a:solidFill>
+                          <a:effectLst/>
+                          <a:latin typeface="+mn-lt"/>
+                          <a:ea typeface="+mn-ea"/>
+                          <a:cs typeface="+mn-cs"/>
+                        </a:rPr>
+                        <a:t>이용자들의 접근성과</a:t>
+                      </a:r>
+                      <a:r>
+                        <a:rPr lang="en-US" altLang="ko-KR" sz="1600" kern="1200" dirty="0">
+                          <a:solidFill>
+                            <a:schemeClr val="dk1"/>
+                          </a:solidFill>
+                          <a:effectLst/>
+                          <a:latin typeface="+mn-lt"/>
+                          <a:ea typeface="+mn-ea"/>
+                          <a:cs typeface="+mn-cs"/>
+                        </a:rPr>
+                        <a:t>, </a:t>
+                      </a:r>
+                      <a:r>
+                        <a:rPr lang="ko-KR" altLang="en-US" sz="1600" kern="1200" dirty="0">
+                          <a:solidFill>
+                            <a:schemeClr val="dk1"/>
+                          </a:solidFill>
+                          <a:effectLst/>
+                          <a:latin typeface="+mn-lt"/>
+                          <a:ea typeface="+mn-ea"/>
+                          <a:cs typeface="+mn-cs"/>
+                        </a:rPr>
+                        <a:t>사용의 편리함을 증대 시킨다</a:t>
+                      </a:r>
+                      <a:r>
+                        <a:rPr lang="en-US" altLang="ko-KR" sz="1600" kern="1200" dirty="0">
+                          <a:solidFill>
+                            <a:schemeClr val="dk1"/>
+                          </a:solidFill>
+                          <a:effectLst/>
+                          <a:latin typeface="+mn-lt"/>
+                          <a:ea typeface="+mn-ea"/>
+                          <a:cs typeface="+mn-cs"/>
+                        </a:rPr>
+                        <a:t>.</a:t>
+                      </a:r>
+                      <a:endParaRPr lang="ko-KR" altLang="en-US" sz="1600" kern="1200" dirty="0">
+                        <a:solidFill>
+                          <a:schemeClr val="dk1"/>
+                        </a:solidFill>
+                        <a:effectLst/>
+                        <a:latin typeface="+mn-lt"/>
+                        <a:ea typeface="+mn-ea"/>
+                        <a:cs typeface="+mn-cs"/>
+                      </a:endParaRPr>
+                    </a:p>
+                  </a:txBody>
+                  <a:tcPr anchor="ctr" anchorCtr="1"/>
+                </a:tc>
+                <a:tc>
+                  <a:txBody>
+                    <a:bodyPr/>
+                    <a:lstStyle/>
+                    <a:p>
+                      <a:pPr fontAlgn="base" latinLnBrk="0"/>
+                      <a:r>
+                        <a:rPr lang="ko-KR" altLang="en-US" sz="1600" kern="1200" dirty="0">
+                          <a:solidFill>
+                            <a:schemeClr val="dk1"/>
+                          </a:solidFill>
+                          <a:effectLst/>
+                          <a:latin typeface="+mn-lt"/>
+                          <a:ea typeface="+mn-ea"/>
+                          <a:cs typeface="+mn-cs"/>
+                        </a:rPr>
+                        <a:t>실시간으로 대기인원을 판단할 하드웨어</a:t>
+                      </a:r>
+                    </a:p>
+                    <a:p>
+                      <a:pPr fontAlgn="base" latinLnBrk="0"/>
+                      <a:r>
+                        <a:rPr lang="en-US" altLang="ko-KR" sz="1600" kern="1200" dirty="0">
+                          <a:solidFill>
+                            <a:schemeClr val="dk1"/>
+                          </a:solidFill>
+                          <a:effectLst/>
+                          <a:latin typeface="+mn-lt"/>
+                          <a:ea typeface="+mn-ea"/>
+                          <a:cs typeface="+mn-cs"/>
+                        </a:rPr>
+                        <a:t>(</a:t>
+                      </a:r>
+                      <a:r>
+                        <a:rPr lang="ko-KR" altLang="en-US" sz="1600" kern="1200" dirty="0">
+                          <a:solidFill>
+                            <a:schemeClr val="dk1"/>
+                          </a:solidFill>
+                          <a:effectLst/>
+                          <a:latin typeface="+mn-lt"/>
+                          <a:ea typeface="+mn-ea"/>
+                          <a:cs typeface="+mn-cs"/>
+                        </a:rPr>
+                        <a:t>카메라 모듈</a:t>
+                      </a:r>
+                      <a:r>
+                        <a:rPr lang="en-US" altLang="ko-KR" sz="1600" kern="1200" dirty="0">
+                          <a:solidFill>
+                            <a:schemeClr val="dk1"/>
+                          </a:solidFill>
+                          <a:effectLst/>
+                          <a:latin typeface="+mn-lt"/>
+                          <a:ea typeface="+mn-ea"/>
+                          <a:cs typeface="+mn-cs"/>
+                        </a:rPr>
+                        <a:t>, </a:t>
+                      </a:r>
+                      <a:r>
+                        <a:rPr lang="ko-KR" altLang="en-US" sz="1600" kern="1200" dirty="0" err="1">
+                          <a:solidFill>
+                            <a:schemeClr val="dk1"/>
+                          </a:solidFill>
+                          <a:effectLst/>
+                          <a:latin typeface="+mn-lt"/>
+                          <a:ea typeface="+mn-ea"/>
+                          <a:cs typeface="+mn-cs"/>
+                        </a:rPr>
+                        <a:t>라즈베리파이</a:t>
+                      </a:r>
+                      <a:r>
+                        <a:rPr lang="ko-KR" altLang="en-US" sz="1600" kern="1200" dirty="0">
+                          <a:solidFill>
+                            <a:schemeClr val="dk1"/>
+                          </a:solidFill>
+                          <a:effectLst/>
+                          <a:latin typeface="+mn-lt"/>
+                          <a:ea typeface="+mn-ea"/>
+                          <a:cs typeface="+mn-cs"/>
+                        </a:rPr>
+                        <a:t> </a:t>
+                      </a:r>
+                    </a:p>
+                    <a:p>
+                      <a:pPr fontAlgn="base" latinLnBrk="0"/>
+                      <a:r>
+                        <a:rPr lang="ko-KR" altLang="en-US" sz="1600" kern="1200" dirty="0">
+                          <a:solidFill>
+                            <a:schemeClr val="dk1"/>
+                          </a:solidFill>
+                          <a:effectLst/>
+                          <a:latin typeface="+mn-lt"/>
+                          <a:ea typeface="+mn-ea"/>
+                          <a:cs typeface="+mn-cs"/>
+                        </a:rPr>
+                        <a:t>또는 </a:t>
+                      </a:r>
+                      <a:r>
+                        <a:rPr lang="ko-KR" altLang="en-US" sz="1600" kern="1200" dirty="0" err="1">
+                          <a:solidFill>
+                            <a:schemeClr val="dk1"/>
+                          </a:solidFill>
+                          <a:effectLst/>
+                          <a:latin typeface="+mn-lt"/>
+                          <a:ea typeface="+mn-ea"/>
+                          <a:cs typeface="+mn-cs"/>
+                        </a:rPr>
+                        <a:t>젯슨나노</a:t>
+                      </a:r>
+                      <a:r>
+                        <a:rPr lang="en-US" altLang="ko-KR" sz="1600" kern="1200" dirty="0">
+                          <a:solidFill>
+                            <a:schemeClr val="dk1"/>
+                          </a:solidFill>
+                          <a:effectLst/>
+                          <a:latin typeface="+mn-lt"/>
+                          <a:ea typeface="+mn-ea"/>
+                          <a:cs typeface="+mn-cs"/>
+                        </a:rPr>
+                        <a:t>) ,</a:t>
+                      </a:r>
+                      <a:endParaRPr lang="ko-KR" altLang="en-US" sz="1600" kern="1200" dirty="0">
+                        <a:solidFill>
+                          <a:schemeClr val="dk1"/>
+                        </a:solidFill>
+                        <a:effectLst/>
+                        <a:latin typeface="+mn-lt"/>
+                        <a:ea typeface="+mn-ea"/>
+                        <a:cs typeface="+mn-cs"/>
+                      </a:endParaRPr>
+                    </a:p>
+                    <a:p>
+                      <a:pPr fontAlgn="base" latinLnBrk="0"/>
+                      <a:r>
+                        <a:rPr lang="en-US" altLang="ko-KR" sz="1600" kern="1200" dirty="0">
+                          <a:solidFill>
+                            <a:schemeClr val="dk1"/>
+                          </a:solidFill>
+                          <a:effectLst/>
+                          <a:latin typeface="+mn-lt"/>
+                          <a:ea typeface="+mn-ea"/>
+                          <a:cs typeface="+mn-cs"/>
+                        </a:rPr>
+                        <a:t>Android APP</a:t>
+                      </a:r>
+                    </a:p>
+                    <a:p>
+                      <a:pPr fontAlgn="base" latinLnBrk="0"/>
+                      <a:r>
+                        <a:rPr lang="en-US" altLang="ko-KR" sz="1600" kern="1200" dirty="0">
+                          <a:solidFill>
+                            <a:schemeClr val="dk1"/>
+                          </a:solidFill>
+                          <a:effectLst/>
+                          <a:latin typeface="+mn-lt"/>
+                          <a:ea typeface="+mn-ea"/>
+                          <a:cs typeface="+mn-cs"/>
+                        </a:rPr>
+                        <a:t>AWS IOT</a:t>
+                      </a:r>
+                      <a:endParaRPr lang="ko-KR" altLang="en-US" sz="1600" kern="1200" dirty="0">
+                        <a:solidFill>
+                          <a:schemeClr val="dk1"/>
+                        </a:solidFill>
+                        <a:effectLst/>
+                        <a:latin typeface="+mn-lt"/>
+                        <a:ea typeface="+mn-ea"/>
+                        <a:cs typeface="+mn-cs"/>
+                      </a:endParaRPr>
+                    </a:p>
+                  </a:txBody>
+                  <a:tcPr anchor="ctr" anchorCtr="1"/>
+                </a:tc>
+                <a:extLst>
+                  <a:ext uri="{0D108BD9-81ED-4DB2-BD59-A6C34878D82A}">
+                    <a16:rowId xmlns:a16="http://schemas.microsoft.com/office/drawing/2014/main" val="854343323"/>
+                  </a:ext>
+                </a:extLst>
+              </a:tr>
+              <a:tr h="1004073">
+                <a:tc>
+                  <a:txBody>
+                    <a:bodyPr/>
+                    <a:lstStyle/>
+                    <a:p>
                       <a:pPr algn="ctr" latinLnBrk="1"/>
-                      <a:endParaRPr lang="ko-KR" altLang="en-US" dirty="0"/>
+                      <a:r>
+                        <a:rPr lang="ko-KR" altLang="en-US" b="1" dirty="0" err="1"/>
+                        <a:t>이채민</a:t>
+                      </a:r>
+                      <a:endParaRPr lang="ko-KR" altLang="en-US" b="1" dirty="0"/>
                     </a:p>
                   </a:txBody>
                   <a:tcPr anchor="ctr" anchorCtr="1"/>
@@ -9206,29 +10893,10 @@
                     <a:lstStyle/>
                     <a:p>
                       <a:pPr algn="ctr" latinLnBrk="1"/>
-                      <a:endParaRPr lang="ko-KR" altLang="en-US" dirty="0"/>
-                    </a:p>
-                  </a:txBody>
-                  <a:tcPr anchor="ctr" anchorCtr="1"/>
-                </a:tc>
-                <a:extLst>
-                  <a:ext uri="{0D108BD9-81ED-4DB2-BD59-A6C34878D82A}">
-                    <a16:rowId xmlns:a16="http://schemas.microsoft.com/office/drawing/2014/main" val="854343323"/>
-                  </a:ext>
-                </a:extLst>
-              </a:tr>
-              <a:tr h="2226120">
-                <a:tc>
-                  <a:txBody>
-                    <a:bodyPr/>
-                    <a:lstStyle/>
-                    <a:p>
-                      <a:pPr algn="ctr" latinLnBrk="1"/>
-                      <a:r>
-                        <a:rPr lang="ko-KR" altLang="en-US" dirty="0" err="1"/>
-                        <a:t>이채민</a:t>
-                      </a:r>
-                      <a:endParaRPr lang="ko-KR" altLang="en-US" dirty="0"/>
+                      <a:r>
+                        <a:rPr lang="ko-KR" altLang="en-US" dirty="0"/>
+                        <a:t>팀원</a:t>
+                      </a:r>
                     </a:p>
                   </a:txBody>
                   <a:tcPr anchor="ctr" anchorCtr="1"/>
@@ -9238,11 +10906,460 @@
                     <a:bodyPr/>
                     <a:lstStyle/>
                     <a:p>
-                      <a:pPr algn="ctr" latinLnBrk="1"/>
-                      <a:r>
-                        <a:rPr lang="ko-KR" altLang="en-US" dirty="0"/>
-                        <a:t>팀원</a:t>
-                      </a:r>
+                      <a:pPr fontAlgn="base" latinLnBrk="0"/>
+                      <a:r>
+                        <a:rPr lang="en-US" altLang="ko-KR" sz="1600" kern="1200" dirty="0">
+                          <a:solidFill>
+                            <a:schemeClr val="dk1"/>
+                          </a:solidFill>
+                          <a:effectLst/>
+                          <a:latin typeface="+mn-lt"/>
+                          <a:ea typeface="+mn-ea"/>
+                          <a:cs typeface="+mn-cs"/>
+                        </a:rPr>
+                        <a:t>· </a:t>
+                      </a:r>
+                      <a:r>
+                        <a:rPr lang="ko-KR" altLang="en-US" sz="1600" kern="1200" dirty="0">
+                          <a:solidFill>
+                            <a:schemeClr val="dk1"/>
+                          </a:solidFill>
+                          <a:effectLst/>
+                          <a:latin typeface="+mn-lt"/>
+                          <a:ea typeface="+mn-ea"/>
+                          <a:cs typeface="+mn-cs"/>
+                        </a:rPr>
+                        <a:t>실시간 대기인원의 데이터를 제공하고</a:t>
+                      </a:r>
+                      <a:r>
+                        <a:rPr lang="en-US" altLang="ko-KR" sz="1600" kern="1200" dirty="0">
+                          <a:solidFill>
+                            <a:schemeClr val="dk1"/>
+                          </a:solidFill>
+                          <a:effectLst/>
+                          <a:latin typeface="+mn-lt"/>
+                          <a:ea typeface="+mn-ea"/>
+                          <a:cs typeface="+mn-cs"/>
+                        </a:rPr>
+                        <a:t>, APP</a:t>
+                      </a:r>
+                      <a:r>
+                        <a:rPr lang="ko-KR" altLang="en-US" sz="1600" kern="1200" dirty="0">
+                          <a:solidFill>
+                            <a:schemeClr val="dk1"/>
+                          </a:solidFill>
+                          <a:effectLst/>
+                          <a:latin typeface="+mn-lt"/>
+                          <a:ea typeface="+mn-ea"/>
+                          <a:cs typeface="+mn-cs"/>
+                        </a:rPr>
+                        <a:t>으로 전달하기위한</a:t>
+                      </a:r>
+                      <a:r>
+                        <a:rPr lang="en-US" altLang="ko-KR" sz="1600" kern="1200" dirty="0">
+                          <a:solidFill>
+                            <a:schemeClr val="dk1"/>
+                          </a:solidFill>
+                          <a:effectLst/>
+                          <a:latin typeface="+mn-lt"/>
+                          <a:ea typeface="+mn-ea"/>
+                          <a:cs typeface="+mn-cs"/>
+                        </a:rPr>
+                        <a:t>, </a:t>
+                      </a:r>
+                      <a:r>
+                        <a:rPr lang="ko-KR" altLang="en-US" sz="1600" kern="1200" dirty="0">
+                          <a:solidFill>
+                            <a:schemeClr val="dk1"/>
+                          </a:solidFill>
+                          <a:effectLst/>
+                          <a:latin typeface="+mn-lt"/>
+                          <a:ea typeface="+mn-ea"/>
+                          <a:cs typeface="+mn-cs"/>
+                        </a:rPr>
+                        <a:t>서버를 제작한다</a:t>
+                      </a:r>
+                      <a:r>
+                        <a:rPr lang="en-US" altLang="ko-KR" sz="1600" kern="1200" dirty="0">
+                          <a:solidFill>
+                            <a:schemeClr val="dk1"/>
+                          </a:solidFill>
+                          <a:effectLst/>
+                          <a:latin typeface="+mn-lt"/>
+                          <a:ea typeface="+mn-ea"/>
+                          <a:cs typeface="+mn-cs"/>
+                        </a:rPr>
+                        <a:t>.</a:t>
+                      </a:r>
+                      <a:endParaRPr lang="ko-KR" altLang="en-US" sz="1600" kern="1200" dirty="0">
+                        <a:solidFill>
+                          <a:schemeClr val="dk1"/>
+                        </a:solidFill>
+                        <a:effectLst/>
+                        <a:latin typeface="+mn-lt"/>
+                        <a:ea typeface="+mn-ea"/>
+                        <a:cs typeface="+mn-cs"/>
+                      </a:endParaRPr>
+                    </a:p>
+                    <a:p>
+                      <a:pPr fontAlgn="base" latinLnBrk="0"/>
+                      <a:r>
+                        <a:rPr lang="en-US" altLang="ko-KR" sz="1600" kern="1200" dirty="0">
+                          <a:solidFill>
+                            <a:schemeClr val="dk1"/>
+                          </a:solidFill>
+                          <a:effectLst/>
+                          <a:latin typeface="+mn-lt"/>
+                          <a:ea typeface="+mn-ea"/>
+                          <a:cs typeface="+mn-cs"/>
+                        </a:rPr>
+                        <a:t>· </a:t>
+                      </a:r>
+                      <a:r>
+                        <a:rPr lang="ko-KR" altLang="en-US" sz="1600" kern="1200" dirty="0">
+                          <a:solidFill>
+                            <a:schemeClr val="dk1"/>
+                          </a:solidFill>
+                          <a:effectLst/>
+                          <a:latin typeface="+mn-lt"/>
+                          <a:ea typeface="+mn-ea"/>
+                          <a:cs typeface="+mn-cs"/>
+                        </a:rPr>
+                        <a:t>공공 </a:t>
+                      </a:r>
+                      <a:r>
+                        <a:rPr lang="en-US" altLang="ko-KR" sz="1600" kern="1200" dirty="0">
+                          <a:solidFill>
+                            <a:schemeClr val="dk1"/>
+                          </a:solidFill>
+                          <a:effectLst/>
+                          <a:latin typeface="+mn-lt"/>
+                          <a:ea typeface="+mn-ea"/>
+                          <a:cs typeface="+mn-cs"/>
+                        </a:rPr>
+                        <a:t>API</a:t>
+                      </a:r>
+                      <a:r>
+                        <a:rPr lang="ko-KR" altLang="en-US" sz="1600" kern="1200" dirty="0">
+                          <a:solidFill>
+                            <a:schemeClr val="dk1"/>
+                          </a:solidFill>
+                          <a:effectLst/>
+                          <a:latin typeface="+mn-lt"/>
+                          <a:ea typeface="+mn-ea"/>
+                          <a:cs typeface="+mn-cs"/>
+                        </a:rPr>
+                        <a:t>를 이용한</a:t>
+                      </a:r>
+                      <a:r>
+                        <a:rPr lang="en-US" altLang="ko-KR" sz="1600" kern="1200" dirty="0">
+                          <a:solidFill>
+                            <a:schemeClr val="dk1"/>
+                          </a:solidFill>
+                          <a:effectLst/>
+                          <a:latin typeface="+mn-lt"/>
+                          <a:ea typeface="+mn-ea"/>
+                          <a:cs typeface="+mn-cs"/>
+                        </a:rPr>
+                        <a:t>, </a:t>
+                      </a:r>
+                      <a:r>
+                        <a:rPr lang="ko-KR" altLang="en-US" sz="1600" kern="1200" dirty="0">
+                          <a:solidFill>
+                            <a:schemeClr val="dk1"/>
+                          </a:solidFill>
+                          <a:effectLst/>
+                          <a:latin typeface="+mn-lt"/>
+                          <a:ea typeface="+mn-ea"/>
+                          <a:cs typeface="+mn-cs"/>
+                        </a:rPr>
+                        <a:t>실시간 버스현황 자료전달을 진행하고</a:t>
+                      </a:r>
+                      <a:r>
+                        <a:rPr lang="en-US" altLang="ko-KR" sz="1600" kern="1200" dirty="0">
+                          <a:solidFill>
+                            <a:schemeClr val="dk1"/>
+                          </a:solidFill>
+                          <a:effectLst/>
+                          <a:latin typeface="+mn-lt"/>
+                          <a:ea typeface="+mn-ea"/>
+                          <a:cs typeface="+mn-cs"/>
+                        </a:rPr>
+                        <a:t>, </a:t>
+                      </a:r>
+                      <a:r>
+                        <a:rPr lang="ko-KR" altLang="en-US" sz="1600" kern="1200" dirty="0">
+                          <a:solidFill>
+                            <a:schemeClr val="dk1"/>
+                          </a:solidFill>
+                          <a:effectLst/>
+                          <a:latin typeface="+mn-lt"/>
+                          <a:ea typeface="+mn-ea"/>
+                          <a:cs typeface="+mn-cs"/>
+                        </a:rPr>
+                        <a:t>이를 </a:t>
+                      </a:r>
+                      <a:r>
+                        <a:rPr lang="en-US" altLang="ko-KR" sz="1600" kern="1200" dirty="0">
+                          <a:solidFill>
+                            <a:schemeClr val="dk1"/>
+                          </a:solidFill>
+                          <a:effectLst/>
+                          <a:latin typeface="+mn-lt"/>
+                          <a:ea typeface="+mn-ea"/>
+                          <a:cs typeface="+mn-cs"/>
+                        </a:rPr>
+                        <a:t>APP</a:t>
+                      </a:r>
+                      <a:r>
+                        <a:rPr lang="ko-KR" altLang="en-US" sz="1600" kern="1200" dirty="0">
+                          <a:solidFill>
+                            <a:schemeClr val="dk1"/>
+                          </a:solidFill>
+                          <a:effectLst/>
+                          <a:latin typeface="+mn-lt"/>
+                          <a:ea typeface="+mn-ea"/>
+                          <a:cs typeface="+mn-cs"/>
+                        </a:rPr>
+                        <a:t>으로 </a:t>
+                      </a:r>
+                      <a:r>
+                        <a:rPr lang="ko-KR" altLang="en-US" sz="1600" kern="1200" dirty="0" err="1">
+                          <a:solidFill>
+                            <a:schemeClr val="dk1"/>
+                          </a:solidFill>
+                          <a:effectLst/>
+                          <a:latin typeface="+mn-lt"/>
+                          <a:ea typeface="+mn-ea"/>
+                          <a:cs typeface="+mn-cs"/>
+                        </a:rPr>
+                        <a:t>시각화하는</a:t>
+                      </a:r>
+                      <a:r>
+                        <a:rPr lang="ko-KR" altLang="en-US" sz="1600" kern="1200" dirty="0">
+                          <a:solidFill>
+                            <a:schemeClr val="dk1"/>
+                          </a:solidFill>
+                          <a:effectLst/>
+                          <a:latin typeface="+mn-lt"/>
+                          <a:ea typeface="+mn-ea"/>
+                          <a:cs typeface="+mn-cs"/>
+                        </a:rPr>
+                        <a:t> </a:t>
+                      </a:r>
+                      <a:r>
+                        <a:rPr lang="en-US" altLang="ko-KR" sz="1600" kern="1200" dirty="0">
+                          <a:solidFill>
+                            <a:schemeClr val="dk1"/>
+                          </a:solidFill>
+                          <a:effectLst/>
+                          <a:latin typeface="+mn-lt"/>
+                          <a:ea typeface="+mn-ea"/>
+                          <a:cs typeface="+mn-cs"/>
+                        </a:rPr>
+                        <a:t>UI </a:t>
+                      </a:r>
+                      <a:r>
+                        <a:rPr lang="ko-KR" altLang="en-US" sz="1600" kern="1200" dirty="0">
+                          <a:solidFill>
+                            <a:schemeClr val="dk1"/>
+                          </a:solidFill>
+                          <a:effectLst/>
+                          <a:latin typeface="+mn-lt"/>
+                          <a:ea typeface="+mn-ea"/>
+                          <a:cs typeface="+mn-cs"/>
+                        </a:rPr>
+                        <a:t>제작을 제작한다</a:t>
+                      </a:r>
+                      <a:r>
+                        <a:rPr lang="en-US" altLang="ko-KR" sz="1600" kern="1200" dirty="0">
+                          <a:solidFill>
+                            <a:schemeClr val="dk1"/>
+                          </a:solidFill>
+                          <a:effectLst/>
+                          <a:latin typeface="+mn-lt"/>
+                          <a:ea typeface="+mn-ea"/>
+                          <a:cs typeface="+mn-cs"/>
+                        </a:rPr>
+                        <a:t>.</a:t>
+                      </a:r>
+                      <a:endParaRPr lang="ko-KR" altLang="en-US" sz="1600" kern="1200" dirty="0">
+                        <a:solidFill>
+                          <a:schemeClr val="dk1"/>
+                        </a:solidFill>
+                        <a:effectLst/>
+                        <a:latin typeface="+mn-lt"/>
+                        <a:ea typeface="+mn-ea"/>
+                        <a:cs typeface="+mn-cs"/>
+                      </a:endParaRPr>
+                    </a:p>
+                    <a:p>
+                      <a:pPr fontAlgn="base" latinLnBrk="0"/>
+                      <a:r>
+                        <a:rPr lang="en-US" altLang="ko-KR" sz="1600" kern="1200" dirty="0">
+                          <a:solidFill>
+                            <a:schemeClr val="dk1"/>
+                          </a:solidFill>
+                          <a:effectLst/>
+                          <a:latin typeface="+mn-lt"/>
+                          <a:ea typeface="+mn-ea"/>
+                          <a:cs typeface="+mn-cs"/>
+                        </a:rPr>
+                        <a:t>· </a:t>
+                      </a:r>
+                      <a:r>
+                        <a:rPr lang="ko-KR" altLang="en-US" sz="1600" kern="1200" dirty="0">
+                          <a:solidFill>
+                            <a:schemeClr val="dk1"/>
+                          </a:solidFill>
+                          <a:effectLst/>
+                          <a:latin typeface="+mn-lt"/>
+                          <a:ea typeface="+mn-ea"/>
+                          <a:cs typeface="+mn-cs"/>
+                        </a:rPr>
+                        <a:t>받은 공공 </a:t>
+                      </a:r>
+                      <a:r>
+                        <a:rPr lang="en-US" altLang="ko-KR" sz="1600" kern="1200" dirty="0">
+                          <a:solidFill>
+                            <a:schemeClr val="dk1"/>
+                          </a:solidFill>
+                          <a:effectLst/>
+                          <a:latin typeface="+mn-lt"/>
+                          <a:ea typeface="+mn-ea"/>
+                          <a:cs typeface="+mn-cs"/>
+                        </a:rPr>
+                        <a:t>API</a:t>
+                      </a:r>
+                      <a:r>
+                        <a:rPr lang="ko-KR" altLang="en-US" sz="1600" kern="1200" dirty="0">
+                          <a:solidFill>
+                            <a:schemeClr val="dk1"/>
+                          </a:solidFill>
+                          <a:effectLst/>
+                          <a:latin typeface="+mn-lt"/>
+                          <a:ea typeface="+mn-ea"/>
+                          <a:cs typeface="+mn-cs"/>
+                        </a:rPr>
+                        <a:t>와 서버를 통해 구축한 데이터 베이스의 자료를 바탕으로</a:t>
+                      </a:r>
+                      <a:r>
+                        <a:rPr lang="en-US" altLang="ko-KR" sz="1600" kern="1200" dirty="0">
+                          <a:solidFill>
+                            <a:schemeClr val="dk1"/>
+                          </a:solidFill>
+                          <a:effectLst/>
+                          <a:latin typeface="+mn-lt"/>
+                          <a:ea typeface="+mn-ea"/>
+                          <a:cs typeface="+mn-cs"/>
+                        </a:rPr>
+                        <a:t>, </a:t>
+                      </a:r>
+                      <a:r>
+                        <a:rPr lang="ko-KR" altLang="en-US" sz="1600" kern="1200" dirty="0">
+                          <a:solidFill>
+                            <a:schemeClr val="dk1"/>
+                          </a:solidFill>
+                          <a:effectLst/>
+                          <a:latin typeface="+mn-lt"/>
+                          <a:ea typeface="+mn-ea"/>
+                          <a:cs typeface="+mn-cs"/>
+                        </a:rPr>
+                        <a:t>예상 버스 탑승시간을 연산하고</a:t>
+                      </a:r>
+                      <a:r>
+                        <a:rPr lang="en-US" altLang="ko-KR" sz="1600" kern="1200" dirty="0">
+                          <a:solidFill>
+                            <a:schemeClr val="dk1"/>
+                          </a:solidFill>
+                          <a:effectLst/>
+                          <a:latin typeface="+mn-lt"/>
+                          <a:ea typeface="+mn-ea"/>
+                          <a:cs typeface="+mn-cs"/>
+                        </a:rPr>
+                        <a:t>, </a:t>
+                      </a:r>
+                      <a:r>
+                        <a:rPr lang="ko-KR" altLang="en-US" sz="1600" kern="1200" dirty="0">
+                          <a:solidFill>
+                            <a:schemeClr val="dk1"/>
+                          </a:solidFill>
+                          <a:effectLst/>
+                          <a:latin typeface="+mn-lt"/>
+                          <a:ea typeface="+mn-ea"/>
+                          <a:cs typeface="+mn-cs"/>
+                        </a:rPr>
+                        <a:t>더 나아가</a:t>
+                      </a:r>
+                      <a:r>
+                        <a:rPr lang="en-US" altLang="ko-KR" sz="1600" kern="1200" dirty="0">
+                          <a:solidFill>
+                            <a:schemeClr val="dk1"/>
+                          </a:solidFill>
+                          <a:effectLst/>
+                          <a:latin typeface="+mn-lt"/>
+                          <a:ea typeface="+mn-ea"/>
+                          <a:cs typeface="+mn-cs"/>
+                        </a:rPr>
+                        <a:t>, </a:t>
+                      </a:r>
+                      <a:r>
+                        <a:rPr lang="ko-KR" altLang="en-US" sz="1600" kern="1200" dirty="0">
+                          <a:solidFill>
+                            <a:schemeClr val="dk1"/>
+                          </a:solidFill>
+                          <a:effectLst/>
+                          <a:latin typeface="+mn-lt"/>
+                          <a:ea typeface="+mn-ea"/>
+                          <a:cs typeface="+mn-cs"/>
+                        </a:rPr>
+                        <a:t>더 나은 경로 예측을 진행 </a:t>
+                      </a:r>
+                      <a:r>
+                        <a:rPr lang="ko-KR" altLang="en-US" sz="1600" kern="1200" dirty="0" err="1">
+                          <a:solidFill>
+                            <a:schemeClr val="dk1"/>
+                          </a:solidFill>
+                          <a:effectLst/>
+                          <a:latin typeface="+mn-lt"/>
+                          <a:ea typeface="+mn-ea"/>
+                          <a:cs typeface="+mn-cs"/>
+                        </a:rPr>
+                        <a:t>할수</a:t>
+                      </a:r>
+                      <a:r>
+                        <a:rPr lang="ko-KR" altLang="en-US" sz="1600" kern="1200" dirty="0">
+                          <a:solidFill>
+                            <a:schemeClr val="dk1"/>
+                          </a:solidFill>
+                          <a:effectLst/>
+                          <a:latin typeface="+mn-lt"/>
+                          <a:ea typeface="+mn-ea"/>
+                          <a:cs typeface="+mn-cs"/>
+                        </a:rPr>
+                        <a:t> 있도록 돕는다</a:t>
+                      </a:r>
+                      <a:r>
+                        <a:rPr lang="en-US" altLang="ko-KR" sz="1600" kern="1200" dirty="0">
+                          <a:solidFill>
+                            <a:schemeClr val="dk1"/>
+                          </a:solidFill>
+                          <a:effectLst/>
+                          <a:latin typeface="+mn-lt"/>
+                          <a:ea typeface="+mn-ea"/>
+                          <a:cs typeface="+mn-cs"/>
+                        </a:rPr>
+                        <a:t>.</a:t>
+                      </a:r>
+                      <a:endParaRPr lang="ko-KR" altLang="en-US" sz="1600" kern="1200" dirty="0">
+                        <a:solidFill>
+                          <a:schemeClr val="dk1"/>
+                        </a:solidFill>
+                        <a:effectLst/>
+                        <a:latin typeface="+mn-lt"/>
+                        <a:ea typeface="+mn-ea"/>
+                        <a:cs typeface="+mn-cs"/>
+                      </a:endParaRPr>
                     </a:p>
                   </a:txBody>
                   <a:tcPr anchor="ctr" anchorCtr="1"/>
@@ -9252,19 +11369,64 @@
                     <a:bodyPr/>
                     <a:lstStyle/>
                     <a:p>
-                      <a:pPr algn="ctr" latinLnBrk="1"/>
-                      <a:endParaRPr lang="ko-KR" altLang="en-US" dirty="0"/>
+                      <a:pPr fontAlgn="ctr" latinLnBrk="0"/>
+                      <a:r>
+                        <a:rPr lang="en-US" altLang="ko-KR" sz="1600" kern="1200" dirty="0">
+                          <a:solidFill>
+                            <a:schemeClr val="dk1"/>
+                          </a:solidFill>
+                          <a:effectLst/>
+                          <a:latin typeface="+mn-lt"/>
+                          <a:ea typeface="+mn-ea"/>
+                          <a:cs typeface="+mn-cs"/>
+                        </a:rPr>
+                        <a:t>Android APP</a:t>
+                      </a:r>
                     </a:p>
-                  </a:txBody>
-                  <a:tcPr anchor="ctr" anchorCtr="1"/>
-                </a:tc>
-                <a:tc>
-                  <a:txBody>
-                    <a:bodyPr/>
-                    <a:lstStyle/>
                     <a:p>
-                      <a:pPr algn="ctr" latinLnBrk="1"/>
-                      <a:endParaRPr lang="ko-KR" altLang="en-US" dirty="0"/>
+                      <a:pPr fontAlgn="ctr" latinLnBrk="0"/>
+                      <a:r>
+                        <a:rPr lang="en-US" altLang="ko-KR" sz="1600" kern="1200" dirty="0">
+                          <a:solidFill>
+                            <a:schemeClr val="dk1"/>
+                          </a:solidFill>
+                          <a:effectLst/>
+                          <a:latin typeface="+mn-lt"/>
+                          <a:ea typeface="+mn-ea"/>
+                          <a:cs typeface="+mn-cs"/>
+                        </a:rPr>
+                        <a:t>AWS Lambda</a:t>
+                      </a:r>
+                    </a:p>
+                    <a:p>
+                      <a:pPr fontAlgn="ctr" latinLnBrk="0"/>
+                      <a:r>
+                        <a:rPr lang="en-US" altLang="ko-KR" sz="1600" kern="1200" dirty="0">
+                          <a:solidFill>
+                            <a:schemeClr val="dk1"/>
+                          </a:solidFill>
+                          <a:effectLst/>
+                          <a:latin typeface="+mn-lt"/>
+                          <a:ea typeface="+mn-ea"/>
+                          <a:cs typeface="+mn-cs"/>
+                        </a:rPr>
+                        <a:t>AWS API Gateway</a:t>
+                      </a:r>
+                    </a:p>
+                    <a:p>
+                      <a:pPr fontAlgn="ctr" latinLnBrk="0"/>
+                      <a:r>
+                        <a:rPr lang="en-US" altLang="ko-KR" sz="1600" kern="1200" dirty="0">
+                          <a:solidFill>
+                            <a:schemeClr val="dk1"/>
+                          </a:solidFill>
+                          <a:effectLst/>
+                          <a:latin typeface="+mn-lt"/>
+                          <a:ea typeface="+mn-ea"/>
+                          <a:cs typeface="+mn-cs"/>
+                        </a:rPr>
+                        <a:t>AWS DynamoDB</a:t>
+                      </a:r>
                     </a:p>
                   </a:txBody>
                   <a:tcPr anchor="ctr" anchorCtr="1"/>
@@ -9283,206 +11445,6 @@
     <p:extLst>
       <p:ext uri="{BB962C8B-B14F-4D97-AF65-F5344CB8AC3E}">
         <p14:creationId xmlns:p14="http://schemas.microsoft.com/office/powerpoint/2010/main" val="3854097086"/>
-      </p:ext>
-    </p:extLst>
-  </p:cSld>
-  <p:clrMapOvr>
-    <a:masterClrMapping/>
-  </p:clrMapOvr>
-</p:sld>
-</file>
-
-<file path=ppt/slides/slide7.xml><?xml version="1.0" encoding="utf-8"?>
-<p:sld xmlns:a="http://schemas.openxmlformats.org/drawingml/2006/main" xmlns:r="http://schemas.openxmlformats.org/officeDocument/2006/relationships" xmlns:p="http://schemas.openxmlformats.org/presentationml/2006/main">
-  <p:cSld>
-    <p:spTree>
-      <p:nvGrpSpPr>
-        <p:cNvPr id="1" name=""/>
-        <p:cNvGrpSpPr/>
-        <p:nvPr/>
-      </p:nvGrpSpPr>
-      <p:grpSpPr>
-        <a:xfrm>
-          <a:off x="0" y="0"/>
-          <a:ext cx="0" cy="0"/>
-          <a:chOff x="0" y="0"/>
-          <a:chExt cx="0" cy="0"/>
-        </a:xfrm>
-      </p:grpSpPr>
-      <p:sp>
-        <p:nvSpPr>
-          <p:cNvPr id="2" name="텍스트 개체 틀 1">
-            <a:extLst>
-              <a:ext uri="{FF2B5EF4-FFF2-40B4-BE49-F238E27FC236}">
-                <a16:creationId xmlns:a16="http://schemas.microsoft.com/office/drawing/2014/main" id="{E045F529-ED27-4C61-9AC7-F61264904570}"/>
-              </a:ext>
-            </a:extLst>
-          </p:cNvPr>
-          <p:cNvSpPr>
-            <a:spLocks noGrp="1"/>
-          </p:cNvSpPr>
-          <p:nvPr>
-            <p:ph type="body" sz="quarter" idx="10"/>
-          </p:nvPr>
-        </p:nvSpPr>
-        <p:spPr/>
-        <p:txBody>
-          <a:bodyPr/>
-          <a:lstStyle/>
-          <a:p>
-            <a:r>
-              <a:rPr lang="en-US" altLang="ko-KR" dirty="0"/>
-              <a:t>(</a:t>
-            </a:r>
-            <a:r>
-              <a:rPr lang="ko-KR" altLang="en-US" dirty="0"/>
-              <a:t>현재 기준</a:t>
-            </a:r>
-            <a:r>
-              <a:rPr lang="en-US" altLang="ko-KR" dirty="0"/>
-              <a:t>) </a:t>
-            </a:r>
-            <a:r>
-              <a:rPr lang="ko-KR" altLang="en-US" dirty="0"/>
-              <a:t>주요 연구 결과 및 성과물 </a:t>
-            </a:r>
-            <a:r>
-              <a:rPr lang="en-US" altLang="ko-KR" dirty="0"/>
-              <a:t>(1/3)</a:t>
-            </a:r>
-            <a:endParaRPr lang="ko-KR" altLang="en-US" dirty="0"/>
-          </a:p>
-        </p:txBody>
-      </p:sp>
-      <p:sp>
-        <p:nvSpPr>
-          <p:cNvPr id="3" name="내용 개체 틀 2">
-            <a:extLst>
-              <a:ext uri="{FF2B5EF4-FFF2-40B4-BE49-F238E27FC236}">
-                <a16:creationId xmlns:a16="http://schemas.microsoft.com/office/drawing/2014/main" id="{D1754C20-79A3-4CBA-8B0D-FB0BED952E5A}"/>
-              </a:ext>
-            </a:extLst>
-          </p:cNvPr>
-          <p:cNvSpPr>
-            <a:spLocks noGrp="1"/>
-          </p:cNvSpPr>
-          <p:nvPr>
-            <p:ph sz="quarter" idx="11"/>
-          </p:nvPr>
-        </p:nvSpPr>
-        <p:spPr/>
-        <p:txBody>
-          <a:bodyPr/>
-          <a:lstStyle/>
-          <a:p>
-            <a:endParaRPr lang="ko-KR" altLang="en-US"/>
-          </a:p>
-        </p:txBody>
-      </p:sp>
-    </p:spTree>
-    <p:extLst>
-      <p:ext uri="{BB962C8B-B14F-4D97-AF65-F5344CB8AC3E}">
-        <p14:creationId xmlns:p14="http://schemas.microsoft.com/office/powerpoint/2010/main" val="1335587087"/>
-      </p:ext>
-    </p:extLst>
-  </p:cSld>
-  <p:clrMapOvr>
-    <a:masterClrMapping/>
-  </p:clrMapOvr>
-</p:sld>
-</file>
-
-<file path=ppt/slides/slide8.xml><?xml version="1.0" encoding="utf-8"?>
-<p:sld xmlns:a="http://schemas.openxmlformats.org/drawingml/2006/main" xmlns:r="http://schemas.openxmlformats.org/officeDocument/2006/relationships" xmlns:p="http://schemas.openxmlformats.org/presentationml/2006/main">
-  <p:cSld>
-    <p:spTree>
-      <p:nvGrpSpPr>
-        <p:cNvPr id="1" name=""/>
-        <p:cNvGrpSpPr/>
-        <p:nvPr/>
-      </p:nvGrpSpPr>
-      <p:grpSpPr>
-        <a:xfrm>
-          <a:off x="0" y="0"/>
-          <a:ext cx="0" cy="0"/>
-          <a:chOff x="0" y="0"/>
-          <a:chExt cx="0" cy="0"/>
-        </a:xfrm>
-      </p:grpSpPr>
-      <p:sp>
-        <p:nvSpPr>
-          <p:cNvPr id="2" name="텍스트 개체 틀 1">
-            <a:extLst>
-              <a:ext uri="{FF2B5EF4-FFF2-40B4-BE49-F238E27FC236}">
-                <a16:creationId xmlns:a16="http://schemas.microsoft.com/office/drawing/2014/main" id="{E045F529-ED27-4C61-9AC7-F61264904570}"/>
-              </a:ext>
-            </a:extLst>
-          </p:cNvPr>
-          <p:cNvSpPr>
-            <a:spLocks noGrp="1"/>
-          </p:cNvSpPr>
-          <p:nvPr>
-            <p:ph type="body" sz="quarter" idx="10"/>
-          </p:nvPr>
-        </p:nvSpPr>
-        <p:spPr/>
-        <p:txBody>
-          <a:bodyPr/>
-          <a:lstStyle/>
-          <a:p>
-            <a:r>
-              <a:rPr lang="en-US" altLang="ko-KR" dirty="0"/>
-              <a:t>(</a:t>
-            </a:r>
-            <a:r>
-              <a:rPr lang="ko-KR" altLang="en-US" dirty="0"/>
-              <a:t>현재 기준</a:t>
-            </a:r>
-            <a:r>
-              <a:rPr lang="en-US" altLang="ko-KR" dirty="0"/>
-              <a:t>) </a:t>
-            </a:r>
-            <a:r>
-              <a:rPr lang="ko-KR" altLang="en-US" dirty="0"/>
-              <a:t>주요 연구 결과 및 성과물 </a:t>
-            </a:r>
-            <a:r>
-              <a:rPr lang="en-US" altLang="ko-KR" dirty="0"/>
-              <a:t>(2/3)</a:t>
-            </a:r>
-            <a:endParaRPr lang="ko-KR" altLang="en-US" dirty="0"/>
-          </a:p>
-        </p:txBody>
-      </p:sp>
-      <p:sp>
-        <p:nvSpPr>
-          <p:cNvPr id="3" name="내용 개체 틀 2">
-            <a:extLst>
-              <a:ext uri="{FF2B5EF4-FFF2-40B4-BE49-F238E27FC236}">
-                <a16:creationId xmlns:a16="http://schemas.microsoft.com/office/drawing/2014/main" id="{D1754C20-79A3-4CBA-8B0D-FB0BED952E5A}"/>
-              </a:ext>
-            </a:extLst>
-          </p:cNvPr>
-          <p:cNvSpPr>
-            <a:spLocks noGrp="1"/>
-          </p:cNvSpPr>
-          <p:nvPr>
-            <p:ph sz="quarter" idx="11"/>
-          </p:nvPr>
-        </p:nvSpPr>
-        <p:spPr/>
-        <p:txBody>
-          <a:bodyPr/>
-          <a:lstStyle/>
-          <a:p>
-            <a:endParaRPr lang="ko-KR" altLang="en-US"/>
-          </a:p>
-        </p:txBody>
-      </p:sp>
-    </p:spTree>
-    <p:extLst>
-      <p:ext uri="{BB962C8B-B14F-4D97-AF65-F5344CB8AC3E}">
-        <p14:creationId xmlns:p14="http://schemas.microsoft.com/office/powerpoint/2010/main" val="3474892286"/>
       </p:ext>
     </p:extLst>
   </p:cSld>
@@ -9548,7 +11510,7 @@
             </a:r>
             <a:r>
               <a:rPr lang="en-US" altLang="ko-KR" dirty="0"/>
-              <a:t>(3/3)</a:t>
+              <a:t>(1/3)</a:t>
             </a:r>
             <a:endParaRPr lang="ko-KR" altLang="en-US" dirty="0"/>
           </a:p>
@@ -9582,7 +11544,7 @@
     </p:spTree>
     <p:extLst>
       <p:ext uri="{BB962C8B-B14F-4D97-AF65-F5344CB8AC3E}">
-        <p14:creationId xmlns:p14="http://schemas.microsoft.com/office/powerpoint/2010/main" val="1592590535"/>
+        <p14:creationId xmlns:p14="http://schemas.microsoft.com/office/powerpoint/2010/main" val="1335587087"/>
       </p:ext>
     </p:extLst>
   </p:cSld>

--- a/공학설계 자료/공학설계_중간보고_발표자료(양식).pptx
+++ b/공학설계 자료/공학설계_중간보고_발표자료(양식).pptx
@@ -10247,14 +10247,14 @@
             <p:ph sz="quarter" idx="11"/>
             <p:extLst>
               <p:ext uri="{D42A27DB-BD31-4B8C-83A1-F6EECF244321}">
-                <p14:modId xmlns:p14="http://schemas.microsoft.com/office/powerpoint/2010/main" val="246771124"/>
+                <p14:modId xmlns:p14="http://schemas.microsoft.com/office/powerpoint/2010/main" val="2765005856"/>
               </p:ext>
             </p:extLst>
           </p:nvPr>
         </p:nvGraphicFramePr>
         <p:xfrm>
           <a:off x="293688" y="720724"/>
-          <a:ext cx="9915524" cy="4744248"/>
+          <a:ext cx="9915524" cy="4804128"/>
         </p:xfrm>
         <a:graphic>
           <a:graphicData uri="http://schemas.openxmlformats.org/drawingml/2006/table">
@@ -10523,6 +10523,120 @@
                           <a:cs typeface="+mn-cs"/>
                         </a:rPr>
                         <a:t>.</a:t>
+                      </a:r>
+                    </a:p>
+                    <a:p>
+                      <a:pPr fontAlgn="base" latinLnBrk="0"/>
+                      <a:r>
+                        <a:rPr lang="en-US" altLang="ko-KR" sz="1600" kern="1200" dirty="0">
+                          <a:solidFill>
+                            <a:schemeClr val="dk1"/>
+                          </a:solidFill>
+                          <a:effectLst/>
+                          <a:latin typeface="+mn-lt"/>
+                          <a:ea typeface="+mn-ea"/>
+                          <a:cs typeface="+mn-cs"/>
+                        </a:rPr>
+                        <a:t>· </a:t>
+                      </a:r>
+                      <a:r>
+                        <a:rPr lang="ko-KR" altLang="en-US" sz="1600" kern="1200" dirty="0">
+                          <a:solidFill>
+                            <a:schemeClr val="dk1"/>
+                          </a:solidFill>
+                          <a:effectLst/>
+                          <a:latin typeface="+mn-lt"/>
+                          <a:ea typeface="+mn-ea"/>
+                          <a:cs typeface="+mn-cs"/>
+                        </a:rPr>
+                        <a:t>대기인원을 판단할 때 이용하는 알고리즘을 제작한다</a:t>
+                      </a:r>
+                      <a:r>
+                        <a:rPr lang="en-US" altLang="ko-KR" sz="1600" kern="1200" dirty="0">
+                          <a:solidFill>
+                            <a:schemeClr val="dk1"/>
+                          </a:solidFill>
+                          <a:effectLst/>
+                          <a:latin typeface="+mn-lt"/>
+                          <a:ea typeface="+mn-ea"/>
+                          <a:cs typeface="+mn-cs"/>
+                        </a:rPr>
+                        <a:t>.</a:t>
+                      </a:r>
+                    </a:p>
+                    <a:p>
+                      <a:pPr fontAlgn="base" latinLnBrk="0"/>
+                      <a:r>
+                        <a:rPr lang="en-US" altLang="ko-KR" sz="1600" kern="1200" dirty="0">
+                          <a:solidFill>
+                            <a:schemeClr val="dk1"/>
+                          </a:solidFill>
+                          <a:effectLst/>
+                          <a:latin typeface="+mn-lt"/>
+                          <a:ea typeface="+mn-ea"/>
+                          <a:cs typeface="+mn-cs"/>
+                        </a:rPr>
+                        <a:t>· </a:t>
+                      </a:r>
+                      <a:r>
+                        <a:rPr lang="ko-KR" altLang="en-US" sz="1600" kern="1200" dirty="0">
+                          <a:solidFill>
+                            <a:schemeClr val="dk1"/>
+                          </a:solidFill>
+                          <a:effectLst/>
+                          <a:latin typeface="+mn-lt"/>
+                          <a:ea typeface="+mn-ea"/>
+                          <a:cs typeface="+mn-cs"/>
+                        </a:rPr>
+                        <a:t>제작한 하드웨어로 얻은 데이터를 클라우드 서버에 전송하기위한 </a:t>
+                      </a:r>
+                      <a:r>
+                        <a:rPr lang="en-US" altLang="ko-KR" sz="1600" kern="1200" dirty="0" err="1">
+                          <a:solidFill>
+                            <a:schemeClr val="dk1"/>
+                          </a:solidFill>
+                          <a:effectLst/>
+                          <a:latin typeface="+mn-lt"/>
+                          <a:ea typeface="+mn-ea"/>
+                          <a:cs typeface="+mn-cs"/>
+                        </a:rPr>
+                        <a:t>iot</a:t>
+                      </a:r>
+                      <a:r>
+                        <a:rPr lang="en-US" altLang="ko-KR" sz="1600" kern="1200" dirty="0">
+                          <a:solidFill>
+                            <a:schemeClr val="dk1"/>
+                          </a:solidFill>
+                          <a:effectLst/>
+                          <a:latin typeface="+mn-lt"/>
+                          <a:ea typeface="+mn-ea"/>
+                          <a:cs typeface="+mn-cs"/>
+                        </a:rPr>
+                        <a:t> </a:t>
+                      </a:r>
+                      <a:r>
+                        <a:rPr lang="ko-KR" altLang="en-US" sz="1600" kern="1200" dirty="0">
+                          <a:solidFill>
+                            <a:schemeClr val="dk1"/>
+                          </a:solidFill>
+                          <a:effectLst/>
+                          <a:latin typeface="+mn-lt"/>
+                          <a:ea typeface="+mn-ea"/>
+                          <a:cs typeface="+mn-cs"/>
+                        </a:rPr>
+                        <a:t>채널을 제작 이를 운용한다</a:t>
+                      </a:r>
+                      <a:r>
+                        <a:rPr lang="en-US" altLang="ko-KR" sz="1600" kern="1200" dirty="0">
+                          <a:solidFill>
+                            <a:schemeClr val="dk1"/>
+                          </a:solidFill>
+                          <a:effectLst/>
+                          <a:latin typeface="+mn-lt"/>
+                          <a:ea typeface="+mn-ea"/>
+                          <a:cs typeface="+mn-cs"/>
+                        </a:rPr>
+                        <a:t>. </a:t>
                       </a:r>
                       <a:endParaRPr lang="ko-KR" altLang="en-US" sz="1600" kern="1200" dirty="0">
                         <a:solidFill>
